--- a/Plots/Sex_determination_outline.pptx
+++ b/Plots/Sex_determination_outline.pptx
@@ -2,19 +2,19 @@
 <file path=ppt/presentation.xml><?xml version="1.0" encoding="utf-8"?>
 <p:presentation xmlns:a="http://schemas.openxmlformats.org/drawingml/2006/main" xmlns:r="http://schemas.openxmlformats.org/officeDocument/2006/relationships" xmlns:p="http://schemas.openxmlformats.org/presentationml/2006/main" saveSubsetFonts="1" autoCompressPictures="0">
   <p:sldMasterIdLst>
-    <p:sldMasterId id="2147483672" r:id="rId1"/>
+    <p:sldMasterId id="2147483696" r:id="rId1"/>
   </p:sldMasterIdLst>
   <p:sldIdLst>
     <p:sldId id="257" r:id="rId2"/>
   </p:sldIdLst>
-  <p:sldSz cx="6858000" cy="8002588"/>
+  <p:sldSz cx="4679950" cy="3600450"/>
   <p:notesSz cx="6858000" cy="9144000"/>
   <p:defaultTextStyle>
     <a:defPPr>
       <a:defRPr lang="en-US"/>
     </a:defPPr>
-    <a:lvl1pPr marL="0" algn="l" defTabSz="914400" rtl="0" eaLnBrk="1" latinLnBrk="0" hangingPunct="1">
-      <a:defRPr sz="1800" kern="1200">
+    <a:lvl1pPr marL="0" algn="l" defTabSz="550103" rtl="0" eaLnBrk="1" latinLnBrk="0" hangingPunct="1">
+      <a:defRPr sz="1083" kern="1200">
         <a:solidFill>
           <a:schemeClr val="tx1"/>
         </a:solidFill>
@@ -23,8 +23,8 @@
         <a:cs typeface="+mn-cs"/>
       </a:defRPr>
     </a:lvl1pPr>
-    <a:lvl2pPr marL="457200" algn="l" defTabSz="914400" rtl="0" eaLnBrk="1" latinLnBrk="0" hangingPunct="1">
-      <a:defRPr sz="1800" kern="1200">
+    <a:lvl2pPr marL="275052" algn="l" defTabSz="550103" rtl="0" eaLnBrk="1" latinLnBrk="0" hangingPunct="1">
+      <a:defRPr sz="1083" kern="1200">
         <a:solidFill>
           <a:schemeClr val="tx1"/>
         </a:solidFill>
@@ -33,8 +33,8 @@
         <a:cs typeface="+mn-cs"/>
       </a:defRPr>
     </a:lvl2pPr>
-    <a:lvl3pPr marL="914400" algn="l" defTabSz="914400" rtl="0" eaLnBrk="1" latinLnBrk="0" hangingPunct="1">
-      <a:defRPr sz="1800" kern="1200">
+    <a:lvl3pPr marL="550103" algn="l" defTabSz="550103" rtl="0" eaLnBrk="1" latinLnBrk="0" hangingPunct="1">
+      <a:defRPr sz="1083" kern="1200">
         <a:solidFill>
           <a:schemeClr val="tx1"/>
         </a:solidFill>
@@ -43,8 +43,8 @@
         <a:cs typeface="+mn-cs"/>
       </a:defRPr>
     </a:lvl3pPr>
-    <a:lvl4pPr marL="1371600" algn="l" defTabSz="914400" rtl="0" eaLnBrk="1" latinLnBrk="0" hangingPunct="1">
-      <a:defRPr sz="1800" kern="1200">
+    <a:lvl4pPr marL="825155" algn="l" defTabSz="550103" rtl="0" eaLnBrk="1" latinLnBrk="0" hangingPunct="1">
+      <a:defRPr sz="1083" kern="1200">
         <a:solidFill>
           <a:schemeClr val="tx1"/>
         </a:solidFill>
@@ -53,8 +53,8 @@
         <a:cs typeface="+mn-cs"/>
       </a:defRPr>
     </a:lvl4pPr>
-    <a:lvl5pPr marL="1828800" algn="l" defTabSz="914400" rtl="0" eaLnBrk="1" latinLnBrk="0" hangingPunct="1">
-      <a:defRPr sz="1800" kern="1200">
+    <a:lvl5pPr marL="1100206" algn="l" defTabSz="550103" rtl="0" eaLnBrk="1" latinLnBrk="0" hangingPunct="1">
+      <a:defRPr sz="1083" kern="1200">
         <a:solidFill>
           <a:schemeClr val="tx1"/>
         </a:solidFill>
@@ -63,8 +63,8 @@
         <a:cs typeface="+mn-cs"/>
       </a:defRPr>
     </a:lvl5pPr>
-    <a:lvl6pPr marL="2286000" algn="l" defTabSz="914400" rtl="0" eaLnBrk="1" latinLnBrk="0" hangingPunct="1">
-      <a:defRPr sz="1800" kern="1200">
+    <a:lvl6pPr marL="1375258" algn="l" defTabSz="550103" rtl="0" eaLnBrk="1" latinLnBrk="0" hangingPunct="1">
+      <a:defRPr sz="1083" kern="1200">
         <a:solidFill>
           <a:schemeClr val="tx1"/>
         </a:solidFill>
@@ -73,8 +73,8 @@
         <a:cs typeface="+mn-cs"/>
       </a:defRPr>
     </a:lvl6pPr>
-    <a:lvl7pPr marL="2743200" algn="l" defTabSz="914400" rtl="0" eaLnBrk="1" latinLnBrk="0" hangingPunct="1">
-      <a:defRPr sz="1800" kern="1200">
+    <a:lvl7pPr marL="1650309" algn="l" defTabSz="550103" rtl="0" eaLnBrk="1" latinLnBrk="0" hangingPunct="1">
+      <a:defRPr sz="1083" kern="1200">
         <a:solidFill>
           <a:schemeClr val="tx1"/>
         </a:solidFill>
@@ -83,8 +83,8 @@
         <a:cs typeface="+mn-cs"/>
       </a:defRPr>
     </a:lvl7pPr>
-    <a:lvl8pPr marL="3200400" algn="l" defTabSz="914400" rtl="0" eaLnBrk="1" latinLnBrk="0" hangingPunct="1">
-      <a:defRPr sz="1800" kern="1200">
+    <a:lvl8pPr marL="1925361" algn="l" defTabSz="550103" rtl="0" eaLnBrk="1" latinLnBrk="0" hangingPunct="1">
+      <a:defRPr sz="1083" kern="1200">
         <a:solidFill>
           <a:schemeClr val="tx1"/>
         </a:solidFill>
@@ -93,8 +93,8 @@
         <a:cs typeface="+mn-cs"/>
       </a:defRPr>
     </a:lvl8pPr>
-    <a:lvl9pPr marL="3657600" algn="l" defTabSz="914400" rtl="0" eaLnBrk="1" latinLnBrk="0" hangingPunct="1">
-      <a:defRPr sz="1800" kern="1200">
+    <a:lvl9pPr marL="2200412" algn="l" defTabSz="550103" rtl="0" eaLnBrk="1" latinLnBrk="0" hangingPunct="1">
+      <a:defRPr sz="1083" kern="1200">
         <a:solidFill>
           <a:schemeClr val="tx1"/>
         </a:solidFill>
@@ -141,15 +141,15 @@
         </p:nvSpPr>
         <p:spPr>
           <a:xfrm>
-            <a:off x="514350" y="1309683"/>
-            <a:ext cx="5829300" cy="2786086"/>
+            <a:off x="350996" y="589241"/>
+            <a:ext cx="3977958" cy="1253490"/>
           </a:xfrm>
         </p:spPr>
         <p:txBody>
           <a:bodyPr anchor="b"/>
           <a:lstStyle>
             <a:lvl1pPr algn="ctr">
-              <a:defRPr sz="4500"/>
+              <a:defRPr sz="3071"/>
             </a:lvl1pPr>
           </a:lstStyle>
           <a:p>
@@ -173,8 +173,8 @@
         </p:nvSpPr>
         <p:spPr>
           <a:xfrm>
-            <a:off x="857250" y="4203212"/>
-            <a:ext cx="5143500" cy="1932106"/>
+            <a:off x="584994" y="1891070"/>
+            <a:ext cx="3509963" cy="869275"/>
           </a:xfrm>
         </p:spPr>
         <p:txBody>
@@ -182,39 +182,39 @@
           <a:lstStyle>
             <a:lvl1pPr marL="0" indent="0" algn="ctr">
               <a:buNone/>
-              <a:defRPr sz="1800"/>
+              <a:defRPr sz="1228"/>
             </a:lvl1pPr>
-            <a:lvl2pPr marL="342900" indent="0" algn="ctr">
+            <a:lvl2pPr marL="233995" indent="0" algn="ctr">
               <a:buNone/>
-              <a:defRPr sz="1500"/>
+              <a:defRPr sz="1024"/>
             </a:lvl2pPr>
-            <a:lvl3pPr marL="685800" indent="0" algn="ctr">
+            <a:lvl3pPr marL="467990" indent="0" algn="ctr">
               <a:buNone/>
-              <a:defRPr sz="1350"/>
+              <a:defRPr sz="921"/>
             </a:lvl3pPr>
-            <a:lvl4pPr marL="1028700" indent="0" algn="ctr">
+            <a:lvl4pPr marL="701985" indent="0" algn="ctr">
               <a:buNone/>
-              <a:defRPr sz="1200"/>
+              <a:defRPr sz="819"/>
             </a:lvl4pPr>
-            <a:lvl5pPr marL="1371600" indent="0" algn="ctr">
+            <a:lvl5pPr marL="935980" indent="0" algn="ctr">
               <a:buNone/>
-              <a:defRPr sz="1200"/>
+              <a:defRPr sz="819"/>
             </a:lvl5pPr>
-            <a:lvl6pPr marL="1714500" indent="0" algn="ctr">
+            <a:lvl6pPr marL="1169975" indent="0" algn="ctr">
               <a:buNone/>
-              <a:defRPr sz="1200"/>
+              <a:defRPr sz="819"/>
             </a:lvl6pPr>
-            <a:lvl7pPr marL="2057400" indent="0" algn="ctr">
+            <a:lvl7pPr marL="1403970" indent="0" algn="ctr">
               <a:buNone/>
-              <a:defRPr sz="1200"/>
+              <a:defRPr sz="819"/>
             </a:lvl7pPr>
-            <a:lvl8pPr marL="2400300" indent="0" algn="ctr">
+            <a:lvl8pPr marL="1637965" indent="0" algn="ctr">
               <a:buNone/>
-              <a:defRPr sz="1200"/>
+              <a:defRPr sz="819"/>
             </a:lvl8pPr>
-            <a:lvl9pPr marL="2743200" indent="0" algn="ctr">
+            <a:lvl9pPr marL="1871960" indent="0" algn="ctr">
               <a:buNone/>
-              <a:defRPr sz="1200"/>
+              <a:defRPr sz="819"/>
             </a:lvl9pPr>
           </a:lstStyle>
           <a:p>
@@ -243,7 +243,7 @@
           <a:p>
             <a:fld id="{C437F6A3-4B0E-974E-8C94-07C070FFF74A}" type="datetimeFigureOut">
               <a:rPr lang="en-US" smtClean="0"/>
-              <a:t>11/27/17</a:t>
+              <a:t>11/29/17</a:t>
             </a:fld>
             <a:endParaRPr lang="en-US"/>
           </a:p>
@@ -408,7 +408,7 @@
           <a:p>
             <a:fld id="{C437F6A3-4B0E-974E-8C94-07C070FFF74A}" type="datetimeFigureOut">
               <a:rPr lang="en-US" smtClean="0"/>
-              <a:t>11/27/17</a:t>
+              <a:t>11/29/17</a:t>
             </a:fld>
             <a:endParaRPr lang="en-US"/>
           </a:p>
@@ -493,8 +493,8 @@
         </p:nvSpPr>
         <p:spPr>
           <a:xfrm>
-            <a:off x="4907757" y="426064"/>
-            <a:ext cx="1478756" cy="6781823"/>
+            <a:off x="3349090" y="191691"/>
+            <a:ext cx="1009114" cy="3051215"/>
           </a:xfrm>
         </p:spPr>
         <p:txBody>
@@ -521,8 +521,8 @@
         </p:nvSpPr>
         <p:spPr>
           <a:xfrm>
-            <a:off x="471488" y="426064"/>
-            <a:ext cx="4350544" cy="6781823"/>
+            <a:off x="321747" y="191691"/>
+            <a:ext cx="2968843" cy="3051215"/>
           </a:xfrm>
         </p:spPr>
         <p:txBody>
@@ -583,7 +583,7 @@
           <a:p>
             <a:fld id="{C437F6A3-4B0E-974E-8C94-07C070FFF74A}" type="datetimeFigureOut">
               <a:rPr lang="en-US" smtClean="0"/>
-              <a:t>11/27/17</a:t>
+              <a:t>11/29/17</a:t>
             </a:fld>
             <a:endParaRPr lang="en-US"/>
           </a:p>
@@ -748,7 +748,7 @@
           <a:p>
             <a:fld id="{C437F6A3-4B0E-974E-8C94-07C070FFF74A}" type="datetimeFigureOut">
               <a:rPr lang="en-US" smtClean="0"/>
-              <a:t>11/27/17</a:t>
+              <a:t>11/29/17</a:t>
             </a:fld>
             <a:endParaRPr lang="en-US"/>
           </a:p>
@@ -833,15 +833,15 @@
         </p:nvSpPr>
         <p:spPr>
           <a:xfrm>
-            <a:off x="467916" y="1995092"/>
-            <a:ext cx="5915025" cy="3328854"/>
+            <a:off x="319309" y="897613"/>
+            <a:ext cx="4036457" cy="1497687"/>
           </a:xfrm>
         </p:spPr>
         <p:txBody>
           <a:bodyPr anchor="b"/>
           <a:lstStyle>
             <a:lvl1pPr>
-              <a:defRPr sz="4500"/>
+              <a:defRPr sz="3071"/>
             </a:lvl1pPr>
           </a:lstStyle>
           <a:p>
@@ -865,8 +865,8 @@
         </p:nvSpPr>
         <p:spPr>
           <a:xfrm>
-            <a:off x="467916" y="5355438"/>
-            <a:ext cx="5915025" cy="1750566"/>
+            <a:off x="319309" y="2409469"/>
+            <a:ext cx="4036457" cy="787598"/>
           </a:xfrm>
         </p:spPr>
         <p:txBody>
@@ -874,15 +874,15 @@
           <a:lstStyle>
             <a:lvl1pPr marL="0" indent="0">
               <a:buNone/>
-              <a:defRPr sz="1800">
+              <a:defRPr sz="1228">
                 <a:solidFill>
                   <a:schemeClr val="tx1"/>
                 </a:solidFill>
               </a:defRPr>
             </a:lvl1pPr>
-            <a:lvl2pPr marL="342900" indent="0">
+            <a:lvl2pPr marL="233995" indent="0">
               <a:buNone/>
-              <a:defRPr sz="1500">
+              <a:defRPr sz="1024">
                 <a:solidFill>
                   <a:schemeClr val="tx1">
                     <a:tint val="75000"/>
@@ -890,9 +890,9 @@
                 </a:solidFill>
               </a:defRPr>
             </a:lvl2pPr>
-            <a:lvl3pPr marL="685800" indent="0">
+            <a:lvl3pPr marL="467990" indent="0">
               <a:buNone/>
-              <a:defRPr sz="1350">
+              <a:defRPr sz="921">
                 <a:solidFill>
                   <a:schemeClr val="tx1">
                     <a:tint val="75000"/>
@@ -900,9 +900,9 @@
                 </a:solidFill>
               </a:defRPr>
             </a:lvl3pPr>
-            <a:lvl4pPr marL="1028700" indent="0">
+            <a:lvl4pPr marL="701985" indent="0">
               <a:buNone/>
-              <a:defRPr sz="1200">
+              <a:defRPr sz="819">
                 <a:solidFill>
                   <a:schemeClr val="tx1">
                     <a:tint val="75000"/>
@@ -910,9 +910,9 @@
                 </a:solidFill>
               </a:defRPr>
             </a:lvl4pPr>
-            <a:lvl5pPr marL="1371600" indent="0">
+            <a:lvl5pPr marL="935980" indent="0">
               <a:buNone/>
-              <a:defRPr sz="1200">
+              <a:defRPr sz="819">
                 <a:solidFill>
                   <a:schemeClr val="tx1">
                     <a:tint val="75000"/>
@@ -920,9 +920,9 @@
                 </a:solidFill>
               </a:defRPr>
             </a:lvl5pPr>
-            <a:lvl6pPr marL="1714500" indent="0">
+            <a:lvl6pPr marL="1169975" indent="0">
               <a:buNone/>
-              <a:defRPr sz="1200">
+              <a:defRPr sz="819">
                 <a:solidFill>
                   <a:schemeClr val="tx1">
                     <a:tint val="75000"/>
@@ -930,9 +930,9 @@
                 </a:solidFill>
               </a:defRPr>
             </a:lvl6pPr>
-            <a:lvl7pPr marL="2057400" indent="0">
+            <a:lvl7pPr marL="1403970" indent="0">
               <a:buNone/>
-              <a:defRPr sz="1200">
+              <a:defRPr sz="819">
                 <a:solidFill>
                   <a:schemeClr val="tx1">
                     <a:tint val="75000"/>
@@ -940,9 +940,9 @@
                 </a:solidFill>
               </a:defRPr>
             </a:lvl7pPr>
-            <a:lvl8pPr marL="2400300" indent="0">
+            <a:lvl8pPr marL="1637965" indent="0">
               <a:buNone/>
-              <a:defRPr sz="1200">
+              <a:defRPr sz="819">
                 <a:solidFill>
                   <a:schemeClr val="tx1">
                     <a:tint val="75000"/>
@@ -950,9 +950,9 @@
                 </a:solidFill>
               </a:defRPr>
             </a:lvl8pPr>
-            <a:lvl9pPr marL="2743200" indent="0">
+            <a:lvl9pPr marL="1871960" indent="0">
               <a:buNone/>
-              <a:defRPr sz="1200">
+              <a:defRPr sz="819">
                 <a:solidFill>
                   <a:schemeClr val="tx1">
                     <a:tint val="75000"/>
@@ -987,7 +987,7 @@
           <a:p>
             <a:fld id="{C437F6A3-4B0E-974E-8C94-07C070FFF74A}" type="datetimeFigureOut">
               <a:rPr lang="en-US" smtClean="0"/>
-              <a:t>11/27/17</a:t>
+              <a:t>11/29/17</a:t>
             </a:fld>
             <a:endParaRPr lang="en-US"/>
           </a:p>
@@ -1095,8 +1095,8 @@
         </p:nvSpPr>
         <p:spPr>
           <a:xfrm>
-            <a:off x="471488" y="2130318"/>
-            <a:ext cx="2914650" cy="5077569"/>
+            <a:off x="321746" y="958453"/>
+            <a:ext cx="1988979" cy="2284452"/>
           </a:xfrm>
         </p:spPr>
         <p:txBody>
@@ -1152,8 +1152,8 @@
         </p:nvSpPr>
         <p:spPr>
           <a:xfrm>
-            <a:off x="3471863" y="2130318"/>
-            <a:ext cx="2914650" cy="5077569"/>
+            <a:off x="2369225" y="958453"/>
+            <a:ext cx="1988979" cy="2284452"/>
           </a:xfrm>
         </p:spPr>
         <p:txBody>
@@ -1214,7 +1214,7 @@
           <a:p>
             <a:fld id="{C437F6A3-4B0E-974E-8C94-07C070FFF74A}" type="datetimeFigureOut">
               <a:rPr lang="en-US" smtClean="0"/>
-              <a:t>11/27/17</a:t>
+              <a:t>11/29/17</a:t>
             </a:fld>
             <a:endParaRPr lang="en-US"/>
           </a:p>
@@ -1299,8 +1299,8 @@
         </p:nvSpPr>
         <p:spPr>
           <a:xfrm>
-            <a:off x="472381" y="426066"/>
-            <a:ext cx="5915025" cy="1546797"/>
+            <a:off x="322356" y="191691"/>
+            <a:ext cx="4036457" cy="695921"/>
           </a:xfrm>
         </p:spPr>
         <p:txBody>
@@ -1327,8 +1327,8 @@
         </p:nvSpPr>
         <p:spPr>
           <a:xfrm>
-            <a:off x="472381" y="1961746"/>
-            <a:ext cx="2901255" cy="961421"/>
+            <a:off x="322357" y="882610"/>
+            <a:ext cx="1979838" cy="432554"/>
           </a:xfrm>
         </p:spPr>
         <p:txBody>
@@ -1336,39 +1336,39 @@
           <a:lstStyle>
             <a:lvl1pPr marL="0" indent="0">
               <a:buNone/>
-              <a:defRPr sz="1800" b="1"/>
+              <a:defRPr sz="1228" b="1"/>
             </a:lvl1pPr>
-            <a:lvl2pPr marL="342900" indent="0">
+            <a:lvl2pPr marL="233995" indent="0">
               <a:buNone/>
-              <a:defRPr sz="1500" b="1"/>
+              <a:defRPr sz="1024" b="1"/>
             </a:lvl2pPr>
-            <a:lvl3pPr marL="685800" indent="0">
+            <a:lvl3pPr marL="467990" indent="0">
               <a:buNone/>
-              <a:defRPr sz="1350" b="1"/>
+              <a:defRPr sz="921" b="1"/>
             </a:lvl3pPr>
-            <a:lvl4pPr marL="1028700" indent="0">
+            <a:lvl4pPr marL="701985" indent="0">
               <a:buNone/>
-              <a:defRPr sz="1200" b="1"/>
+              <a:defRPr sz="819" b="1"/>
             </a:lvl4pPr>
-            <a:lvl5pPr marL="1371600" indent="0">
+            <a:lvl5pPr marL="935980" indent="0">
               <a:buNone/>
-              <a:defRPr sz="1200" b="1"/>
+              <a:defRPr sz="819" b="1"/>
             </a:lvl5pPr>
-            <a:lvl6pPr marL="1714500" indent="0">
+            <a:lvl6pPr marL="1169975" indent="0">
               <a:buNone/>
-              <a:defRPr sz="1200" b="1"/>
+              <a:defRPr sz="819" b="1"/>
             </a:lvl6pPr>
-            <a:lvl7pPr marL="2057400" indent="0">
+            <a:lvl7pPr marL="1403970" indent="0">
               <a:buNone/>
-              <a:defRPr sz="1200" b="1"/>
+              <a:defRPr sz="819" b="1"/>
             </a:lvl7pPr>
-            <a:lvl8pPr marL="2400300" indent="0">
+            <a:lvl8pPr marL="1637965" indent="0">
               <a:buNone/>
-              <a:defRPr sz="1200" b="1"/>
+              <a:defRPr sz="819" b="1"/>
             </a:lvl8pPr>
-            <a:lvl9pPr marL="2743200" indent="0">
+            <a:lvl9pPr marL="1871960" indent="0">
               <a:buNone/>
-              <a:defRPr sz="1200" b="1"/>
+              <a:defRPr sz="819" b="1"/>
             </a:lvl9pPr>
           </a:lstStyle>
           <a:p>
@@ -1392,8 +1392,8 @@
         </p:nvSpPr>
         <p:spPr>
           <a:xfrm>
-            <a:off x="472381" y="2923168"/>
-            <a:ext cx="2901255" cy="4299539"/>
+            <a:off x="322357" y="1315164"/>
+            <a:ext cx="1979838" cy="1934409"/>
           </a:xfrm>
         </p:spPr>
         <p:txBody>
@@ -1449,8 +1449,8 @@
         </p:nvSpPr>
         <p:spPr>
           <a:xfrm>
-            <a:off x="3471863" y="1961746"/>
-            <a:ext cx="2915543" cy="961421"/>
+            <a:off x="2369225" y="882610"/>
+            <a:ext cx="1989588" cy="432554"/>
           </a:xfrm>
         </p:spPr>
         <p:txBody>
@@ -1458,39 +1458,39 @@
           <a:lstStyle>
             <a:lvl1pPr marL="0" indent="0">
               <a:buNone/>
-              <a:defRPr sz="1800" b="1"/>
+              <a:defRPr sz="1228" b="1"/>
             </a:lvl1pPr>
-            <a:lvl2pPr marL="342900" indent="0">
+            <a:lvl2pPr marL="233995" indent="0">
               <a:buNone/>
-              <a:defRPr sz="1500" b="1"/>
+              <a:defRPr sz="1024" b="1"/>
             </a:lvl2pPr>
-            <a:lvl3pPr marL="685800" indent="0">
+            <a:lvl3pPr marL="467990" indent="0">
               <a:buNone/>
-              <a:defRPr sz="1350" b="1"/>
+              <a:defRPr sz="921" b="1"/>
             </a:lvl3pPr>
-            <a:lvl4pPr marL="1028700" indent="0">
+            <a:lvl4pPr marL="701985" indent="0">
               <a:buNone/>
-              <a:defRPr sz="1200" b="1"/>
+              <a:defRPr sz="819" b="1"/>
             </a:lvl4pPr>
-            <a:lvl5pPr marL="1371600" indent="0">
+            <a:lvl5pPr marL="935980" indent="0">
               <a:buNone/>
-              <a:defRPr sz="1200" b="1"/>
+              <a:defRPr sz="819" b="1"/>
             </a:lvl5pPr>
-            <a:lvl6pPr marL="1714500" indent="0">
+            <a:lvl6pPr marL="1169975" indent="0">
               <a:buNone/>
-              <a:defRPr sz="1200" b="1"/>
+              <a:defRPr sz="819" b="1"/>
             </a:lvl6pPr>
-            <a:lvl7pPr marL="2057400" indent="0">
+            <a:lvl7pPr marL="1403970" indent="0">
               <a:buNone/>
-              <a:defRPr sz="1200" b="1"/>
+              <a:defRPr sz="819" b="1"/>
             </a:lvl7pPr>
-            <a:lvl8pPr marL="2400300" indent="0">
+            <a:lvl8pPr marL="1637965" indent="0">
               <a:buNone/>
-              <a:defRPr sz="1200" b="1"/>
+              <a:defRPr sz="819" b="1"/>
             </a:lvl8pPr>
-            <a:lvl9pPr marL="2743200" indent="0">
+            <a:lvl9pPr marL="1871960" indent="0">
               <a:buNone/>
-              <a:defRPr sz="1200" b="1"/>
+              <a:defRPr sz="819" b="1"/>
             </a:lvl9pPr>
           </a:lstStyle>
           <a:p>
@@ -1514,8 +1514,8 @@
         </p:nvSpPr>
         <p:spPr>
           <a:xfrm>
-            <a:off x="3471863" y="2923168"/>
-            <a:ext cx="2915543" cy="4299539"/>
+            <a:off x="2369225" y="1315164"/>
+            <a:ext cx="1989588" cy="1934409"/>
           </a:xfrm>
         </p:spPr>
         <p:txBody>
@@ -1576,7 +1576,7 @@
           <a:p>
             <a:fld id="{C437F6A3-4B0E-974E-8C94-07C070FFF74A}" type="datetimeFigureOut">
               <a:rPr lang="en-US" smtClean="0"/>
-              <a:t>11/27/17</a:t>
+              <a:t>11/29/17</a:t>
             </a:fld>
             <a:endParaRPr lang="en-US"/>
           </a:p>
@@ -1689,7 +1689,7 @@
           <a:p>
             <a:fld id="{C437F6A3-4B0E-974E-8C94-07C070FFF74A}" type="datetimeFigureOut">
               <a:rPr lang="en-US" smtClean="0"/>
-              <a:t>11/27/17</a:t>
+              <a:t>11/29/17</a:t>
             </a:fld>
             <a:endParaRPr lang="en-US"/>
           </a:p>
@@ -1779,7 +1779,7 @@
           <a:p>
             <a:fld id="{C437F6A3-4B0E-974E-8C94-07C070FFF74A}" type="datetimeFigureOut">
               <a:rPr lang="en-US" smtClean="0"/>
-              <a:t>11/27/17</a:t>
+              <a:t>11/29/17</a:t>
             </a:fld>
             <a:endParaRPr lang="en-US"/>
           </a:p>
@@ -1864,15 +1864,15 @@
         </p:nvSpPr>
         <p:spPr>
           <a:xfrm>
-            <a:off x="472381" y="533506"/>
-            <a:ext cx="2211884" cy="1867271"/>
+            <a:off x="322356" y="240030"/>
+            <a:ext cx="1509406" cy="840105"/>
           </a:xfrm>
         </p:spPr>
         <p:txBody>
           <a:bodyPr anchor="b"/>
           <a:lstStyle>
             <a:lvl1pPr>
-              <a:defRPr sz="2400"/>
+              <a:defRPr sz="1638"/>
             </a:lvl1pPr>
           </a:lstStyle>
           <a:p>
@@ -1896,39 +1896,39 @@
         </p:nvSpPr>
         <p:spPr>
           <a:xfrm>
-            <a:off x="2915543" y="1152226"/>
-            <a:ext cx="3471863" cy="5687024"/>
+            <a:off x="1989588" y="518399"/>
+            <a:ext cx="2369225" cy="2558653"/>
           </a:xfrm>
         </p:spPr>
         <p:txBody>
           <a:bodyPr/>
           <a:lstStyle>
             <a:lvl1pPr>
-              <a:defRPr sz="2400"/>
+              <a:defRPr sz="1638"/>
             </a:lvl1pPr>
             <a:lvl2pPr>
-              <a:defRPr sz="2100"/>
+              <a:defRPr sz="1433"/>
             </a:lvl2pPr>
             <a:lvl3pPr>
-              <a:defRPr sz="1800"/>
+              <a:defRPr sz="1228"/>
             </a:lvl3pPr>
             <a:lvl4pPr>
-              <a:defRPr sz="1500"/>
+              <a:defRPr sz="1024"/>
             </a:lvl4pPr>
             <a:lvl5pPr>
-              <a:defRPr sz="1500"/>
+              <a:defRPr sz="1024"/>
             </a:lvl5pPr>
             <a:lvl6pPr>
-              <a:defRPr sz="1500"/>
+              <a:defRPr sz="1024"/>
             </a:lvl6pPr>
             <a:lvl7pPr>
-              <a:defRPr sz="1500"/>
+              <a:defRPr sz="1024"/>
             </a:lvl7pPr>
             <a:lvl8pPr>
-              <a:defRPr sz="1500"/>
+              <a:defRPr sz="1024"/>
             </a:lvl8pPr>
             <a:lvl9pPr>
-              <a:defRPr sz="1500"/>
+              <a:defRPr sz="1024"/>
             </a:lvl9pPr>
           </a:lstStyle>
           <a:p>
@@ -1981,8 +1981,8 @@
         </p:nvSpPr>
         <p:spPr>
           <a:xfrm>
-            <a:off x="472381" y="2400777"/>
-            <a:ext cx="2211884" cy="4447735"/>
+            <a:off x="322356" y="1080135"/>
+            <a:ext cx="1509406" cy="2001084"/>
           </a:xfrm>
         </p:spPr>
         <p:txBody>
@@ -1990,39 +1990,39 @@
           <a:lstStyle>
             <a:lvl1pPr marL="0" indent="0">
               <a:buNone/>
-              <a:defRPr sz="1200"/>
+              <a:defRPr sz="819"/>
             </a:lvl1pPr>
-            <a:lvl2pPr marL="342900" indent="0">
+            <a:lvl2pPr marL="233995" indent="0">
               <a:buNone/>
-              <a:defRPr sz="1050"/>
+              <a:defRPr sz="717"/>
             </a:lvl2pPr>
-            <a:lvl3pPr marL="685800" indent="0">
+            <a:lvl3pPr marL="467990" indent="0">
               <a:buNone/>
-              <a:defRPr sz="900"/>
+              <a:defRPr sz="614"/>
             </a:lvl3pPr>
-            <a:lvl4pPr marL="1028700" indent="0">
+            <a:lvl4pPr marL="701985" indent="0">
               <a:buNone/>
-              <a:defRPr sz="750"/>
+              <a:defRPr sz="512"/>
             </a:lvl4pPr>
-            <a:lvl5pPr marL="1371600" indent="0">
+            <a:lvl5pPr marL="935980" indent="0">
               <a:buNone/>
-              <a:defRPr sz="750"/>
+              <a:defRPr sz="512"/>
             </a:lvl5pPr>
-            <a:lvl6pPr marL="1714500" indent="0">
+            <a:lvl6pPr marL="1169975" indent="0">
               <a:buNone/>
-              <a:defRPr sz="750"/>
+              <a:defRPr sz="512"/>
             </a:lvl6pPr>
-            <a:lvl7pPr marL="2057400" indent="0">
+            <a:lvl7pPr marL="1403970" indent="0">
               <a:buNone/>
-              <a:defRPr sz="750"/>
+              <a:defRPr sz="512"/>
             </a:lvl7pPr>
-            <a:lvl8pPr marL="2400300" indent="0">
+            <a:lvl8pPr marL="1637965" indent="0">
               <a:buNone/>
-              <a:defRPr sz="750"/>
+              <a:defRPr sz="512"/>
             </a:lvl8pPr>
-            <a:lvl9pPr marL="2743200" indent="0">
+            <a:lvl9pPr marL="1871960" indent="0">
               <a:buNone/>
-              <a:defRPr sz="750"/>
+              <a:defRPr sz="512"/>
             </a:lvl9pPr>
           </a:lstStyle>
           <a:p>
@@ -2051,7 +2051,7 @@
           <a:p>
             <a:fld id="{C437F6A3-4B0E-974E-8C94-07C070FFF74A}" type="datetimeFigureOut">
               <a:rPr lang="en-US" smtClean="0"/>
-              <a:t>11/27/17</a:t>
+              <a:t>11/29/17</a:t>
             </a:fld>
             <a:endParaRPr lang="en-US"/>
           </a:p>
@@ -2136,15 +2136,15 @@
         </p:nvSpPr>
         <p:spPr>
           <a:xfrm>
-            <a:off x="472381" y="533506"/>
-            <a:ext cx="2211884" cy="1867271"/>
+            <a:off x="322356" y="240030"/>
+            <a:ext cx="1509406" cy="840105"/>
           </a:xfrm>
         </p:spPr>
         <p:txBody>
           <a:bodyPr anchor="b"/>
           <a:lstStyle>
             <a:lvl1pPr>
-              <a:defRPr sz="2400"/>
+              <a:defRPr sz="1638"/>
             </a:lvl1pPr>
           </a:lstStyle>
           <a:p>
@@ -2168,8 +2168,8 @@
         </p:nvSpPr>
         <p:spPr>
           <a:xfrm>
-            <a:off x="2915543" y="1152226"/>
-            <a:ext cx="3471863" cy="5687024"/>
+            <a:off x="1989588" y="518399"/>
+            <a:ext cx="2369225" cy="2558653"/>
           </a:xfrm>
         </p:spPr>
         <p:txBody>
@@ -2177,39 +2177,39 @@
           <a:lstStyle>
             <a:lvl1pPr marL="0" indent="0">
               <a:buNone/>
-              <a:defRPr sz="2400"/>
+              <a:defRPr sz="1638"/>
             </a:lvl1pPr>
-            <a:lvl2pPr marL="342900" indent="0">
+            <a:lvl2pPr marL="233995" indent="0">
               <a:buNone/>
-              <a:defRPr sz="2100"/>
+              <a:defRPr sz="1433"/>
             </a:lvl2pPr>
-            <a:lvl3pPr marL="685800" indent="0">
+            <a:lvl3pPr marL="467990" indent="0">
               <a:buNone/>
-              <a:defRPr sz="1800"/>
+              <a:defRPr sz="1228"/>
             </a:lvl3pPr>
-            <a:lvl4pPr marL="1028700" indent="0">
+            <a:lvl4pPr marL="701985" indent="0">
               <a:buNone/>
-              <a:defRPr sz="1500"/>
+              <a:defRPr sz="1024"/>
             </a:lvl4pPr>
-            <a:lvl5pPr marL="1371600" indent="0">
+            <a:lvl5pPr marL="935980" indent="0">
               <a:buNone/>
-              <a:defRPr sz="1500"/>
+              <a:defRPr sz="1024"/>
             </a:lvl5pPr>
-            <a:lvl6pPr marL="1714500" indent="0">
+            <a:lvl6pPr marL="1169975" indent="0">
               <a:buNone/>
-              <a:defRPr sz="1500"/>
+              <a:defRPr sz="1024"/>
             </a:lvl6pPr>
-            <a:lvl7pPr marL="2057400" indent="0">
+            <a:lvl7pPr marL="1403970" indent="0">
               <a:buNone/>
-              <a:defRPr sz="1500"/>
+              <a:defRPr sz="1024"/>
             </a:lvl7pPr>
-            <a:lvl8pPr marL="2400300" indent="0">
+            <a:lvl8pPr marL="1637965" indent="0">
               <a:buNone/>
-              <a:defRPr sz="1500"/>
+              <a:defRPr sz="1024"/>
             </a:lvl8pPr>
-            <a:lvl9pPr marL="2743200" indent="0">
+            <a:lvl9pPr marL="1871960" indent="0">
               <a:buNone/>
-              <a:defRPr sz="1500"/>
+              <a:defRPr sz="1024"/>
             </a:lvl9pPr>
           </a:lstStyle>
           <a:p>
@@ -2233,8 +2233,8 @@
         </p:nvSpPr>
         <p:spPr>
           <a:xfrm>
-            <a:off x="472381" y="2400777"/>
-            <a:ext cx="2211884" cy="4447735"/>
+            <a:off x="322356" y="1080135"/>
+            <a:ext cx="1509406" cy="2001084"/>
           </a:xfrm>
         </p:spPr>
         <p:txBody>
@@ -2242,39 +2242,39 @@
           <a:lstStyle>
             <a:lvl1pPr marL="0" indent="0">
               <a:buNone/>
-              <a:defRPr sz="1200"/>
+              <a:defRPr sz="819"/>
             </a:lvl1pPr>
-            <a:lvl2pPr marL="342900" indent="0">
+            <a:lvl2pPr marL="233995" indent="0">
               <a:buNone/>
-              <a:defRPr sz="1050"/>
+              <a:defRPr sz="717"/>
             </a:lvl2pPr>
-            <a:lvl3pPr marL="685800" indent="0">
+            <a:lvl3pPr marL="467990" indent="0">
               <a:buNone/>
-              <a:defRPr sz="900"/>
+              <a:defRPr sz="614"/>
             </a:lvl3pPr>
-            <a:lvl4pPr marL="1028700" indent="0">
+            <a:lvl4pPr marL="701985" indent="0">
               <a:buNone/>
-              <a:defRPr sz="750"/>
+              <a:defRPr sz="512"/>
             </a:lvl4pPr>
-            <a:lvl5pPr marL="1371600" indent="0">
+            <a:lvl5pPr marL="935980" indent="0">
               <a:buNone/>
-              <a:defRPr sz="750"/>
+              <a:defRPr sz="512"/>
             </a:lvl5pPr>
-            <a:lvl6pPr marL="1714500" indent="0">
+            <a:lvl6pPr marL="1169975" indent="0">
               <a:buNone/>
-              <a:defRPr sz="750"/>
+              <a:defRPr sz="512"/>
             </a:lvl6pPr>
-            <a:lvl7pPr marL="2057400" indent="0">
+            <a:lvl7pPr marL="1403970" indent="0">
               <a:buNone/>
-              <a:defRPr sz="750"/>
+              <a:defRPr sz="512"/>
             </a:lvl7pPr>
-            <a:lvl8pPr marL="2400300" indent="0">
+            <a:lvl8pPr marL="1637965" indent="0">
               <a:buNone/>
-              <a:defRPr sz="750"/>
+              <a:defRPr sz="512"/>
             </a:lvl8pPr>
-            <a:lvl9pPr marL="2743200" indent="0">
+            <a:lvl9pPr marL="1871960" indent="0">
               <a:buNone/>
-              <a:defRPr sz="750"/>
+              <a:defRPr sz="512"/>
             </a:lvl9pPr>
           </a:lstStyle>
           <a:p>
@@ -2303,7 +2303,7 @@
           <a:p>
             <a:fld id="{C437F6A3-4B0E-974E-8C94-07C070FFF74A}" type="datetimeFigureOut">
               <a:rPr lang="en-US" smtClean="0"/>
-              <a:t>11/27/17</a:t>
+              <a:t>11/29/17</a:t>
             </a:fld>
             <a:endParaRPr lang="en-US"/>
           </a:p>
@@ -2393,8 +2393,8 @@
         </p:nvSpPr>
         <p:spPr>
           <a:xfrm>
-            <a:off x="471488" y="426066"/>
-            <a:ext cx="5915025" cy="1546797"/>
+            <a:off x="321747" y="191691"/>
+            <a:ext cx="4036457" cy="695921"/>
           </a:xfrm>
           <a:prstGeom prst="rect">
             <a:avLst/>
@@ -2426,8 +2426,8 @@
         </p:nvSpPr>
         <p:spPr>
           <a:xfrm>
-            <a:off x="471488" y="2130318"/>
-            <a:ext cx="5915025" cy="5077569"/>
+            <a:off x="321747" y="958453"/>
+            <a:ext cx="4036457" cy="2284452"/>
           </a:xfrm>
           <a:prstGeom prst="rect">
             <a:avLst/>
@@ -2488,8 +2488,8 @@
         </p:nvSpPr>
         <p:spPr>
           <a:xfrm>
-            <a:off x="471488" y="7417215"/>
-            <a:ext cx="1543050" cy="426064"/>
+            <a:off x="321746" y="3337084"/>
+            <a:ext cx="1052989" cy="191691"/>
           </a:xfrm>
           <a:prstGeom prst="rect">
             <a:avLst/>
@@ -2499,7 +2499,7 @@
           <a:bodyPr vert="horz" lIns="91440" tIns="45720" rIns="91440" bIns="45720" rtlCol="0" anchor="ctr"/>
           <a:lstStyle>
             <a:lvl1pPr algn="l">
-              <a:defRPr sz="900">
+              <a:defRPr sz="614">
                 <a:solidFill>
                   <a:schemeClr val="tx1">
                     <a:tint val="75000"/>
@@ -2511,7 +2511,7 @@
           <a:p>
             <a:fld id="{C437F6A3-4B0E-974E-8C94-07C070FFF74A}" type="datetimeFigureOut">
               <a:rPr lang="en-US" smtClean="0"/>
-              <a:t>11/27/17</a:t>
+              <a:t>11/29/17</a:t>
             </a:fld>
             <a:endParaRPr lang="en-US"/>
           </a:p>
@@ -2529,8 +2529,8 @@
         </p:nvSpPr>
         <p:spPr>
           <a:xfrm>
-            <a:off x="2271713" y="7417215"/>
-            <a:ext cx="2314575" cy="426064"/>
+            <a:off x="1550234" y="3337084"/>
+            <a:ext cx="1579483" cy="191691"/>
           </a:xfrm>
           <a:prstGeom prst="rect">
             <a:avLst/>
@@ -2540,7 +2540,7 @@
           <a:bodyPr vert="horz" lIns="91440" tIns="45720" rIns="91440" bIns="45720" rtlCol="0" anchor="ctr"/>
           <a:lstStyle>
             <a:lvl1pPr algn="ctr">
-              <a:defRPr sz="900">
+              <a:defRPr sz="614">
                 <a:solidFill>
                   <a:schemeClr val="tx1">
                     <a:tint val="75000"/>
@@ -2566,8 +2566,8 @@
         </p:nvSpPr>
         <p:spPr>
           <a:xfrm>
-            <a:off x="4843463" y="7417215"/>
-            <a:ext cx="1543050" cy="426064"/>
+            <a:off x="3305215" y="3337084"/>
+            <a:ext cx="1052989" cy="191691"/>
           </a:xfrm>
           <a:prstGeom prst="rect">
             <a:avLst/>
@@ -2577,7 +2577,7 @@
           <a:bodyPr vert="horz" lIns="91440" tIns="45720" rIns="91440" bIns="45720" rtlCol="0" anchor="ctr"/>
           <a:lstStyle>
             <a:lvl1pPr algn="r">
-              <a:defRPr sz="900">
+              <a:defRPr sz="614">
                 <a:solidFill>
                   <a:schemeClr val="tx1">
                     <a:tint val="75000"/>
@@ -2598,27 +2598,27 @@
     </p:spTree>
     <p:extLst>
       <p:ext uri="{BB962C8B-B14F-4D97-AF65-F5344CB8AC3E}">
-        <p14:creationId xmlns:p14="http://schemas.microsoft.com/office/powerpoint/2010/main" val="1577380214"/>
+        <p14:creationId xmlns:p14="http://schemas.microsoft.com/office/powerpoint/2010/main" val="1058811563"/>
       </p:ext>
     </p:extLst>
   </p:cSld>
   <p:clrMap bg1="lt1" tx1="dk1" bg2="lt2" tx2="dk2" accent1="accent1" accent2="accent2" accent3="accent3" accent4="accent4" accent5="accent5" accent6="accent6" hlink="hlink" folHlink="folHlink"/>
   <p:sldLayoutIdLst>
-    <p:sldLayoutId id="2147483673" r:id="rId1"/>
-    <p:sldLayoutId id="2147483674" r:id="rId2"/>
-    <p:sldLayoutId id="2147483675" r:id="rId3"/>
-    <p:sldLayoutId id="2147483676" r:id="rId4"/>
-    <p:sldLayoutId id="2147483677" r:id="rId5"/>
-    <p:sldLayoutId id="2147483678" r:id="rId6"/>
-    <p:sldLayoutId id="2147483679" r:id="rId7"/>
-    <p:sldLayoutId id="2147483680" r:id="rId8"/>
-    <p:sldLayoutId id="2147483681" r:id="rId9"/>
-    <p:sldLayoutId id="2147483682" r:id="rId10"/>
-    <p:sldLayoutId id="2147483683" r:id="rId11"/>
+    <p:sldLayoutId id="2147483697" r:id="rId1"/>
+    <p:sldLayoutId id="2147483698" r:id="rId2"/>
+    <p:sldLayoutId id="2147483699" r:id="rId3"/>
+    <p:sldLayoutId id="2147483700" r:id="rId4"/>
+    <p:sldLayoutId id="2147483701" r:id="rId5"/>
+    <p:sldLayoutId id="2147483702" r:id="rId6"/>
+    <p:sldLayoutId id="2147483703" r:id="rId7"/>
+    <p:sldLayoutId id="2147483704" r:id="rId8"/>
+    <p:sldLayoutId id="2147483705" r:id="rId9"/>
+    <p:sldLayoutId id="2147483706" r:id="rId10"/>
+    <p:sldLayoutId id="2147483707" r:id="rId11"/>
   </p:sldLayoutIdLst>
   <p:txStyles>
     <p:titleStyle>
-      <a:lvl1pPr algn="l" defTabSz="685800" rtl="0" eaLnBrk="1" latinLnBrk="0" hangingPunct="1">
+      <a:lvl1pPr algn="l" defTabSz="467990" rtl="0" eaLnBrk="1" latinLnBrk="0" hangingPunct="1">
         <a:lnSpc>
           <a:spcPct val="90000"/>
         </a:lnSpc>
@@ -2626,7 +2626,7 @@
           <a:spcPct val="0"/>
         </a:spcBef>
         <a:buNone/>
-        <a:defRPr sz="3300" kern="1200">
+        <a:defRPr sz="2252" kern="1200">
           <a:solidFill>
             <a:schemeClr val="tx1"/>
           </a:solidFill>
@@ -2637,16 +2637,16 @@
       </a:lvl1pPr>
     </p:titleStyle>
     <p:bodyStyle>
-      <a:lvl1pPr marL="171450" indent="-171450" algn="l" defTabSz="685800" rtl="0" eaLnBrk="1" latinLnBrk="0" hangingPunct="1">
+      <a:lvl1pPr marL="116997" indent="-116997" algn="l" defTabSz="467990" rtl="0" eaLnBrk="1" latinLnBrk="0" hangingPunct="1">
         <a:lnSpc>
           <a:spcPct val="90000"/>
         </a:lnSpc>
         <a:spcBef>
-          <a:spcPts val="750"/>
+          <a:spcPts val="512"/>
         </a:spcBef>
         <a:buFont typeface="Arial" panose="020B0604020202020204" pitchFamily="34" charset="0"/>
         <a:buChar char="•"/>
-        <a:defRPr sz="2100" kern="1200">
+        <a:defRPr sz="1433" kern="1200">
           <a:solidFill>
             <a:schemeClr val="tx1"/>
           </a:solidFill>
@@ -2655,16 +2655,16 @@
           <a:cs typeface="+mn-cs"/>
         </a:defRPr>
       </a:lvl1pPr>
-      <a:lvl2pPr marL="514350" indent="-171450" algn="l" defTabSz="685800" rtl="0" eaLnBrk="1" latinLnBrk="0" hangingPunct="1">
+      <a:lvl2pPr marL="350992" indent="-116997" algn="l" defTabSz="467990" rtl="0" eaLnBrk="1" latinLnBrk="0" hangingPunct="1">
         <a:lnSpc>
           <a:spcPct val="90000"/>
         </a:lnSpc>
         <a:spcBef>
-          <a:spcPts val="375"/>
+          <a:spcPts val="256"/>
         </a:spcBef>
         <a:buFont typeface="Arial" panose="020B0604020202020204" pitchFamily="34" charset="0"/>
         <a:buChar char="•"/>
-        <a:defRPr sz="1800" kern="1200">
+        <a:defRPr sz="1228" kern="1200">
           <a:solidFill>
             <a:schemeClr val="tx1"/>
           </a:solidFill>
@@ -2673,16 +2673,16 @@
           <a:cs typeface="+mn-cs"/>
         </a:defRPr>
       </a:lvl2pPr>
-      <a:lvl3pPr marL="857250" indent="-171450" algn="l" defTabSz="685800" rtl="0" eaLnBrk="1" latinLnBrk="0" hangingPunct="1">
+      <a:lvl3pPr marL="584987" indent="-116997" algn="l" defTabSz="467990" rtl="0" eaLnBrk="1" latinLnBrk="0" hangingPunct="1">
         <a:lnSpc>
           <a:spcPct val="90000"/>
         </a:lnSpc>
         <a:spcBef>
-          <a:spcPts val="375"/>
+          <a:spcPts val="256"/>
         </a:spcBef>
         <a:buFont typeface="Arial" panose="020B0604020202020204" pitchFamily="34" charset="0"/>
         <a:buChar char="•"/>
-        <a:defRPr sz="1500" kern="1200">
+        <a:defRPr sz="1024" kern="1200">
           <a:solidFill>
             <a:schemeClr val="tx1"/>
           </a:solidFill>
@@ -2691,16 +2691,16 @@
           <a:cs typeface="+mn-cs"/>
         </a:defRPr>
       </a:lvl3pPr>
-      <a:lvl4pPr marL="1200150" indent="-171450" algn="l" defTabSz="685800" rtl="0" eaLnBrk="1" latinLnBrk="0" hangingPunct="1">
+      <a:lvl4pPr marL="818982" indent="-116997" algn="l" defTabSz="467990" rtl="0" eaLnBrk="1" latinLnBrk="0" hangingPunct="1">
         <a:lnSpc>
           <a:spcPct val="90000"/>
         </a:lnSpc>
         <a:spcBef>
-          <a:spcPts val="375"/>
+          <a:spcPts val="256"/>
         </a:spcBef>
         <a:buFont typeface="Arial" panose="020B0604020202020204" pitchFamily="34" charset="0"/>
         <a:buChar char="•"/>
-        <a:defRPr sz="1350" kern="1200">
+        <a:defRPr sz="921" kern="1200">
           <a:solidFill>
             <a:schemeClr val="tx1"/>
           </a:solidFill>
@@ -2709,16 +2709,16 @@
           <a:cs typeface="+mn-cs"/>
         </a:defRPr>
       </a:lvl4pPr>
-      <a:lvl5pPr marL="1543050" indent="-171450" algn="l" defTabSz="685800" rtl="0" eaLnBrk="1" latinLnBrk="0" hangingPunct="1">
+      <a:lvl5pPr marL="1052977" indent="-116997" algn="l" defTabSz="467990" rtl="0" eaLnBrk="1" latinLnBrk="0" hangingPunct="1">
         <a:lnSpc>
           <a:spcPct val="90000"/>
         </a:lnSpc>
         <a:spcBef>
-          <a:spcPts val="375"/>
+          <a:spcPts val="256"/>
         </a:spcBef>
         <a:buFont typeface="Arial" panose="020B0604020202020204" pitchFamily="34" charset="0"/>
         <a:buChar char="•"/>
-        <a:defRPr sz="1350" kern="1200">
+        <a:defRPr sz="921" kern="1200">
           <a:solidFill>
             <a:schemeClr val="tx1"/>
           </a:solidFill>
@@ -2727,16 +2727,16 @@
           <a:cs typeface="+mn-cs"/>
         </a:defRPr>
       </a:lvl5pPr>
-      <a:lvl6pPr marL="1885950" indent="-171450" algn="l" defTabSz="685800" rtl="0" eaLnBrk="1" latinLnBrk="0" hangingPunct="1">
+      <a:lvl6pPr marL="1286972" indent="-116997" algn="l" defTabSz="467990" rtl="0" eaLnBrk="1" latinLnBrk="0" hangingPunct="1">
         <a:lnSpc>
           <a:spcPct val="90000"/>
         </a:lnSpc>
         <a:spcBef>
-          <a:spcPts val="375"/>
+          <a:spcPts val="256"/>
         </a:spcBef>
         <a:buFont typeface="Arial" panose="020B0604020202020204" pitchFamily="34" charset="0"/>
         <a:buChar char="•"/>
-        <a:defRPr sz="1350" kern="1200">
+        <a:defRPr sz="921" kern="1200">
           <a:solidFill>
             <a:schemeClr val="tx1"/>
           </a:solidFill>
@@ -2745,16 +2745,16 @@
           <a:cs typeface="+mn-cs"/>
         </a:defRPr>
       </a:lvl6pPr>
-      <a:lvl7pPr marL="2228850" indent="-171450" algn="l" defTabSz="685800" rtl="0" eaLnBrk="1" latinLnBrk="0" hangingPunct="1">
+      <a:lvl7pPr marL="1520967" indent="-116997" algn="l" defTabSz="467990" rtl="0" eaLnBrk="1" latinLnBrk="0" hangingPunct="1">
         <a:lnSpc>
           <a:spcPct val="90000"/>
         </a:lnSpc>
         <a:spcBef>
-          <a:spcPts val="375"/>
+          <a:spcPts val="256"/>
         </a:spcBef>
         <a:buFont typeface="Arial" panose="020B0604020202020204" pitchFamily="34" charset="0"/>
         <a:buChar char="•"/>
-        <a:defRPr sz="1350" kern="1200">
+        <a:defRPr sz="921" kern="1200">
           <a:solidFill>
             <a:schemeClr val="tx1"/>
           </a:solidFill>
@@ -2763,16 +2763,16 @@
           <a:cs typeface="+mn-cs"/>
         </a:defRPr>
       </a:lvl7pPr>
-      <a:lvl8pPr marL="2571750" indent="-171450" algn="l" defTabSz="685800" rtl="0" eaLnBrk="1" latinLnBrk="0" hangingPunct="1">
+      <a:lvl8pPr marL="1754962" indent="-116997" algn="l" defTabSz="467990" rtl="0" eaLnBrk="1" latinLnBrk="0" hangingPunct="1">
         <a:lnSpc>
           <a:spcPct val="90000"/>
         </a:lnSpc>
         <a:spcBef>
-          <a:spcPts val="375"/>
+          <a:spcPts val="256"/>
         </a:spcBef>
         <a:buFont typeface="Arial" panose="020B0604020202020204" pitchFamily="34" charset="0"/>
         <a:buChar char="•"/>
-        <a:defRPr sz="1350" kern="1200">
+        <a:defRPr sz="921" kern="1200">
           <a:solidFill>
             <a:schemeClr val="tx1"/>
           </a:solidFill>
@@ -2781,16 +2781,16 @@
           <a:cs typeface="+mn-cs"/>
         </a:defRPr>
       </a:lvl8pPr>
-      <a:lvl9pPr marL="2914650" indent="-171450" algn="l" defTabSz="685800" rtl="0" eaLnBrk="1" latinLnBrk="0" hangingPunct="1">
+      <a:lvl9pPr marL="1988957" indent="-116997" algn="l" defTabSz="467990" rtl="0" eaLnBrk="1" latinLnBrk="0" hangingPunct="1">
         <a:lnSpc>
           <a:spcPct val="90000"/>
         </a:lnSpc>
         <a:spcBef>
-          <a:spcPts val="375"/>
+          <a:spcPts val="256"/>
         </a:spcBef>
         <a:buFont typeface="Arial" panose="020B0604020202020204" pitchFamily="34" charset="0"/>
         <a:buChar char="•"/>
-        <a:defRPr sz="1350" kern="1200">
+        <a:defRPr sz="921" kern="1200">
           <a:solidFill>
             <a:schemeClr val="tx1"/>
           </a:solidFill>
@@ -2804,8 +2804,8 @@
       <a:defPPr>
         <a:defRPr lang="en-US"/>
       </a:defPPr>
-      <a:lvl1pPr marL="0" algn="l" defTabSz="685800" rtl="0" eaLnBrk="1" latinLnBrk="0" hangingPunct="1">
-        <a:defRPr sz="1350" kern="1200">
+      <a:lvl1pPr marL="0" algn="l" defTabSz="467990" rtl="0" eaLnBrk="1" latinLnBrk="0" hangingPunct="1">
+        <a:defRPr sz="921" kern="1200">
           <a:solidFill>
             <a:schemeClr val="tx1"/>
           </a:solidFill>
@@ -2814,8 +2814,8 @@
           <a:cs typeface="+mn-cs"/>
         </a:defRPr>
       </a:lvl1pPr>
-      <a:lvl2pPr marL="342900" algn="l" defTabSz="685800" rtl="0" eaLnBrk="1" latinLnBrk="0" hangingPunct="1">
-        <a:defRPr sz="1350" kern="1200">
+      <a:lvl2pPr marL="233995" algn="l" defTabSz="467990" rtl="0" eaLnBrk="1" latinLnBrk="0" hangingPunct="1">
+        <a:defRPr sz="921" kern="1200">
           <a:solidFill>
             <a:schemeClr val="tx1"/>
           </a:solidFill>
@@ -2824,8 +2824,8 @@
           <a:cs typeface="+mn-cs"/>
         </a:defRPr>
       </a:lvl2pPr>
-      <a:lvl3pPr marL="685800" algn="l" defTabSz="685800" rtl="0" eaLnBrk="1" latinLnBrk="0" hangingPunct="1">
-        <a:defRPr sz="1350" kern="1200">
+      <a:lvl3pPr marL="467990" algn="l" defTabSz="467990" rtl="0" eaLnBrk="1" latinLnBrk="0" hangingPunct="1">
+        <a:defRPr sz="921" kern="1200">
           <a:solidFill>
             <a:schemeClr val="tx1"/>
           </a:solidFill>
@@ -2834,8 +2834,8 @@
           <a:cs typeface="+mn-cs"/>
         </a:defRPr>
       </a:lvl3pPr>
-      <a:lvl4pPr marL="1028700" algn="l" defTabSz="685800" rtl="0" eaLnBrk="1" latinLnBrk="0" hangingPunct="1">
-        <a:defRPr sz="1350" kern="1200">
+      <a:lvl4pPr marL="701985" algn="l" defTabSz="467990" rtl="0" eaLnBrk="1" latinLnBrk="0" hangingPunct="1">
+        <a:defRPr sz="921" kern="1200">
           <a:solidFill>
             <a:schemeClr val="tx1"/>
           </a:solidFill>
@@ -2844,8 +2844,8 @@
           <a:cs typeface="+mn-cs"/>
         </a:defRPr>
       </a:lvl4pPr>
-      <a:lvl5pPr marL="1371600" algn="l" defTabSz="685800" rtl="0" eaLnBrk="1" latinLnBrk="0" hangingPunct="1">
-        <a:defRPr sz="1350" kern="1200">
+      <a:lvl5pPr marL="935980" algn="l" defTabSz="467990" rtl="0" eaLnBrk="1" latinLnBrk="0" hangingPunct="1">
+        <a:defRPr sz="921" kern="1200">
           <a:solidFill>
             <a:schemeClr val="tx1"/>
           </a:solidFill>
@@ -2854,8 +2854,8 @@
           <a:cs typeface="+mn-cs"/>
         </a:defRPr>
       </a:lvl5pPr>
-      <a:lvl6pPr marL="1714500" algn="l" defTabSz="685800" rtl="0" eaLnBrk="1" latinLnBrk="0" hangingPunct="1">
-        <a:defRPr sz="1350" kern="1200">
+      <a:lvl6pPr marL="1169975" algn="l" defTabSz="467990" rtl="0" eaLnBrk="1" latinLnBrk="0" hangingPunct="1">
+        <a:defRPr sz="921" kern="1200">
           <a:solidFill>
             <a:schemeClr val="tx1"/>
           </a:solidFill>
@@ -2864,8 +2864,8 @@
           <a:cs typeface="+mn-cs"/>
         </a:defRPr>
       </a:lvl6pPr>
-      <a:lvl7pPr marL="2057400" algn="l" defTabSz="685800" rtl="0" eaLnBrk="1" latinLnBrk="0" hangingPunct="1">
-        <a:defRPr sz="1350" kern="1200">
+      <a:lvl7pPr marL="1403970" algn="l" defTabSz="467990" rtl="0" eaLnBrk="1" latinLnBrk="0" hangingPunct="1">
+        <a:defRPr sz="921" kern="1200">
           <a:solidFill>
             <a:schemeClr val="tx1"/>
           </a:solidFill>
@@ -2874,8 +2874,8 @@
           <a:cs typeface="+mn-cs"/>
         </a:defRPr>
       </a:lvl7pPr>
-      <a:lvl8pPr marL="2400300" algn="l" defTabSz="685800" rtl="0" eaLnBrk="1" latinLnBrk="0" hangingPunct="1">
-        <a:defRPr sz="1350" kern="1200">
+      <a:lvl8pPr marL="1637965" algn="l" defTabSz="467990" rtl="0" eaLnBrk="1" latinLnBrk="0" hangingPunct="1">
+        <a:defRPr sz="921" kern="1200">
           <a:solidFill>
             <a:schemeClr val="tx1"/>
           </a:solidFill>
@@ -2884,8 +2884,8 @@
           <a:cs typeface="+mn-cs"/>
         </a:defRPr>
       </a:lvl8pPr>
-      <a:lvl9pPr marL="2743200" algn="l" defTabSz="685800" rtl="0" eaLnBrk="1" latinLnBrk="0" hangingPunct="1">
-        <a:defRPr sz="1350" kern="1200">
+      <a:lvl9pPr marL="1871960" algn="l" defTabSz="467990" rtl="0" eaLnBrk="1" latinLnBrk="0" hangingPunct="1">
+        <a:defRPr sz="921" kern="1200">
           <a:solidFill>
             <a:schemeClr val="tx1"/>
           </a:solidFill>
@@ -2918,13 +2918,13 @@
       </p:grpSpPr>
       <p:grpSp>
         <p:nvGrpSpPr>
-          <p:cNvPr id="5" name="Group 4"/>
+          <p:cNvPr id="319" name="Group 318"/>
           <p:cNvGrpSpPr/>
           <p:nvPr/>
         </p:nvGrpSpPr>
         <p:grpSpPr>
           <a:xfrm>
-            <a:off x="2237772" y="105284"/>
+            <a:off x="2052779" y="31955"/>
             <a:ext cx="2566448" cy="1260000"/>
             <a:chOff x="2722321" y="136068"/>
             <a:chExt cx="2566448" cy="1260000"/>
@@ -2932,7 +2932,7 @@
         </p:grpSpPr>
         <p:sp>
           <p:nvSpPr>
-            <p:cNvPr id="132" name="Rounded Rectangle 131"/>
+            <p:cNvPr id="320" name="Rounded Rectangle 319"/>
             <p:cNvSpPr/>
             <p:nvPr/>
           </p:nvSpPr>
@@ -2982,7 +2982,7 @@
         </p:sp>
         <p:sp>
           <p:nvSpPr>
-            <p:cNvPr id="133" name="TextBox 132"/>
+            <p:cNvPr id="321" name="TextBox 320"/>
             <p:cNvSpPr txBox="1"/>
             <p:nvPr/>
           </p:nvSpPr>
@@ -3003,7 +3003,7 @@
             <a:lstStyle/>
             <a:p>
               <a:r>
-                <a:rPr lang="en-US" sz="960" b="1" dirty="0" smtClean="0"/>
+                <a:rPr lang="en-US" sz="960" b="1" dirty="0"/>
                 <a:t>W</a:t>
               </a:r>
               <a:endParaRPr lang="en-US" sz="960" b="1" dirty="0"/>
@@ -3012,7 +3012,7 @@
         </p:sp>
         <p:sp>
           <p:nvSpPr>
-            <p:cNvPr id="134" name="TextBox 133"/>
+            <p:cNvPr id="322" name="TextBox 321"/>
             <p:cNvSpPr txBox="1"/>
             <p:nvPr/>
           </p:nvSpPr>
@@ -3041,7 +3041,7 @@
         </p:sp>
         <p:sp>
           <p:nvSpPr>
-            <p:cNvPr id="135" name="Rounded Rectangle 134"/>
+            <p:cNvPr id="323" name="Rounded Rectangle 322"/>
             <p:cNvSpPr/>
             <p:nvPr/>
           </p:nvSpPr>
@@ -3091,7 +3091,7 @@
         </p:sp>
         <p:sp>
           <p:nvSpPr>
-            <p:cNvPr id="136" name="Rounded Rectangle 135"/>
+            <p:cNvPr id="324" name="Rounded Rectangle 323"/>
             <p:cNvSpPr/>
             <p:nvPr/>
           </p:nvSpPr>
@@ -3141,7 +3141,7 @@
         </p:sp>
         <p:sp>
           <p:nvSpPr>
-            <p:cNvPr id="137" name="TextBox 136"/>
+            <p:cNvPr id="325" name="TextBox 324"/>
             <p:cNvSpPr txBox="1"/>
             <p:nvPr/>
           </p:nvSpPr>
@@ -3170,7 +3170,7 @@
         </p:sp>
         <p:sp>
           <p:nvSpPr>
-            <p:cNvPr id="138" name="TextBox 137"/>
+            <p:cNvPr id="326" name="TextBox 325"/>
             <p:cNvSpPr txBox="1"/>
             <p:nvPr/>
           </p:nvSpPr>
@@ -3199,7 +3199,7 @@
         </p:sp>
         <p:sp>
           <p:nvSpPr>
-            <p:cNvPr id="139" name="TextBox 138"/>
+            <p:cNvPr id="327" name="TextBox 326"/>
             <p:cNvSpPr txBox="1"/>
             <p:nvPr/>
           </p:nvSpPr>
@@ -3228,7 +3228,7 @@
         </p:sp>
         <p:sp>
           <p:nvSpPr>
-            <p:cNvPr id="140" name="TextBox 139"/>
+            <p:cNvPr id="328" name="TextBox 327"/>
             <p:cNvSpPr txBox="1"/>
             <p:nvPr/>
           </p:nvSpPr>
@@ -3257,7 +3257,7 @@
         </p:sp>
         <p:sp>
           <p:nvSpPr>
-            <p:cNvPr id="141" name="TextBox 140"/>
+            <p:cNvPr id="329" name="TextBox 328"/>
             <p:cNvSpPr txBox="1"/>
             <p:nvPr/>
           </p:nvSpPr>
@@ -3286,7 +3286,7 @@
         </p:sp>
         <p:sp>
           <p:nvSpPr>
-            <p:cNvPr id="142" name="TextBox 141"/>
+            <p:cNvPr id="330" name="TextBox 329"/>
             <p:cNvSpPr txBox="1"/>
             <p:nvPr/>
           </p:nvSpPr>
@@ -3307,7 +3307,7 @@
             <a:lstStyle/>
             <a:p>
               <a:r>
-                <a:rPr lang="en-US" sz="960" b="1" dirty="0" smtClean="0"/>
+                <a:rPr lang="en-US" sz="960" b="1" dirty="0"/>
                 <a:t>X</a:t>
               </a:r>
               <a:endParaRPr lang="en-US" sz="960" b="1" dirty="0"/>
@@ -3316,7 +3316,7 @@
         </p:sp>
         <p:sp>
           <p:nvSpPr>
-            <p:cNvPr id="143" name="TextBox 142"/>
+            <p:cNvPr id="331" name="TextBox 330"/>
             <p:cNvSpPr txBox="1"/>
             <p:nvPr/>
           </p:nvSpPr>
@@ -3345,7 +3345,7 @@
         </p:sp>
         <p:sp>
           <p:nvSpPr>
-            <p:cNvPr id="144" name="TextBox 143"/>
+            <p:cNvPr id="332" name="TextBox 331"/>
             <p:cNvSpPr txBox="1"/>
             <p:nvPr/>
           </p:nvSpPr>
@@ -3374,7 +3374,7 @@
         </p:sp>
         <p:cxnSp>
           <p:nvCxnSpPr>
-            <p:cNvPr id="145" name="Straight Arrow Connector 144"/>
+            <p:cNvPr id="333" name="Straight Arrow Connector 332"/>
             <p:cNvCxnSpPr/>
             <p:nvPr/>
           </p:nvCxnSpPr>
@@ -3410,7 +3410,7 @@
         </p:cxnSp>
         <p:sp>
           <p:nvSpPr>
-            <p:cNvPr id="146" name="Rounded Rectangle 145"/>
+            <p:cNvPr id="334" name="Rounded Rectangle 333"/>
             <p:cNvSpPr/>
             <p:nvPr/>
           </p:nvSpPr>
@@ -3460,7 +3460,7 @@
         </p:sp>
         <p:sp>
           <p:nvSpPr>
-            <p:cNvPr id="147" name="Oval 146"/>
+            <p:cNvPr id="335" name="Oval 334"/>
             <p:cNvSpPr/>
             <p:nvPr/>
           </p:nvSpPr>
@@ -3507,7 +3507,7 @@
         </p:sp>
         <p:sp>
           <p:nvSpPr>
-            <p:cNvPr id="148" name="TextBox 147"/>
+            <p:cNvPr id="336" name="TextBox 335"/>
             <p:cNvSpPr txBox="1"/>
             <p:nvPr/>
           </p:nvSpPr>
@@ -3536,7 +3536,7 @@
         </p:sp>
         <p:sp>
           <p:nvSpPr>
-            <p:cNvPr id="149" name="TextBox 148"/>
+            <p:cNvPr id="337" name="TextBox 336"/>
             <p:cNvSpPr txBox="1"/>
             <p:nvPr/>
           </p:nvSpPr>
@@ -3565,7 +3565,7 @@
         </p:sp>
         <p:sp>
           <p:nvSpPr>
-            <p:cNvPr id="150" name="TextBox 149"/>
+            <p:cNvPr id="338" name="TextBox 337"/>
             <p:cNvSpPr txBox="1"/>
             <p:nvPr/>
           </p:nvSpPr>
@@ -3594,7 +3594,7 @@
         </p:sp>
         <p:sp>
           <p:nvSpPr>
-            <p:cNvPr id="151" name="TextBox 150"/>
+            <p:cNvPr id="339" name="TextBox 338"/>
             <p:cNvSpPr txBox="1"/>
             <p:nvPr/>
           </p:nvSpPr>
@@ -3623,7 +3623,7 @@
         </p:sp>
         <p:sp>
           <p:nvSpPr>
-            <p:cNvPr id="152" name="TextBox 151"/>
+            <p:cNvPr id="340" name="TextBox 339"/>
             <p:cNvSpPr txBox="1"/>
             <p:nvPr/>
           </p:nvSpPr>
@@ -3652,7 +3652,7 @@
         </p:sp>
         <p:sp>
           <p:nvSpPr>
-            <p:cNvPr id="153" name="TextBox 152"/>
+            <p:cNvPr id="341" name="TextBox 340"/>
             <p:cNvSpPr txBox="1"/>
             <p:nvPr/>
           </p:nvSpPr>
@@ -3681,7 +3681,7 @@
         </p:sp>
         <p:cxnSp>
           <p:nvCxnSpPr>
-            <p:cNvPr id="154" name="Straight Arrow Connector 153"/>
+            <p:cNvPr id="342" name="Straight Arrow Connector 341"/>
             <p:cNvCxnSpPr/>
             <p:nvPr/>
           </p:nvCxnSpPr>
@@ -3717,7 +3717,7 @@
         </p:cxnSp>
         <p:cxnSp>
           <p:nvCxnSpPr>
-            <p:cNvPr id="155" name="Straight Arrow Connector 154"/>
+            <p:cNvPr id="343" name="Straight Arrow Connector 342"/>
             <p:cNvCxnSpPr/>
             <p:nvPr/>
           </p:nvCxnSpPr>
@@ -3753,7 +3753,7 @@
         </p:cxnSp>
         <p:cxnSp>
           <p:nvCxnSpPr>
-            <p:cNvPr id="156" name="Straight Arrow Connector 155"/>
+            <p:cNvPr id="344" name="Straight Arrow Connector 343"/>
             <p:cNvCxnSpPr/>
             <p:nvPr/>
           </p:nvCxnSpPr>
@@ -3789,7 +3789,7 @@
         </p:cxnSp>
         <p:cxnSp>
           <p:nvCxnSpPr>
-            <p:cNvPr id="157" name="Straight Arrow Connector 156"/>
+            <p:cNvPr id="345" name="Straight Arrow Connector 344"/>
             <p:cNvCxnSpPr/>
             <p:nvPr/>
           </p:nvCxnSpPr>
@@ -3825,7 +3825,7 @@
         </p:cxnSp>
         <p:cxnSp>
           <p:nvCxnSpPr>
-            <p:cNvPr id="158" name="Straight Arrow Connector 157"/>
+            <p:cNvPr id="346" name="Straight Arrow Connector 345"/>
             <p:cNvCxnSpPr/>
             <p:nvPr/>
           </p:nvCxnSpPr>
@@ -3861,7 +3861,7 @@
         </p:cxnSp>
         <p:sp>
           <p:nvSpPr>
-            <p:cNvPr id="159" name="TextBox 158"/>
+            <p:cNvPr id="347" name="TextBox 346"/>
             <p:cNvSpPr txBox="1"/>
             <p:nvPr/>
           </p:nvSpPr>
@@ -3890,7 +3890,7 @@
         </p:sp>
         <p:cxnSp>
           <p:nvCxnSpPr>
-            <p:cNvPr id="160" name="Straight Arrow Connector 159"/>
+            <p:cNvPr id="348" name="Straight Arrow Connector 347"/>
             <p:cNvCxnSpPr/>
             <p:nvPr/>
           </p:nvCxnSpPr>
@@ -3926,7 +3926,7 @@
         </p:cxnSp>
         <p:cxnSp>
           <p:nvCxnSpPr>
-            <p:cNvPr id="161" name="Straight Arrow Connector 160"/>
+            <p:cNvPr id="349" name="Straight Arrow Connector 348"/>
             <p:cNvCxnSpPr/>
             <p:nvPr/>
           </p:nvCxnSpPr>
@@ -3962,7 +3962,7 @@
         </p:cxnSp>
         <p:cxnSp>
           <p:nvCxnSpPr>
-            <p:cNvPr id="162" name="Straight Arrow Connector 161"/>
+            <p:cNvPr id="350" name="Straight Arrow Connector 349"/>
             <p:cNvCxnSpPr/>
             <p:nvPr/>
           </p:nvCxnSpPr>
@@ -3998,7 +3998,7 @@
         </p:cxnSp>
         <p:sp>
           <p:nvSpPr>
-            <p:cNvPr id="163" name="TextBox 162"/>
+            <p:cNvPr id="351" name="TextBox 350"/>
             <p:cNvSpPr txBox="1"/>
             <p:nvPr/>
           </p:nvSpPr>
@@ -4023,7 +4023,7 @@
                 <a:t>d</a:t>
               </a:r>
               <a:r>
-                <a:rPr lang="en-US" sz="700" dirty="0" smtClean="0"/>
+                <a:rPr lang="en-US" sz="700" dirty="0"/>
                 <a:t>iploid adults</a:t>
               </a:r>
               <a:endParaRPr lang="en-US" sz="700" dirty="0"/>
@@ -4032,7 +4032,7 @@
         </p:sp>
         <p:sp>
           <p:nvSpPr>
-            <p:cNvPr id="164" name="TextBox 163"/>
+            <p:cNvPr id="352" name="TextBox 351"/>
             <p:cNvSpPr txBox="1"/>
             <p:nvPr/>
           </p:nvSpPr>
@@ -4057,13 +4057,13 @@
                 <a:t>g</a:t>
               </a:r>
               <a:r>
-                <a:rPr lang="en-US" sz="700" dirty="0" smtClean="0"/>
+                <a:rPr lang="en-US" sz="700" dirty="0"/>
                 <a:t>ametes/</a:t>
               </a:r>
             </a:p>
             <a:p>
               <a:r>
-                <a:rPr lang="en-US" sz="700" dirty="0" smtClean="0"/>
+                <a:rPr lang="en-US" sz="700" dirty="0"/>
                 <a:t>gametophytes</a:t>
               </a:r>
               <a:endParaRPr lang="en-US" sz="700" dirty="0"/>
@@ -4072,7 +4072,7 @@
         </p:sp>
         <p:sp>
           <p:nvSpPr>
-            <p:cNvPr id="165" name="TextBox 164"/>
+            <p:cNvPr id="353" name="TextBox 352"/>
             <p:cNvSpPr txBox="1"/>
             <p:nvPr/>
           </p:nvSpPr>
@@ -4093,7 +4093,7 @@
             <a:lstStyle/>
             <a:p>
               <a:r>
-                <a:rPr lang="en-US" sz="700" dirty="0" smtClean="0"/>
+                <a:rPr lang="en-US" sz="700" dirty="0"/>
                 <a:t>zygotes</a:t>
               </a:r>
               <a:endParaRPr lang="en-US" sz="700" dirty="0"/>
@@ -4102,7 +4102,7 @@
         </p:sp>
         <p:cxnSp>
           <p:nvCxnSpPr>
-            <p:cNvPr id="166" name="Straight Arrow Connector 165"/>
+            <p:cNvPr id="354" name="Straight Arrow Connector 353"/>
             <p:cNvCxnSpPr/>
             <p:nvPr/>
           </p:nvCxnSpPr>
@@ -4138,7 +4138,7 @@
         </p:cxnSp>
         <p:sp>
           <p:nvSpPr>
-            <p:cNvPr id="167" name="TextBox 166"/>
+            <p:cNvPr id="355" name="TextBox 354"/>
             <p:cNvSpPr txBox="1"/>
             <p:nvPr/>
           </p:nvSpPr>
@@ -4167,7 +4167,7 @@
         </p:sp>
         <p:cxnSp>
           <p:nvCxnSpPr>
-            <p:cNvPr id="168" name="Straight Arrow Connector 167"/>
+            <p:cNvPr id="356" name="Straight Arrow Connector 355"/>
             <p:cNvCxnSpPr/>
             <p:nvPr/>
           </p:nvCxnSpPr>
@@ -4203,7 +4203,7 @@
         </p:cxnSp>
         <p:cxnSp>
           <p:nvCxnSpPr>
-            <p:cNvPr id="169" name="Straight Arrow Connector 168"/>
+            <p:cNvPr id="357" name="Straight Arrow Connector 356"/>
             <p:cNvCxnSpPr/>
             <p:nvPr/>
           </p:nvCxnSpPr>
@@ -4239,7 +4239,7 @@
         </p:cxnSp>
         <p:sp>
           <p:nvSpPr>
-            <p:cNvPr id="170" name="Oval 169"/>
+            <p:cNvPr id="358" name="Oval 357"/>
             <p:cNvSpPr/>
             <p:nvPr/>
           </p:nvSpPr>
@@ -4286,7 +4286,7 @@
         </p:sp>
         <p:cxnSp>
           <p:nvCxnSpPr>
-            <p:cNvPr id="171" name="Straight Arrow Connector 170"/>
+            <p:cNvPr id="359" name="Straight Arrow Connector 358"/>
             <p:cNvCxnSpPr/>
             <p:nvPr/>
           </p:nvCxnSpPr>
@@ -4322,7 +4322,7 @@
         </p:cxnSp>
         <p:cxnSp>
           <p:nvCxnSpPr>
-            <p:cNvPr id="172" name="Straight Arrow Connector 171"/>
+            <p:cNvPr id="360" name="Straight Arrow Connector 359"/>
             <p:cNvCxnSpPr/>
             <p:nvPr/>
           </p:nvCxnSpPr>
@@ -4358,7 +4358,7 @@
         </p:cxnSp>
         <p:cxnSp>
           <p:nvCxnSpPr>
-            <p:cNvPr id="173" name="Straight Arrow Connector 172"/>
+            <p:cNvPr id="361" name="Straight Arrow Connector 360"/>
             <p:cNvCxnSpPr/>
             <p:nvPr/>
           </p:nvCxnSpPr>
@@ -4394,7 +4394,7 @@
         </p:cxnSp>
         <p:cxnSp>
           <p:nvCxnSpPr>
-            <p:cNvPr id="174" name="Straight Arrow Connector 173"/>
+            <p:cNvPr id="362" name="Straight Arrow Connector 361"/>
             <p:cNvCxnSpPr/>
             <p:nvPr/>
           </p:nvCxnSpPr>
@@ -4430,7 +4430,7 @@
         </p:cxnSp>
         <p:cxnSp>
           <p:nvCxnSpPr>
-            <p:cNvPr id="175" name="Straight Arrow Connector 174"/>
+            <p:cNvPr id="363" name="Straight Arrow Connector 362"/>
             <p:cNvCxnSpPr/>
             <p:nvPr/>
           </p:nvCxnSpPr>
@@ -4466,7 +4466,7 @@
         </p:cxnSp>
         <p:cxnSp>
           <p:nvCxnSpPr>
-            <p:cNvPr id="176" name="Straight Arrow Connector 175"/>
+            <p:cNvPr id="364" name="Straight Arrow Connector 363"/>
             <p:cNvCxnSpPr/>
             <p:nvPr/>
           </p:nvCxnSpPr>
@@ -4502,7 +4502,7 @@
         </p:cxnSp>
         <p:cxnSp>
           <p:nvCxnSpPr>
-            <p:cNvPr id="177" name="Straight Arrow Connector 176"/>
+            <p:cNvPr id="365" name="Straight Arrow Connector 364"/>
             <p:cNvCxnSpPr/>
             <p:nvPr/>
           </p:nvCxnSpPr>
@@ -4538,7 +4538,7 @@
         </p:cxnSp>
         <p:sp>
           <p:nvSpPr>
-            <p:cNvPr id="178" name="Rounded Rectangle 177"/>
+            <p:cNvPr id="366" name="Rounded Rectangle 365"/>
             <p:cNvSpPr/>
             <p:nvPr/>
           </p:nvSpPr>
@@ -4588,7 +4588,7 @@
         </p:sp>
         <p:sp>
           <p:nvSpPr>
-            <p:cNvPr id="179" name="Rounded Rectangle 178"/>
+            <p:cNvPr id="367" name="Rounded Rectangle 366"/>
             <p:cNvSpPr/>
             <p:nvPr/>
           </p:nvSpPr>
@@ -4638,7 +4638,7 @@
         </p:sp>
         <p:sp>
           <p:nvSpPr>
-            <p:cNvPr id="180" name="Rounded Rectangle 179"/>
+            <p:cNvPr id="368" name="Rounded Rectangle 367"/>
             <p:cNvSpPr/>
             <p:nvPr/>
           </p:nvSpPr>
@@ -4688,7 +4688,7 @@
         </p:sp>
         <p:sp>
           <p:nvSpPr>
-            <p:cNvPr id="181" name="Rounded Rectangle 180"/>
+            <p:cNvPr id="369" name="Rounded Rectangle 368"/>
             <p:cNvSpPr/>
             <p:nvPr/>
           </p:nvSpPr>
@@ -4739,27 +4739,549 @@
       </p:grpSp>
       <p:grpSp>
         <p:nvGrpSpPr>
-          <p:cNvPr id="2" name="Group 1"/>
+          <p:cNvPr id="370" name="Group 369"/>
           <p:cNvGrpSpPr/>
           <p:nvPr/>
         </p:nvGrpSpPr>
         <p:grpSpPr>
           <a:xfrm>
-            <a:off x="280510" y="1698215"/>
-            <a:ext cx="4523710" cy="2393375"/>
-            <a:chOff x="79980" y="486106"/>
-            <a:chExt cx="4523710" cy="2393375"/>
+            <a:off x="154515" y="246221"/>
+            <a:ext cx="1609730" cy="975622"/>
+            <a:chOff x="2949456" y="3128653"/>
+            <a:chExt cx="1609730" cy="975622"/>
+          </a:xfrm>
+        </p:grpSpPr>
+        <p:cxnSp>
+          <p:nvCxnSpPr>
+            <p:cNvPr id="371" name="Straight Arrow Connector 370"/>
+            <p:cNvCxnSpPr/>
+            <p:nvPr/>
+          </p:nvCxnSpPr>
+          <p:spPr>
+            <a:xfrm flipV="1">
+              <a:off x="3271272" y="3628119"/>
+              <a:ext cx="294939" cy="2"/>
+            </a:xfrm>
+            <a:prstGeom prst="straightConnector1">
+              <a:avLst/>
+            </a:prstGeom>
+            <a:ln w="12700">
+              <a:solidFill>
+                <a:schemeClr val="tx1"/>
+              </a:solidFill>
+              <a:prstDash val="sysDash"/>
+              <a:tailEnd type="none" w="sm" len="sm"/>
+            </a:ln>
+          </p:spPr>
+          <p:style>
+            <a:lnRef idx="1">
+              <a:schemeClr val="accent1"/>
+            </a:lnRef>
+            <a:fillRef idx="0">
+              <a:schemeClr val="accent1"/>
+            </a:fillRef>
+            <a:effectRef idx="0">
+              <a:schemeClr val="accent1"/>
+            </a:effectRef>
+            <a:fontRef idx="minor">
+              <a:schemeClr val="tx1"/>
+            </a:fontRef>
+          </p:style>
+        </p:cxnSp>
+        <p:sp>
+          <p:nvSpPr>
+            <p:cNvPr id="372" name="TextBox 371"/>
+            <p:cNvSpPr txBox="1"/>
+            <p:nvPr/>
+          </p:nvSpPr>
+          <p:spPr>
+            <a:xfrm>
+              <a:off x="2949456" y="3505009"/>
+              <a:ext cx="377026" cy="246221"/>
+            </a:xfrm>
+            <a:prstGeom prst="rect">
+              <a:avLst/>
+            </a:prstGeom>
+            <a:noFill/>
+          </p:spPr>
+          <p:txBody>
+            <a:bodyPr wrap="none" rtlCol="0">
+              <a:spAutoFit/>
+            </a:bodyPr>
+            <a:lstStyle/>
+            <a:p>
+              <a:pPr algn="ctr"/>
+              <a:r>
+                <a:rPr lang="en-US" sz="1000" b="1" dirty="0"/>
+                <a:t>X/Y</a:t>
+              </a:r>
+            </a:p>
+          </p:txBody>
+        </p:sp>
+        <p:sp>
+          <p:nvSpPr>
+            <p:cNvPr id="373" name="TextBox 372"/>
+            <p:cNvSpPr txBox="1"/>
+            <p:nvPr/>
+          </p:nvSpPr>
+          <p:spPr>
+            <a:xfrm>
+              <a:off x="3528356" y="3512725"/>
+              <a:ext cx="378630" cy="246221"/>
+            </a:xfrm>
+            <a:prstGeom prst="rect">
+              <a:avLst/>
+            </a:prstGeom>
+            <a:noFill/>
+          </p:spPr>
+          <p:txBody>
+            <a:bodyPr wrap="none" rtlCol="0">
+              <a:spAutoFit/>
+            </a:bodyPr>
+            <a:lstStyle/>
+            <a:p>
+              <a:pPr algn="ctr"/>
+              <a:r>
+                <a:rPr lang="en-US" sz="1000" b="1" dirty="0"/>
+                <a:t>A/a</a:t>
+              </a:r>
+            </a:p>
+          </p:txBody>
+        </p:sp>
+        <p:sp>
+          <p:nvSpPr>
+            <p:cNvPr id="374" name="TextBox 373"/>
+            <p:cNvSpPr txBox="1"/>
+            <p:nvPr/>
+          </p:nvSpPr>
+          <p:spPr>
+            <a:xfrm>
+              <a:off x="4103612" y="3511969"/>
+              <a:ext cx="455574" cy="246221"/>
+            </a:xfrm>
+            <a:prstGeom prst="rect">
+              <a:avLst/>
+            </a:prstGeom>
+            <a:noFill/>
+          </p:spPr>
+          <p:txBody>
+            <a:bodyPr wrap="none" rtlCol="0">
+              <a:spAutoFit/>
+            </a:bodyPr>
+            <a:lstStyle/>
+            <a:p>
+              <a:pPr algn="ctr"/>
+              <a:r>
+                <a:rPr lang="en-US" sz="1000" b="1" dirty="0"/>
+                <a:t>M/m</a:t>
+              </a:r>
+            </a:p>
+          </p:txBody>
+        </p:sp>
+        <p:cxnSp>
+          <p:nvCxnSpPr>
+            <p:cNvPr id="375" name="Straight Arrow Connector 374"/>
+            <p:cNvCxnSpPr/>
+            <p:nvPr/>
+          </p:nvCxnSpPr>
+          <p:spPr>
+            <a:xfrm flipV="1">
+              <a:off x="3858055" y="3628117"/>
+              <a:ext cx="294939" cy="2"/>
+            </a:xfrm>
+            <a:prstGeom prst="straightConnector1">
+              <a:avLst/>
+            </a:prstGeom>
+            <a:ln w="12700">
+              <a:solidFill>
+                <a:schemeClr val="tx1"/>
+              </a:solidFill>
+              <a:prstDash val="sysDash"/>
+              <a:tailEnd type="none" w="sm" len="sm"/>
+            </a:ln>
+          </p:spPr>
+          <p:style>
+            <a:lnRef idx="1">
+              <a:schemeClr val="accent1"/>
+            </a:lnRef>
+            <a:fillRef idx="0">
+              <a:schemeClr val="accent1"/>
+            </a:fillRef>
+            <a:effectRef idx="0">
+              <a:schemeClr val="accent1"/>
+            </a:effectRef>
+            <a:fontRef idx="minor">
+              <a:schemeClr val="tx1"/>
+            </a:fontRef>
+          </p:style>
+        </p:cxnSp>
+        <p:cxnSp>
+          <p:nvCxnSpPr>
+            <p:cNvPr id="376" name="Straight Arrow Connector 375"/>
+            <p:cNvCxnSpPr/>
+            <p:nvPr/>
+          </p:nvCxnSpPr>
+          <p:spPr>
+            <a:xfrm flipV="1">
+              <a:off x="3220910" y="3379915"/>
+              <a:ext cx="213958" cy="141380"/>
+            </a:xfrm>
+            <a:prstGeom prst="straightConnector1">
+              <a:avLst/>
+            </a:prstGeom>
+            <a:ln w="12700">
+              <a:solidFill>
+                <a:schemeClr val="tx1"/>
+              </a:solidFill>
+              <a:tailEnd type="none" w="sm" len="sm"/>
+            </a:ln>
+          </p:spPr>
+          <p:style>
+            <a:lnRef idx="1">
+              <a:schemeClr val="accent1"/>
+            </a:lnRef>
+            <a:fillRef idx="0">
+              <a:schemeClr val="accent1"/>
+            </a:fillRef>
+            <a:effectRef idx="0">
+              <a:schemeClr val="accent1"/>
+            </a:effectRef>
+            <a:fontRef idx="minor">
+              <a:schemeClr val="tx1"/>
+            </a:fontRef>
+          </p:style>
+        </p:cxnSp>
+        <p:cxnSp>
+          <p:nvCxnSpPr>
+            <p:cNvPr id="377" name="Straight Arrow Connector 376"/>
+            <p:cNvCxnSpPr/>
+            <p:nvPr/>
+          </p:nvCxnSpPr>
+          <p:spPr>
+            <a:xfrm flipH="1" flipV="1">
+              <a:off x="3434868" y="3379915"/>
+              <a:ext cx="198596" cy="137788"/>
+            </a:xfrm>
+            <a:prstGeom prst="straightConnector1">
+              <a:avLst/>
+            </a:prstGeom>
+            <a:ln w="12700">
+              <a:solidFill>
+                <a:schemeClr val="tx1"/>
+              </a:solidFill>
+              <a:tailEnd type="none" w="sm" len="sm"/>
+            </a:ln>
+          </p:spPr>
+          <p:style>
+            <a:lnRef idx="1">
+              <a:schemeClr val="accent1"/>
+            </a:lnRef>
+            <a:fillRef idx="0">
+              <a:schemeClr val="accent1"/>
+            </a:fillRef>
+            <a:effectRef idx="0">
+              <a:schemeClr val="accent1"/>
+            </a:effectRef>
+            <a:fontRef idx="minor">
+              <a:schemeClr val="tx1"/>
+            </a:fontRef>
+          </p:style>
+        </p:cxnSp>
+        <p:cxnSp>
+          <p:nvCxnSpPr>
+            <p:cNvPr id="378" name="Straight Arrow Connector 377"/>
+            <p:cNvCxnSpPr/>
+            <p:nvPr/>
+          </p:nvCxnSpPr>
+          <p:spPr>
+            <a:xfrm flipV="1">
+              <a:off x="3799061" y="3374874"/>
+              <a:ext cx="213958" cy="141380"/>
+            </a:xfrm>
+            <a:prstGeom prst="straightConnector1">
+              <a:avLst/>
+            </a:prstGeom>
+            <a:ln w="12700">
+              <a:solidFill>
+                <a:schemeClr val="tx1"/>
+              </a:solidFill>
+              <a:tailEnd type="none" w="sm" len="sm"/>
+            </a:ln>
+          </p:spPr>
+          <p:style>
+            <a:lnRef idx="1">
+              <a:schemeClr val="accent1"/>
+            </a:lnRef>
+            <a:fillRef idx="0">
+              <a:schemeClr val="accent1"/>
+            </a:fillRef>
+            <a:effectRef idx="0">
+              <a:schemeClr val="accent1"/>
+            </a:effectRef>
+            <a:fontRef idx="minor">
+              <a:schemeClr val="tx1"/>
+            </a:fontRef>
+          </p:style>
+        </p:cxnSp>
+        <p:cxnSp>
+          <p:nvCxnSpPr>
+            <p:cNvPr id="379" name="Straight Arrow Connector 378"/>
+            <p:cNvCxnSpPr/>
+            <p:nvPr/>
+          </p:nvCxnSpPr>
+          <p:spPr>
+            <a:xfrm flipH="1" flipV="1">
+              <a:off x="4013019" y="3374874"/>
+              <a:ext cx="198596" cy="137788"/>
+            </a:xfrm>
+            <a:prstGeom prst="straightConnector1">
+              <a:avLst/>
+            </a:prstGeom>
+            <a:ln w="12700">
+              <a:solidFill>
+                <a:schemeClr val="tx1"/>
+              </a:solidFill>
+              <a:tailEnd type="none" w="sm" len="sm"/>
+            </a:ln>
+          </p:spPr>
+          <p:style>
+            <a:lnRef idx="1">
+              <a:schemeClr val="accent1"/>
+            </a:lnRef>
+            <a:fillRef idx="0">
+              <a:schemeClr val="accent1"/>
+            </a:fillRef>
+            <a:effectRef idx="0">
+              <a:schemeClr val="accent1"/>
+            </a:effectRef>
+            <a:fontRef idx="minor">
+              <a:schemeClr val="tx1"/>
+            </a:fontRef>
+          </p:style>
+        </p:cxnSp>
+        <p:sp>
+          <p:nvSpPr>
+            <p:cNvPr id="380" name="TextBox 379"/>
+            <p:cNvSpPr txBox="1"/>
+            <p:nvPr/>
+          </p:nvSpPr>
+          <p:spPr>
+            <a:xfrm>
+              <a:off x="3320840" y="3128653"/>
+              <a:ext cx="229550" cy="246221"/>
+            </a:xfrm>
+            <a:prstGeom prst="rect">
+              <a:avLst/>
+            </a:prstGeom>
+            <a:noFill/>
+          </p:spPr>
+          <p:txBody>
+            <a:bodyPr wrap="none" rtlCol="0">
+              <a:spAutoFit/>
+            </a:bodyPr>
+            <a:lstStyle/>
+            <a:p>
+              <a:pPr algn="ctr"/>
+              <a:r>
+                <a:rPr lang="en-US" sz="1000" i="1" dirty="0"/>
+                <a:t>r</a:t>
+              </a:r>
+            </a:p>
+          </p:txBody>
+        </p:sp>
+        <p:sp>
+          <p:nvSpPr>
+            <p:cNvPr id="381" name="TextBox 380"/>
+            <p:cNvSpPr txBox="1"/>
+            <p:nvPr/>
+          </p:nvSpPr>
+          <p:spPr>
+            <a:xfrm>
+              <a:off x="3885082" y="3128653"/>
+              <a:ext cx="256802" cy="246221"/>
+            </a:xfrm>
+            <a:prstGeom prst="rect">
+              <a:avLst/>
+            </a:prstGeom>
+            <a:noFill/>
+          </p:spPr>
+          <p:txBody>
+            <a:bodyPr wrap="none" rtlCol="0">
+              <a:spAutoFit/>
+            </a:bodyPr>
+            <a:lstStyle/>
+            <a:p>
+              <a:pPr algn="ctr"/>
+              <a:r>
+                <a:rPr lang="en-US" sz="1000" i="1" dirty="0"/>
+                <a:t>R</a:t>
+              </a:r>
+            </a:p>
+          </p:txBody>
+        </p:sp>
+        <p:cxnSp>
+          <p:nvCxnSpPr>
+            <p:cNvPr id="382" name="Straight Arrow Connector 381"/>
+            <p:cNvCxnSpPr/>
+            <p:nvPr/>
+          </p:nvCxnSpPr>
+          <p:spPr>
+            <a:xfrm>
+              <a:off x="3220910" y="3729869"/>
+              <a:ext cx="496761" cy="128185"/>
+            </a:xfrm>
+            <a:prstGeom prst="straightConnector1">
+              <a:avLst/>
+            </a:prstGeom>
+            <a:ln w="12700">
+              <a:solidFill>
+                <a:schemeClr val="tx1"/>
+              </a:solidFill>
+              <a:tailEnd type="none" w="sm" len="sm"/>
+            </a:ln>
+          </p:spPr>
+          <p:style>
+            <a:lnRef idx="1">
+              <a:schemeClr val="accent1"/>
+            </a:lnRef>
+            <a:fillRef idx="0">
+              <a:schemeClr val="accent1"/>
+            </a:fillRef>
+            <a:effectRef idx="0">
+              <a:schemeClr val="accent1"/>
+            </a:effectRef>
+            <a:fontRef idx="minor">
+              <a:schemeClr val="tx1"/>
+            </a:fontRef>
+          </p:style>
+        </p:cxnSp>
+        <p:cxnSp>
+          <p:nvCxnSpPr>
+            <p:cNvPr id="383" name="Straight Arrow Connector 382"/>
+            <p:cNvCxnSpPr/>
+            <p:nvPr/>
+          </p:nvCxnSpPr>
+          <p:spPr>
+            <a:xfrm flipH="1">
+              <a:off x="3709657" y="3729869"/>
+              <a:ext cx="496761" cy="128185"/>
+            </a:xfrm>
+            <a:prstGeom prst="straightConnector1">
+              <a:avLst/>
+            </a:prstGeom>
+            <a:ln w="12700">
+              <a:solidFill>
+                <a:schemeClr val="tx1"/>
+              </a:solidFill>
+              <a:tailEnd type="none" w="sm" len="sm"/>
+            </a:ln>
+          </p:spPr>
+          <p:style>
+            <a:lnRef idx="1">
+              <a:schemeClr val="accent1"/>
+            </a:lnRef>
+            <a:fillRef idx="0">
+              <a:schemeClr val="accent1"/>
+            </a:fillRef>
+            <a:effectRef idx="0">
+              <a:schemeClr val="accent1"/>
+            </a:effectRef>
+            <a:fontRef idx="minor">
+              <a:schemeClr val="tx1"/>
+            </a:fontRef>
+          </p:style>
+        </p:cxnSp>
+        <p:sp>
+          <p:nvSpPr>
+            <p:cNvPr id="384" name="TextBox 383"/>
+            <p:cNvSpPr txBox="1"/>
+            <p:nvPr/>
+          </p:nvSpPr>
+          <p:spPr>
+            <a:xfrm>
+              <a:off x="3584462" y="3858054"/>
+              <a:ext cx="250389" cy="246221"/>
+            </a:xfrm>
+            <a:prstGeom prst="rect">
+              <a:avLst/>
+            </a:prstGeom>
+            <a:noFill/>
+          </p:spPr>
+          <p:txBody>
+            <a:bodyPr wrap="none" rtlCol="0">
+              <a:spAutoFit/>
+            </a:bodyPr>
+            <a:lstStyle/>
+            <a:p>
+              <a:pPr algn="ctr"/>
+              <a:r>
+                <a:rPr lang="el-GR" sz="1000" b="1" i="1" dirty="0"/>
+                <a:t>ρ</a:t>
+              </a:r>
+              <a:endParaRPr lang="en-US" sz="1000" b="1" i="1" dirty="0"/>
+            </a:p>
+          </p:txBody>
+        </p:sp>
+      </p:grpSp>
+      <p:cxnSp>
+        <p:nvCxnSpPr>
+          <p:cNvPr id="385" name="Straight Arrow Connector 384"/>
+          <p:cNvCxnSpPr/>
+          <p:nvPr/>
+        </p:nvCxnSpPr>
+        <p:spPr>
+          <a:xfrm flipH="1">
+            <a:off x="-22860" y="1388095"/>
+            <a:ext cx="4710430" cy="0"/>
+          </a:xfrm>
+          <a:prstGeom prst="straightConnector1">
+            <a:avLst/>
+          </a:prstGeom>
+          <a:ln w="19050">
+            <a:solidFill>
+              <a:schemeClr val="tx1"/>
+            </a:solidFill>
+            <a:tailEnd type="none" w="sm" len="sm"/>
+          </a:ln>
+        </p:spPr>
+        <p:style>
+          <a:lnRef idx="1">
+            <a:schemeClr val="accent1"/>
+          </a:lnRef>
+          <a:fillRef idx="0">
+            <a:schemeClr val="accent1"/>
+          </a:fillRef>
+          <a:effectRef idx="0">
+            <a:schemeClr val="accent1"/>
+          </a:effectRef>
+          <a:fontRef idx="minor">
+            <a:schemeClr val="tx1"/>
+          </a:fontRef>
+        </p:style>
+      </p:cxnSp>
+      <p:grpSp>
+        <p:nvGrpSpPr>
+          <p:cNvPr id="386" name="Group 385"/>
+          <p:cNvGrpSpPr/>
+          <p:nvPr/>
+        </p:nvGrpSpPr>
+        <p:grpSpPr>
+          <a:xfrm>
+            <a:off x="95517" y="1428380"/>
+            <a:ext cx="4523710" cy="2030277"/>
+            <a:chOff x="280510" y="1501708"/>
+            <a:chExt cx="4523710" cy="2030277"/>
           </a:xfrm>
         </p:grpSpPr>
         <p:sp>
           <p:nvSpPr>
-            <p:cNvPr id="90" name="Rounded Rectangle 89"/>
+            <p:cNvPr id="387" name="Rounded Rectangle 386"/>
             <p:cNvSpPr/>
             <p:nvPr/>
           </p:nvSpPr>
           <p:spPr>
             <a:xfrm>
-              <a:off x="79980" y="1408983"/>
+              <a:off x="280510" y="2438212"/>
               <a:ext cx="409086" cy="400111"/>
             </a:xfrm>
             <a:prstGeom prst="roundRect">
@@ -4803,13 +5325,13 @@
         </p:sp>
         <p:sp>
           <p:nvSpPr>
-            <p:cNvPr id="107" name="Rounded Rectangle 106"/>
+            <p:cNvPr id="388" name="Rounded Rectangle 387"/>
             <p:cNvSpPr/>
             <p:nvPr/>
           </p:nvSpPr>
           <p:spPr>
             <a:xfrm>
-              <a:off x="3288404" y="1410413"/>
+              <a:off x="3488934" y="2439642"/>
               <a:ext cx="409086" cy="400111"/>
             </a:xfrm>
             <a:prstGeom prst="roundRect">
@@ -4853,13 +5375,13 @@
         </p:sp>
         <p:sp>
           <p:nvSpPr>
-            <p:cNvPr id="103" name="Rounded Rectangle 102"/>
+            <p:cNvPr id="389" name="Rounded Rectangle 388"/>
             <p:cNvSpPr/>
             <p:nvPr/>
           </p:nvSpPr>
           <p:spPr>
             <a:xfrm>
-              <a:off x="2845085" y="1413017"/>
+              <a:off x="3045615" y="2442246"/>
               <a:ext cx="409086" cy="400111"/>
             </a:xfrm>
             <a:prstGeom prst="roundRect">
@@ -4903,13 +5425,13 @@
         </p:sp>
         <p:sp>
           <p:nvSpPr>
-            <p:cNvPr id="96" name="Rounded Rectangle 95"/>
+            <p:cNvPr id="390" name="Rounded Rectangle 389"/>
             <p:cNvSpPr/>
             <p:nvPr/>
           </p:nvSpPr>
           <p:spPr>
             <a:xfrm>
-              <a:off x="1954807" y="1417928"/>
+              <a:off x="2155337" y="2447157"/>
               <a:ext cx="409086" cy="400111"/>
             </a:xfrm>
             <a:prstGeom prst="roundRect">
@@ -4953,13 +5475,13 @@
         </p:sp>
         <p:sp>
           <p:nvSpPr>
-            <p:cNvPr id="98" name="Rounded Rectangle 97"/>
+            <p:cNvPr id="391" name="Rounded Rectangle 390"/>
             <p:cNvSpPr/>
             <p:nvPr/>
           </p:nvSpPr>
           <p:spPr>
             <a:xfrm>
-              <a:off x="2406700" y="1413017"/>
+              <a:off x="2607230" y="2442246"/>
               <a:ext cx="409086" cy="400111"/>
             </a:xfrm>
             <a:prstGeom prst="roundRect">
@@ -5003,13 +5525,13 @@
         </p:sp>
         <p:sp>
           <p:nvSpPr>
-            <p:cNvPr id="76" name="Rounded Rectangle 75"/>
+            <p:cNvPr id="392" name="Rounded Rectangle 391"/>
             <p:cNvSpPr/>
             <p:nvPr/>
           </p:nvSpPr>
           <p:spPr>
             <a:xfrm>
-              <a:off x="1401031" y="1417691"/>
+              <a:off x="1601561" y="2446920"/>
               <a:ext cx="411030" cy="400348"/>
             </a:xfrm>
             <a:prstGeom prst="roundRect">
@@ -5053,13 +5575,13 @@
         </p:sp>
         <p:sp>
           <p:nvSpPr>
-            <p:cNvPr id="77" name="TextBox 76"/>
+            <p:cNvPr id="393" name="TextBox 392"/>
             <p:cNvSpPr txBox="1"/>
             <p:nvPr/>
           </p:nvSpPr>
           <p:spPr>
             <a:xfrm>
-              <a:off x="1402975" y="1417929"/>
+              <a:off x="1603505" y="2447158"/>
               <a:ext cx="409086" cy="400110"/>
             </a:xfrm>
             <a:prstGeom prst="rect">
@@ -5075,15 +5597,557 @@
             <a:p>
               <a:pPr algn="ctr"/>
               <a:r>
-                <a:rPr lang="en-US" sz="1000" b="1" dirty="0" smtClean="0"/>
+                <a:rPr lang="en-US" sz="1000" b="1" dirty="0"/>
                 <a:t>XY</a:t>
               </a:r>
             </a:p>
             <a:p>
               <a:pPr algn="ctr"/>
               <a:r>
-                <a:rPr lang="en-US" sz="1000" b="1" dirty="0" smtClean="0"/>
+                <a:rPr lang="en-US" sz="1000" b="1" dirty="0"/>
                 <a:t>MM</a:t>
+              </a:r>
+              <a:endParaRPr lang="en-US" sz="1000" b="1" dirty="0"/>
+            </a:p>
+          </p:txBody>
+        </p:sp>
+        <p:sp>
+          <p:nvSpPr>
+            <p:cNvPr id="395" name="Rounded Rectangle 394"/>
+            <p:cNvSpPr/>
+            <p:nvPr/>
+          </p:nvSpPr>
+          <p:spPr>
+            <a:xfrm>
+              <a:off x="1158583" y="2447158"/>
+              <a:ext cx="411030" cy="400348"/>
+            </a:xfrm>
+            <a:prstGeom prst="roundRect">
+              <a:avLst>
+                <a:gd name="adj" fmla="val 23718"/>
+              </a:avLst>
+            </a:prstGeom>
+            <a:solidFill>
+              <a:srgbClr val="00B050">
+                <a:alpha val="30000"/>
+              </a:srgbClr>
+            </a:solidFill>
+            <a:ln>
+              <a:noFill/>
+            </a:ln>
+          </p:spPr>
+          <p:style>
+            <a:lnRef idx="2">
+              <a:schemeClr val="accent1">
+                <a:shade val="50000"/>
+              </a:schemeClr>
+            </a:lnRef>
+            <a:fillRef idx="1">
+              <a:schemeClr val="accent1"/>
+            </a:fillRef>
+            <a:effectRef idx="0">
+              <a:schemeClr val="accent1"/>
+            </a:effectRef>
+            <a:fontRef idx="minor">
+              <a:schemeClr val="lt1"/>
+            </a:fontRef>
+          </p:style>
+          <p:txBody>
+            <a:bodyPr rtlCol="0" anchor="ctr"/>
+            <a:lstStyle/>
+            <a:p>
+              <a:pPr algn="ctr"/>
+              <a:endParaRPr lang="en-US" sz="692"/>
+            </a:p>
+          </p:txBody>
+        </p:sp>
+        <p:sp>
+          <p:nvSpPr>
+            <p:cNvPr id="396" name="TextBox 395"/>
+            <p:cNvSpPr txBox="1"/>
+            <p:nvPr/>
+          </p:nvSpPr>
+          <p:spPr>
+            <a:xfrm>
+              <a:off x="1160527" y="2447396"/>
+              <a:ext cx="401072" cy="400110"/>
+            </a:xfrm>
+            <a:prstGeom prst="rect">
+              <a:avLst/>
+            </a:prstGeom>
+            <a:noFill/>
+          </p:spPr>
+          <p:txBody>
+            <a:bodyPr wrap="none" rtlCol="0">
+              <a:spAutoFit/>
+            </a:bodyPr>
+            <a:lstStyle/>
+            <a:p>
+              <a:pPr algn="ctr"/>
+              <a:r>
+                <a:rPr lang="en-US" sz="1000" b="1" dirty="0"/>
+                <a:t>XY</a:t>
+              </a:r>
+            </a:p>
+            <a:p>
+              <a:pPr algn="ctr"/>
+              <a:r>
+                <a:rPr lang="en-US" sz="1000" b="1" dirty="0"/>
+                <a:t>Mm</a:t>
+              </a:r>
+              <a:endParaRPr lang="en-US" sz="1000" b="1" dirty="0"/>
+            </a:p>
+          </p:txBody>
+        </p:sp>
+        <p:sp>
+          <p:nvSpPr>
+            <p:cNvPr id="397" name="TextBox 396"/>
+            <p:cNvSpPr txBox="1"/>
+            <p:nvPr/>
+          </p:nvSpPr>
+          <p:spPr>
+            <a:xfrm>
+              <a:off x="280510" y="2441805"/>
+              <a:ext cx="409086" cy="400110"/>
+            </a:xfrm>
+            <a:prstGeom prst="rect">
+              <a:avLst/>
+            </a:prstGeom>
+            <a:noFill/>
+          </p:spPr>
+          <p:txBody>
+            <a:bodyPr wrap="none" rtlCol="0">
+              <a:spAutoFit/>
+            </a:bodyPr>
+            <a:lstStyle/>
+            <a:p>
+              <a:pPr algn="ctr"/>
+              <a:r>
+                <a:rPr lang="en-US" sz="1000" b="1" dirty="0"/>
+                <a:t>XX</a:t>
+              </a:r>
+            </a:p>
+            <a:p>
+              <a:pPr algn="ctr"/>
+              <a:r>
+                <a:rPr lang="en-US" sz="1000" b="1" dirty="0"/>
+                <a:t>MM</a:t>
+              </a:r>
+              <a:endParaRPr lang="en-US" sz="1000" b="1" dirty="0"/>
+            </a:p>
+          </p:txBody>
+        </p:sp>
+        <p:sp>
+          <p:nvSpPr>
+            <p:cNvPr id="398" name="Rounded Rectangle 397"/>
+            <p:cNvSpPr/>
+            <p:nvPr/>
+          </p:nvSpPr>
+          <p:spPr>
+            <a:xfrm>
+              <a:off x="4393190" y="2442246"/>
+              <a:ext cx="411030" cy="400348"/>
+            </a:xfrm>
+            <a:prstGeom prst="roundRect">
+              <a:avLst>
+                <a:gd name="adj" fmla="val 23718"/>
+              </a:avLst>
+            </a:prstGeom>
+            <a:solidFill>
+              <a:srgbClr val="00B050">
+                <a:alpha val="30000"/>
+              </a:srgbClr>
+            </a:solidFill>
+            <a:ln>
+              <a:noFill/>
+            </a:ln>
+          </p:spPr>
+          <p:style>
+            <a:lnRef idx="2">
+              <a:schemeClr val="accent1">
+                <a:shade val="50000"/>
+              </a:schemeClr>
+            </a:lnRef>
+            <a:fillRef idx="1">
+              <a:schemeClr val="accent1"/>
+            </a:fillRef>
+            <a:effectRef idx="0">
+              <a:schemeClr val="accent1"/>
+            </a:effectRef>
+            <a:fontRef idx="minor">
+              <a:schemeClr val="lt1"/>
+            </a:fontRef>
+          </p:style>
+          <p:txBody>
+            <a:bodyPr rtlCol="0" anchor="ctr"/>
+            <a:lstStyle/>
+            <a:p>
+              <a:pPr algn="ctr"/>
+              <a:endParaRPr lang="en-US" sz="692"/>
+            </a:p>
+          </p:txBody>
+        </p:sp>
+        <p:sp>
+          <p:nvSpPr>
+            <p:cNvPr id="399" name="TextBox 398"/>
+            <p:cNvSpPr txBox="1"/>
+            <p:nvPr/>
+          </p:nvSpPr>
+          <p:spPr>
+            <a:xfrm>
+              <a:off x="4384292" y="2439643"/>
+              <a:ext cx="409086" cy="400110"/>
+            </a:xfrm>
+            <a:prstGeom prst="rect">
+              <a:avLst/>
+            </a:prstGeom>
+            <a:noFill/>
+          </p:spPr>
+          <p:txBody>
+            <a:bodyPr wrap="none" rtlCol="0">
+              <a:spAutoFit/>
+            </a:bodyPr>
+            <a:lstStyle/>
+            <a:p>
+              <a:pPr algn="ctr"/>
+              <a:r>
+                <a:rPr lang="en-US" sz="1000" b="1" dirty="0"/>
+                <a:t>XY</a:t>
+              </a:r>
+            </a:p>
+            <a:p>
+              <a:pPr algn="ctr"/>
+              <a:r>
+                <a:rPr lang="en-US" sz="1000" b="1" dirty="0"/>
+                <a:t>MM</a:t>
+              </a:r>
+              <a:endParaRPr lang="en-US" sz="1000" b="1" dirty="0"/>
+            </a:p>
+          </p:txBody>
+        </p:sp>
+        <p:sp>
+          <p:nvSpPr>
+            <p:cNvPr id="400" name="Rounded Rectangle 399"/>
+            <p:cNvSpPr/>
+            <p:nvPr/>
+          </p:nvSpPr>
+          <p:spPr>
+            <a:xfrm>
+              <a:off x="3937656" y="2442246"/>
+              <a:ext cx="411030" cy="400348"/>
+            </a:xfrm>
+            <a:prstGeom prst="roundRect">
+              <a:avLst>
+                <a:gd name="adj" fmla="val 23718"/>
+              </a:avLst>
+            </a:prstGeom>
+            <a:solidFill>
+              <a:srgbClr val="00B050">
+                <a:alpha val="30000"/>
+              </a:srgbClr>
+            </a:solidFill>
+            <a:ln>
+              <a:noFill/>
+            </a:ln>
+          </p:spPr>
+          <p:style>
+            <a:lnRef idx="2">
+              <a:schemeClr val="accent1">
+                <a:shade val="50000"/>
+              </a:schemeClr>
+            </a:lnRef>
+            <a:fillRef idx="1">
+              <a:schemeClr val="accent1"/>
+            </a:fillRef>
+            <a:effectRef idx="0">
+              <a:schemeClr val="accent1"/>
+            </a:effectRef>
+            <a:fontRef idx="minor">
+              <a:schemeClr val="lt1"/>
+            </a:fontRef>
+          </p:style>
+          <p:txBody>
+            <a:bodyPr rtlCol="0" anchor="ctr"/>
+            <a:lstStyle/>
+            <a:p>
+              <a:pPr algn="ctr"/>
+              <a:endParaRPr lang="en-US" sz="692"/>
+            </a:p>
+          </p:txBody>
+        </p:sp>
+        <p:sp>
+          <p:nvSpPr>
+            <p:cNvPr id="401" name="TextBox 400"/>
+            <p:cNvSpPr txBox="1"/>
+            <p:nvPr/>
+          </p:nvSpPr>
+          <p:spPr>
+            <a:xfrm>
+              <a:off x="3939600" y="2442484"/>
+              <a:ext cx="409086" cy="400110"/>
+            </a:xfrm>
+            <a:prstGeom prst="rect">
+              <a:avLst/>
+            </a:prstGeom>
+            <a:noFill/>
+          </p:spPr>
+          <p:txBody>
+            <a:bodyPr wrap="none" rtlCol="0">
+              <a:spAutoFit/>
+            </a:bodyPr>
+            <a:lstStyle/>
+            <a:p>
+              <a:pPr algn="ctr"/>
+              <a:r>
+                <a:rPr lang="en-US" sz="1000" b="1" dirty="0"/>
+                <a:t>YY</a:t>
+              </a:r>
+            </a:p>
+            <a:p>
+              <a:pPr algn="ctr"/>
+              <a:r>
+                <a:rPr lang="en-US" sz="1000" b="1" dirty="0"/>
+                <a:t>MM</a:t>
+              </a:r>
+              <a:endParaRPr lang="en-US" sz="1000" b="1" dirty="0"/>
+            </a:p>
+          </p:txBody>
+        </p:sp>
+        <p:sp>
+          <p:nvSpPr>
+            <p:cNvPr id="402" name="TextBox 401"/>
+            <p:cNvSpPr txBox="1"/>
+            <p:nvPr/>
+          </p:nvSpPr>
+          <p:spPr>
+            <a:xfrm>
+              <a:off x="2155337" y="2447158"/>
+              <a:ext cx="409086" cy="400110"/>
+            </a:xfrm>
+            <a:prstGeom prst="rect">
+              <a:avLst/>
+            </a:prstGeom>
+            <a:noFill/>
+          </p:spPr>
+          <p:txBody>
+            <a:bodyPr wrap="none" rtlCol="0">
+              <a:spAutoFit/>
+            </a:bodyPr>
+            <a:lstStyle/>
+            <a:p>
+              <a:pPr algn="ctr"/>
+              <a:r>
+                <a:rPr lang="en-US" sz="1000" b="1" dirty="0"/>
+                <a:t>XX</a:t>
+              </a:r>
+            </a:p>
+            <a:p>
+              <a:pPr algn="ctr"/>
+              <a:r>
+                <a:rPr lang="en-US" sz="1000" b="1" dirty="0"/>
+                <a:t>MM</a:t>
+              </a:r>
+              <a:endParaRPr lang="en-US" sz="1000" b="1" dirty="0"/>
+            </a:p>
+          </p:txBody>
+        </p:sp>
+        <p:sp>
+          <p:nvSpPr>
+            <p:cNvPr id="403" name="TextBox 402"/>
+            <p:cNvSpPr txBox="1"/>
+            <p:nvPr/>
+          </p:nvSpPr>
+          <p:spPr>
+            <a:xfrm>
+              <a:off x="2607230" y="2442247"/>
+              <a:ext cx="401072" cy="400110"/>
+            </a:xfrm>
+            <a:prstGeom prst="rect">
+              <a:avLst/>
+            </a:prstGeom>
+            <a:noFill/>
+          </p:spPr>
+          <p:txBody>
+            <a:bodyPr wrap="none" rtlCol="0">
+              <a:spAutoFit/>
+            </a:bodyPr>
+            <a:lstStyle/>
+            <a:p>
+              <a:pPr algn="ctr"/>
+              <a:r>
+                <a:rPr lang="en-US" sz="1000" b="1" dirty="0"/>
+                <a:t>XX</a:t>
+              </a:r>
+            </a:p>
+            <a:p>
+              <a:pPr algn="ctr"/>
+              <a:r>
+                <a:rPr lang="en-US" sz="1000" b="1" dirty="0"/>
+                <a:t>Mm</a:t>
+              </a:r>
+              <a:endParaRPr lang="en-US" sz="1000" b="1" dirty="0"/>
+            </a:p>
+          </p:txBody>
+        </p:sp>
+        <p:sp>
+          <p:nvSpPr>
+            <p:cNvPr id="404" name="TextBox 403"/>
+            <p:cNvSpPr txBox="1"/>
+            <p:nvPr/>
+          </p:nvSpPr>
+          <p:spPr>
+            <a:xfrm>
+              <a:off x="3045615" y="2442247"/>
+              <a:ext cx="401072" cy="400110"/>
+            </a:xfrm>
+            <a:prstGeom prst="rect">
+              <a:avLst/>
+            </a:prstGeom>
+            <a:noFill/>
+          </p:spPr>
+          <p:txBody>
+            <a:bodyPr wrap="none" rtlCol="0">
+              <a:spAutoFit/>
+            </a:bodyPr>
+            <a:lstStyle/>
+            <a:p>
+              <a:pPr algn="ctr"/>
+              <a:r>
+                <a:rPr lang="en-US" sz="1000" b="1" dirty="0"/>
+                <a:t>XY</a:t>
+              </a:r>
+            </a:p>
+            <a:p>
+              <a:pPr algn="ctr"/>
+              <a:r>
+                <a:rPr lang="en-US" sz="1000" b="1" dirty="0"/>
+                <a:t>Mm</a:t>
+              </a:r>
+              <a:endParaRPr lang="en-US" sz="1000" b="1" dirty="0"/>
+            </a:p>
+          </p:txBody>
+        </p:sp>
+        <p:sp>
+          <p:nvSpPr>
+            <p:cNvPr id="405" name="TextBox 404"/>
+            <p:cNvSpPr txBox="1"/>
+            <p:nvPr/>
+          </p:nvSpPr>
+          <p:spPr>
+            <a:xfrm>
+              <a:off x="3488934" y="2439643"/>
+              <a:ext cx="401072" cy="400110"/>
+            </a:xfrm>
+            <a:prstGeom prst="rect">
+              <a:avLst/>
+            </a:prstGeom>
+            <a:noFill/>
+          </p:spPr>
+          <p:txBody>
+            <a:bodyPr wrap="none" rtlCol="0">
+              <a:spAutoFit/>
+            </a:bodyPr>
+            <a:lstStyle/>
+            <a:p>
+              <a:pPr algn="ctr"/>
+              <a:r>
+                <a:rPr lang="en-US" sz="1000" b="1" dirty="0"/>
+                <a:t>YY</a:t>
+              </a:r>
+            </a:p>
+            <a:p>
+              <a:pPr algn="ctr"/>
+              <a:r>
+                <a:rPr lang="en-US" sz="1000" b="1" dirty="0"/>
+                <a:t>Mm</a:t>
+              </a:r>
+              <a:endParaRPr lang="en-US" sz="1000" b="1" dirty="0"/>
+            </a:p>
+          </p:txBody>
+        </p:sp>
+        <p:sp>
+          <p:nvSpPr>
+            <p:cNvPr id="406" name="Rounded Rectangle 405"/>
+            <p:cNvSpPr/>
+            <p:nvPr/>
+          </p:nvSpPr>
+          <p:spPr>
+            <a:xfrm>
+              <a:off x="717612" y="2442587"/>
+              <a:ext cx="411030" cy="400348"/>
+            </a:xfrm>
+            <a:prstGeom prst="roundRect">
+              <a:avLst>
+                <a:gd name="adj" fmla="val 23718"/>
+              </a:avLst>
+            </a:prstGeom>
+            <a:solidFill>
+              <a:srgbClr val="00B050">
+                <a:alpha val="30000"/>
+              </a:srgbClr>
+            </a:solidFill>
+            <a:ln>
+              <a:noFill/>
+            </a:ln>
+          </p:spPr>
+          <p:style>
+            <a:lnRef idx="2">
+              <a:schemeClr val="accent1">
+                <a:shade val="50000"/>
+              </a:schemeClr>
+            </a:lnRef>
+            <a:fillRef idx="1">
+              <a:schemeClr val="accent1"/>
+            </a:fillRef>
+            <a:effectRef idx="0">
+              <a:schemeClr val="accent1"/>
+            </a:effectRef>
+            <a:fontRef idx="minor">
+              <a:schemeClr val="lt1"/>
+            </a:fontRef>
+          </p:style>
+          <p:txBody>
+            <a:bodyPr rtlCol="0" anchor="ctr"/>
+            <a:lstStyle/>
+            <a:p>
+              <a:pPr algn="ctr"/>
+              <a:endParaRPr lang="en-US" sz="692"/>
+            </a:p>
+          </p:txBody>
+        </p:sp>
+        <p:sp>
+          <p:nvSpPr>
+            <p:cNvPr id="407" name="TextBox 406"/>
+            <p:cNvSpPr txBox="1"/>
+            <p:nvPr/>
+          </p:nvSpPr>
+          <p:spPr>
+            <a:xfrm>
+              <a:off x="719556" y="2442825"/>
+              <a:ext cx="401072" cy="400110"/>
+            </a:xfrm>
+            <a:prstGeom prst="rect">
+              <a:avLst/>
+            </a:prstGeom>
+            <a:noFill/>
+          </p:spPr>
+          <p:txBody>
+            <a:bodyPr wrap="none" rtlCol="0">
+              <a:spAutoFit/>
+            </a:bodyPr>
+            <a:lstStyle/>
+            <a:p>
+              <a:pPr algn="ctr"/>
+              <a:r>
+                <a:rPr lang="en-US" sz="1000" b="1" dirty="0"/>
+                <a:t>XX</a:t>
+              </a:r>
+            </a:p>
+            <a:p>
+              <a:pPr algn="ctr"/>
+              <a:r>
+                <a:rPr lang="en-US" sz="1000" b="1" dirty="0"/>
+                <a:t>Mm</a:t>
               </a:r>
               <a:endParaRPr lang="en-US" sz="1000" b="1" dirty="0"/>
             </a:p>
@@ -5091,23 +6155,59 @@
         </p:sp>
         <p:cxnSp>
           <p:nvCxnSpPr>
-            <p:cNvPr id="79" name="Straight Arrow Connector 78"/>
+            <p:cNvPr id="408" name="Straight Arrow Connector 407"/>
             <p:cNvCxnSpPr/>
             <p:nvPr/>
           </p:nvCxnSpPr>
           <p:spPr>
-            <a:xfrm flipV="1">
-              <a:off x="1879666" y="486106"/>
-              <a:ext cx="8437" cy="2393375"/>
+            <a:xfrm>
+              <a:off x="1260193" y="2897998"/>
+              <a:ext cx="0" cy="198000"/>
             </a:xfrm>
             <a:prstGeom prst="straightConnector1">
               <a:avLst/>
             </a:prstGeom>
-            <a:ln w="12700">
+            <a:ln w="28575">
               <a:solidFill>
                 <a:schemeClr val="tx1"/>
               </a:solidFill>
-              <a:tailEnd type="none" w="sm" len="sm"/>
+              <a:tailEnd type="triangle" w="sm" len="sm"/>
+            </a:ln>
+          </p:spPr>
+          <p:style>
+            <a:lnRef idx="1">
+              <a:schemeClr val="accent1"/>
+            </a:lnRef>
+            <a:fillRef idx="0">
+              <a:schemeClr val="accent1"/>
+            </a:fillRef>
+            <a:effectRef idx="0">
+              <a:schemeClr val="accent1"/>
+            </a:effectRef>
+            <a:fontRef idx="minor">
+              <a:schemeClr val="tx1"/>
+            </a:fontRef>
+          </p:style>
+        </p:cxnSp>
+        <p:cxnSp>
+          <p:nvCxnSpPr>
+            <p:cNvPr id="409" name="Straight Arrow Connector 408"/>
+            <p:cNvCxnSpPr/>
+            <p:nvPr/>
+          </p:nvCxnSpPr>
+          <p:spPr>
+            <a:xfrm>
+              <a:off x="3491267" y="2892938"/>
+              <a:ext cx="0" cy="198000"/>
+            </a:xfrm>
+            <a:prstGeom prst="straightConnector1">
+              <a:avLst/>
+            </a:prstGeom>
+            <a:ln w="28575">
+              <a:solidFill>
+                <a:schemeClr val="tx1"/>
+              </a:solidFill>
+              <a:tailEnd type="triangle" w="sm" len="sm"/>
             </a:ln>
           </p:spPr>
           <p:style>
@@ -5127,13 +6227,101 @@
         </p:cxnSp>
         <p:sp>
           <p:nvSpPr>
-            <p:cNvPr id="87" name="Rounded Rectangle 86"/>
+            <p:cNvPr id="410" name="Rounded Rectangle 409"/>
             <p:cNvSpPr/>
             <p:nvPr/>
           </p:nvSpPr>
           <p:spPr>
             <a:xfrm>
-              <a:off x="958053" y="1417929"/>
+              <a:off x="699112" y="3128282"/>
+              <a:ext cx="409086" cy="400111"/>
+            </a:xfrm>
+            <a:prstGeom prst="roundRect">
+              <a:avLst>
+                <a:gd name="adj" fmla="val 23718"/>
+              </a:avLst>
+            </a:prstGeom>
+            <a:solidFill>
+              <a:srgbClr val="7030A0">
+                <a:alpha val="30000"/>
+              </a:srgbClr>
+            </a:solidFill>
+            <a:ln>
+              <a:noFill/>
+            </a:ln>
+          </p:spPr>
+          <p:style>
+            <a:lnRef idx="2">
+              <a:schemeClr val="accent1">
+                <a:shade val="50000"/>
+              </a:schemeClr>
+            </a:lnRef>
+            <a:fillRef idx="1">
+              <a:schemeClr val="accent1"/>
+            </a:fillRef>
+            <a:effectRef idx="0">
+              <a:schemeClr val="accent1"/>
+            </a:effectRef>
+            <a:fontRef idx="minor">
+              <a:schemeClr val="lt1"/>
+            </a:fontRef>
+          </p:style>
+          <p:txBody>
+            <a:bodyPr rtlCol="0" anchor="ctr"/>
+            <a:lstStyle/>
+            <a:p>
+              <a:pPr algn="ctr"/>
+              <a:endParaRPr lang="en-US" sz="1400"/>
+            </a:p>
+          </p:txBody>
+        </p:sp>
+        <p:sp>
+          <p:nvSpPr>
+            <p:cNvPr id="411" name="TextBox 410"/>
+            <p:cNvSpPr txBox="1"/>
+            <p:nvPr/>
+          </p:nvSpPr>
+          <p:spPr>
+            <a:xfrm>
+              <a:off x="699112" y="3131875"/>
+              <a:ext cx="409086" cy="400110"/>
+            </a:xfrm>
+            <a:prstGeom prst="rect">
+              <a:avLst/>
+            </a:prstGeom>
+            <a:noFill/>
+          </p:spPr>
+          <p:txBody>
+            <a:bodyPr wrap="none" rtlCol="0">
+              <a:spAutoFit/>
+            </a:bodyPr>
+            <a:lstStyle/>
+            <a:p>
+              <a:pPr algn="ctr"/>
+              <a:r>
+                <a:rPr lang="en-US" sz="1000" b="1" dirty="0"/>
+                <a:t>XX</a:t>
+              </a:r>
+            </a:p>
+            <a:p>
+              <a:pPr algn="ctr"/>
+              <a:r>
+                <a:rPr lang="en-US" sz="1000" b="1" dirty="0"/>
+                <a:t>MM</a:t>
+              </a:r>
+              <a:endParaRPr lang="en-US" sz="1000" b="1" dirty="0"/>
+            </a:p>
+          </p:txBody>
+        </p:sp>
+        <p:sp>
+          <p:nvSpPr>
+            <p:cNvPr id="412" name="Rounded Rectangle 411"/>
+            <p:cNvSpPr/>
+            <p:nvPr/>
+          </p:nvSpPr>
+          <p:spPr>
+            <a:xfrm>
+              <a:off x="1405032" y="3128845"/>
               <a:ext cx="411030" cy="400348"/>
             </a:xfrm>
             <a:prstGeom prst="roundRect">
@@ -5177,13 +6365,13 @@
         </p:sp>
         <p:sp>
           <p:nvSpPr>
-            <p:cNvPr id="88" name="TextBox 87"/>
+            <p:cNvPr id="413" name="TextBox 412"/>
             <p:cNvSpPr txBox="1"/>
             <p:nvPr/>
           </p:nvSpPr>
           <p:spPr>
             <a:xfrm>
-              <a:off x="959997" y="1418167"/>
+              <a:off x="1406976" y="3129083"/>
               <a:ext cx="401072" cy="400110"/>
             </a:xfrm>
             <a:prstGeom prst="rect">
@@ -5199,14 +6387,14 @@
             <a:p>
               <a:pPr algn="ctr"/>
               <a:r>
-                <a:rPr lang="en-US" sz="1000" b="1" dirty="0" smtClean="0"/>
-                <a:t>XY</a:t>
+                <a:rPr lang="en-US" sz="1000" b="1" dirty="0"/>
+                <a:t>XX</a:t>
               </a:r>
             </a:p>
             <a:p>
               <a:pPr algn="ctr"/>
               <a:r>
-                <a:rPr lang="en-US" sz="1000" b="1" dirty="0" smtClean="0"/>
+                <a:rPr lang="en-US" sz="1000" b="1" dirty="0"/>
                 <a:t>Mm</a:t>
               </a:r>
               <a:endParaRPr lang="en-US" sz="1000" b="1" dirty="0"/>
@@ -5215,13 +6403,63 @@
         </p:sp>
         <p:sp>
           <p:nvSpPr>
-            <p:cNvPr id="89" name="TextBox 88"/>
+            <p:cNvPr id="414" name="Rounded Rectangle 413"/>
+            <p:cNvSpPr/>
+            <p:nvPr/>
+          </p:nvSpPr>
+          <p:spPr>
+            <a:xfrm>
+              <a:off x="699112" y="1759477"/>
+              <a:ext cx="409086" cy="400111"/>
+            </a:xfrm>
+            <a:prstGeom prst="roundRect">
+              <a:avLst>
+                <a:gd name="adj" fmla="val 23718"/>
+              </a:avLst>
+            </a:prstGeom>
+            <a:solidFill>
+              <a:srgbClr val="7030A0">
+                <a:alpha val="30000"/>
+              </a:srgbClr>
+            </a:solidFill>
+            <a:ln>
+              <a:noFill/>
+            </a:ln>
+          </p:spPr>
+          <p:style>
+            <a:lnRef idx="2">
+              <a:schemeClr val="accent1">
+                <a:shade val="50000"/>
+              </a:schemeClr>
+            </a:lnRef>
+            <a:fillRef idx="1">
+              <a:schemeClr val="accent1"/>
+            </a:fillRef>
+            <a:effectRef idx="0">
+              <a:schemeClr val="accent1"/>
+            </a:effectRef>
+            <a:fontRef idx="minor">
+              <a:schemeClr val="lt1"/>
+            </a:fontRef>
+          </p:style>
+          <p:txBody>
+            <a:bodyPr rtlCol="0" anchor="ctr"/>
+            <a:lstStyle/>
+            <a:p>
+              <a:pPr algn="ctr"/>
+              <a:endParaRPr lang="en-US" sz="1400"/>
+            </a:p>
+          </p:txBody>
+        </p:sp>
+        <p:sp>
+          <p:nvSpPr>
+            <p:cNvPr id="415" name="TextBox 414"/>
             <p:cNvSpPr txBox="1"/>
             <p:nvPr/>
           </p:nvSpPr>
           <p:spPr>
             <a:xfrm>
-              <a:off x="79980" y="1412576"/>
+              <a:off x="699112" y="1763070"/>
               <a:ext cx="409086" cy="400110"/>
             </a:xfrm>
             <a:prstGeom prst="rect">
@@ -5237,14 +6475,14 @@
             <a:p>
               <a:pPr algn="ctr"/>
               <a:r>
-                <a:rPr lang="en-US" sz="1000" b="1" dirty="0" smtClean="0"/>
+                <a:rPr lang="en-US" sz="1000" b="1" dirty="0"/>
                 <a:t>XX</a:t>
               </a:r>
             </a:p>
             <a:p>
               <a:pPr algn="ctr"/>
               <a:r>
-                <a:rPr lang="en-US" sz="1000" b="1" dirty="0" smtClean="0"/>
+                <a:rPr lang="en-US" sz="1000" b="1" dirty="0"/>
                 <a:t>MM</a:t>
               </a:r>
               <a:endParaRPr lang="en-US" sz="1000" b="1" dirty="0"/>
@@ -5253,13 +6491,13 @@
         </p:sp>
         <p:sp>
           <p:nvSpPr>
-            <p:cNvPr id="91" name="Rounded Rectangle 90"/>
+            <p:cNvPr id="416" name="Rounded Rectangle 415"/>
             <p:cNvSpPr/>
             <p:nvPr/>
           </p:nvSpPr>
           <p:spPr>
             <a:xfrm>
-              <a:off x="4192660" y="1413017"/>
+              <a:off x="1405032" y="1760040"/>
               <a:ext cx="411030" cy="400348"/>
             </a:xfrm>
             <a:prstGeom prst="roundRect">
@@ -5303,13 +6541,13 @@
         </p:sp>
         <p:sp>
           <p:nvSpPr>
-            <p:cNvPr id="92" name="TextBox 91"/>
+            <p:cNvPr id="417" name="TextBox 416"/>
             <p:cNvSpPr txBox="1"/>
             <p:nvPr/>
           </p:nvSpPr>
           <p:spPr>
             <a:xfrm>
-              <a:off x="4183762" y="1410414"/>
+              <a:off x="1402969" y="1760278"/>
               <a:ext cx="409086" cy="400110"/>
             </a:xfrm>
             <a:prstGeom prst="rect">
@@ -5325,29 +6563,153 @@
             <a:p>
               <a:pPr algn="ctr"/>
               <a:r>
-                <a:rPr lang="en-US" sz="1000" b="1" dirty="0" smtClean="0"/>
+                <a:rPr lang="en-US" sz="1000" b="1" dirty="0"/>
                 <a:t>XY</a:t>
               </a:r>
             </a:p>
             <a:p>
               <a:pPr algn="ctr"/>
               <a:r>
-                <a:rPr lang="en-US" sz="1000" b="1" dirty="0" smtClean="0"/>
+                <a:rPr lang="en-US" sz="1000" b="1" dirty="0"/>
                 <a:t>MM</a:t>
               </a:r>
               <a:endParaRPr lang="en-US" sz="1000" b="1" dirty="0"/>
+            </a:p>
+          </p:txBody>
+        </p:sp>
+        <p:cxnSp>
+          <p:nvCxnSpPr>
+            <p:cNvPr id="418" name="Straight Arrow Connector 417"/>
+            <p:cNvCxnSpPr/>
+            <p:nvPr/>
+          </p:nvCxnSpPr>
+          <p:spPr>
+            <a:xfrm>
+              <a:off x="1260193" y="2188616"/>
+              <a:ext cx="0" cy="198000"/>
+            </a:xfrm>
+            <a:prstGeom prst="straightConnector1">
+              <a:avLst/>
+            </a:prstGeom>
+            <a:ln w="28575">
+              <a:solidFill>
+                <a:schemeClr val="tx1"/>
+              </a:solidFill>
+              <a:tailEnd type="triangle" w="sm" len="sm"/>
+            </a:ln>
+          </p:spPr>
+          <p:style>
+            <a:lnRef idx="1">
+              <a:schemeClr val="accent1"/>
+            </a:lnRef>
+            <a:fillRef idx="0">
+              <a:schemeClr val="accent1"/>
+            </a:fillRef>
+            <a:effectRef idx="0">
+              <a:schemeClr val="accent1"/>
+            </a:effectRef>
+            <a:fontRef idx="minor">
+              <a:schemeClr val="tx1"/>
+            </a:fontRef>
+          </p:style>
+        </p:cxnSp>
+        <p:sp>
+          <p:nvSpPr>
+            <p:cNvPr id="419" name="Rounded Rectangle 418"/>
+            <p:cNvSpPr/>
+            <p:nvPr/>
+          </p:nvSpPr>
+          <p:spPr>
+            <a:xfrm>
+              <a:off x="2903000" y="1759779"/>
+              <a:ext cx="409086" cy="400111"/>
+            </a:xfrm>
+            <a:prstGeom prst="roundRect">
+              <a:avLst>
+                <a:gd name="adj" fmla="val 23718"/>
+              </a:avLst>
+            </a:prstGeom>
+            <a:solidFill>
+              <a:srgbClr val="7030A0">
+                <a:alpha val="30000"/>
+              </a:srgbClr>
+            </a:solidFill>
+            <a:ln>
+              <a:noFill/>
+            </a:ln>
+          </p:spPr>
+          <p:style>
+            <a:lnRef idx="2">
+              <a:schemeClr val="accent1">
+                <a:shade val="50000"/>
+              </a:schemeClr>
+            </a:lnRef>
+            <a:fillRef idx="1">
+              <a:schemeClr val="accent1"/>
+            </a:fillRef>
+            <a:effectRef idx="0">
+              <a:schemeClr val="accent1"/>
+            </a:effectRef>
+            <a:fontRef idx="minor">
+              <a:schemeClr val="lt1"/>
+            </a:fontRef>
+          </p:style>
+          <p:txBody>
+            <a:bodyPr rtlCol="0" anchor="ctr"/>
+            <a:lstStyle/>
+            <a:p>
+              <a:pPr algn="ctr"/>
+              <a:endParaRPr lang="en-US" sz="1400"/>
             </a:p>
           </p:txBody>
         </p:sp>
         <p:sp>
           <p:nvSpPr>
-            <p:cNvPr id="93" name="Rounded Rectangle 92"/>
+            <p:cNvPr id="420" name="TextBox 419"/>
+            <p:cNvSpPr txBox="1"/>
+            <p:nvPr/>
+          </p:nvSpPr>
+          <p:spPr>
+            <a:xfrm>
+              <a:off x="2903000" y="1763372"/>
+              <a:ext cx="409086" cy="400110"/>
+            </a:xfrm>
+            <a:prstGeom prst="rect">
+              <a:avLst/>
+            </a:prstGeom>
+            <a:noFill/>
+          </p:spPr>
+          <p:txBody>
+            <a:bodyPr wrap="none" rtlCol="0">
+              <a:spAutoFit/>
+            </a:bodyPr>
+            <a:lstStyle/>
+            <a:p>
+              <a:pPr algn="ctr"/>
+              <a:r>
+                <a:rPr lang="en-US" sz="1000" b="1" dirty="0"/>
+                <a:t>XX</a:t>
+              </a:r>
+            </a:p>
+            <a:p>
+              <a:pPr algn="ctr"/>
+              <a:r>
+                <a:rPr lang="en-US" sz="1000" b="1" dirty="0"/>
+                <a:t>MM</a:t>
+              </a:r>
+              <a:endParaRPr lang="en-US" sz="1000" b="1" dirty="0"/>
+            </a:p>
+          </p:txBody>
+        </p:sp>
+        <p:sp>
+          <p:nvSpPr>
+            <p:cNvPr id="421" name="Rounded Rectangle 420"/>
             <p:cNvSpPr/>
             <p:nvPr/>
           </p:nvSpPr>
           <p:spPr>
             <a:xfrm>
-              <a:off x="3737126" y="1413017"/>
+              <a:off x="3608920" y="1760342"/>
               <a:ext cx="411030" cy="400348"/>
             </a:xfrm>
             <a:prstGeom prst="roundRect">
@@ -5391,13 +6753,13 @@
         </p:sp>
         <p:sp>
           <p:nvSpPr>
-            <p:cNvPr id="94" name="TextBox 93"/>
+            <p:cNvPr id="422" name="TextBox 421"/>
             <p:cNvSpPr txBox="1"/>
             <p:nvPr/>
           </p:nvSpPr>
           <p:spPr>
             <a:xfrm>
-              <a:off x="3739070" y="1413255"/>
+              <a:off x="3606857" y="1760580"/>
               <a:ext cx="409086" cy="400110"/>
             </a:xfrm>
             <a:prstGeom prst="rect">
@@ -5413,30 +6775,116 @@
             <a:p>
               <a:pPr algn="ctr"/>
               <a:r>
-                <a:rPr lang="en-US" sz="1000" b="1" dirty="0" smtClean="0"/>
-                <a:t>YY</a:t>
+                <a:rPr lang="en-US" sz="1000" b="1" dirty="0"/>
+                <a:t>XY</a:t>
               </a:r>
             </a:p>
             <a:p>
               <a:pPr algn="ctr"/>
               <a:r>
-                <a:rPr lang="en-US" sz="1000" b="1" dirty="0" smtClean="0"/>
+                <a:rPr lang="en-US" sz="1000" b="1" dirty="0"/>
                 <a:t>MM</a:t>
               </a:r>
               <a:endParaRPr lang="en-US" sz="1000" b="1" dirty="0"/>
+            </a:p>
+          </p:txBody>
+        </p:sp>
+        <p:cxnSp>
+          <p:nvCxnSpPr>
+            <p:cNvPr id="423" name="Straight Arrow Connector 422"/>
+            <p:cNvCxnSpPr/>
+            <p:nvPr/>
+          </p:nvCxnSpPr>
+          <p:spPr>
+            <a:xfrm>
+              <a:off x="3464081" y="2188918"/>
+              <a:ext cx="0" cy="198000"/>
+            </a:xfrm>
+            <a:prstGeom prst="straightConnector1">
+              <a:avLst/>
+            </a:prstGeom>
+            <a:ln w="28575">
+              <a:solidFill>
+                <a:schemeClr val="tx1"/>
+              </a:solidFill>
+              <a:tailEnd type="triangle" w="sm" len="sm"/>
+            </a:ln>
+          </p:spPr>
+          <p:style>
+            <a:lnRef idx="1">
+              <a:schemeClr val="accent1"/>
+            </a:lnRef>
+            <a:fillRef idx="0">
+              <a:schemeClr val="accent1"/>
+            </a:fillRef>
+            <a:effectRef idx="0">
+              <a:schemeClr val="accent1"/>
+            </a:effectRef>
+            <a:fontRef idx="minor">
+              <a:schemeClr val="tx1"/>
+            </a:fontRef>
+          </p:style>
+        </p:cxnSp>
+        <p:sp>
+          <p:nvSpPr>
+            <p:cNvPr id="424" name="Rounded Rectangle 423"/>
+            <p:cNvSpPr/>
+            <p:nvPr/>
+          </p:nvSpPr>
+          <p:spPr>
+            <a:xfrm>
+              <a:off x="2903000" y="3125289"/>
+              <a:ext cx="409086" cy="400111"/>
+            </a:xfrm>
+            <a:prstGeom prst="roundRect">
+              <a:avLst>
+                <a:gd name="adj" fmla="val 23718"/>
+              </a:avLst>
+            </a:prstGeom>
+            <a:solidFill>
+              <a:srgbClr val="7030A0">
+                <a:alpha val="30000"/>
+              </a:srgbClr>
+            </a:solidFill>
+            <a:ln>
+              <a:noFill/>
+            </a:ln>
+          </p:spPr>
+          <p:style>
+            <a:lnRef idx="2">
+              <a:schemeClr val="accent1">
+                <a:shade val="50000"/>
+              </a:schemeClr>
+            </a:lnRef>
+            <a:fillRef idx="1">
+              <a:schemeClr val="accent1"/>
+            </a:fillRef>
+            <a:effectRef idx="0">
+              <a:schemeClr val="accent1"/>
+            </a:effectRef>
+            <a:fontRef idx="minor">
+              <a:schemeClr val="lt1"/>
+            </a:fontRef>
+          </p:style>
+          <p:txBody>
+            <a:bodyPr rtlCol="0" anchor="ctr"/>
+            <a:lstStyle/>
+            <a:p>
+              <a:pPr algn="ctr"/>
+              <a:endParaRPr lang="en-US" sz="1400"/>
             </a:p>
           </p:txBody>
         </p:sp>
         <p:sp>
           <p:nvSpPr>
-            <p:cNvPr id="95" name="TextBox 94"/>
+            <p:cNvPr id="425" name="TextBox 424"/>
             <p:cNvSpPr txBox="1"/>
             <p:nvPr/>
           </p:nvSpPr>
           <p:spPr>
             <a:xfrm>
-              <a:off x="1954807" y="1417929"/>
-              <a:ext cx="409086" cy="400110"/>
+              <a:off x="2907007" y="3128882"/>
+              <a:ext cx="401072" cy="400110"/>
             </a:xfrm>
             <a:prstGeom prst="rect">
               <a:avLst/>
@@ -5451,15 +6899,15 @@
             <a:p>
               <a:pPr algn="ctr"/>
               <a:r>
-                <a:rPr lang="en-US" sz="1000" b="1" dirty="0" smtClean="0"/>
-                <a:t>XX</a:t>
+                <a:rPr lang="en-US" sz="1000" b="1" dirty="0"/>
+                <a:t>YY</a:t>
               </a:r>
             </a:p>
             <a:p>
               <a:pPr algn="ctr"/>
               <a:r>
-                <a:rPr lang="en-US" sz="1000" b="1" dirty="0" smtClean="0"/>
-                <a:t>MM</a:t>
+                <a:rPr lang="en-US" sz="1000" b="1" dirty="0"/>
+                <a:t>Mm</a:t>
               </a:r>
               <a:endParaRPr lang="en-US" sz="1000" b="1" dirty="0"/>
             </a:p>
@@ -5467,127 +6915,13 @@
         </p:sp>
         <p:sp>
           <p:nvSpPr>
-            <p:cNvPr id="97" name="TextBox 96"/>
-            <p:cNvSpPr txBox="1"/>
+            <p:cNvPr id="426" name="Rounded Rectangle 425"/>
+            <p:cNvSpPr/>
             <p:nvPr/>
           </p:nvSpPr>
           <p:spPr>
             <a:xfrm>
-              <a:off x="2406700" y="1413018"/>
-              <a:ext cx="401072" cy="400110"/>
-            </a:xfrm>
-            <a:prstGeom prst="rect">
-              <a:avLst/>
-            </a:prstGeom>
-            <a:noFill/>
-          </p:spPr>
-          <p:txBody>
-            <a:bodyPr wrap="none" rtlCol="0">
-              <a:spAutoFit/>
-            </a:bodyPr>
-            <a:lstStyle/>
-            <a:p>
-              <a:pPr algn="ctr"/>
-              <a:r>
-                <a:rPr lang="en-US" sz="1000" b="1" dirty="0" smtClean="0"/>
-                <a:t>XX</a:t>
-              </a:r>
-            </a:p>
-            <a:p>
-              <a:pPr algn="ctr"/>
-              <a:r>
-                <a:rPr lang="en-US" sz="1000" b="1" dirty="0" smtClean="0"/>
-                <a:t>Mm</a:t>
-              </a:r>
-              <a:endParaRPr lang="en-US" sz="1000" b="1" dirty="0"/>
-            </a:p>
-          </p:txBody>
-        </p:sp>
-        <p:sp>
-          <p:nvSpPr>
-            <p:cNvPr id="102" name="TextBox 101"/>
-            <p:cNvSpPr txBox="1"/>
-            <p:nvPr/>
-          </p:nvSpPr>
-          <p:spPr>
-            <a:xfrm>
-              <a:off x="2845085" y="1413018"/>
-              <a:ext cx="401072" cy="400110"/>
-            </a:xfrm>
-            <a:prstGeom prst="rect">
-              <a:avLst/>
-            </a:prstGeom>
-            <a:noFill/>
-          </p:spPr>
-          <p:txBody>
-            <a:bodyPr wrap="none" rtlCol="0">
-              <a:spAutoFit/>
-            </a:bodyPr>
-            <a:lstStyle/>
-            <a:p>
-              <a:pPr algn="ctr"/>
-              <a:r>
-                <a:rPr lang="en-US" sz="1000" b="1" dirty="0" smtClean="0"/>
-                <a:t>XY</a:t>
-              </a:r>
-            </a:p>
-            <a:p>
-              <a:pPr algn="ctr"/>
-              <a:r>
-                <a:rPr lang="en-US" sz="1000" b="1" dirty="0" smtClean="0"/>
-                <a:t>Mm</a:t>
-              </a:r>
-              <a:endParaRPr lang="en-US" sz="1000" b="1" dirty="0"/>
-            </a:p>
-          </p:txBody>
-        </p:sp>
-        <p:sp>
-          <p:nvSpPr>
-            <p:cNvPr id="106" name="TextBox 105"/>
-            <p:cNvSpPr txBox="1"/>
-            <p:nvPr/>
-          </p:nvSpPr>
-          <p:spPr>
-            <a:xfrm>
-              <a:off x="3288404" y="1410414"/>
-              <a:ext cx="401072" cy="400110"/>
-            </a:xfrm>
-            <a:prstGeom prst="rect">
-              <a:avLst/>
-            </a:prstGeom>
-            <a:noFill/>
-          </p:spPr>
-          <p:txBody>
-            <a:bodyPr wrap="none" rtlCol="0">
-              <a:spAutoFit/>
-            </a:bodyPr>
-            <a:lstStyle/>
-            <a:p>
-              <a:pPr algn="ctr"/>
-              <a:r>
-                <a:rPr lang="en-US" sz="1000" b="1" dirty="0" smtClean="0"/>
-                <a:t>YY</a:t>
-              </a:r>
-            </a:p>
-            <a:p>
-              <a:pPr algn="ctr"/>
-              <a:r>
-                <a:rPr lang="en-US" sz="1000" b="1" dirty="0" smtClean="0"/>
-                <a:t>Mm</a:t>
-              </a:r>
-              <a:endParaRPr lang="en-US" sz="1000" b="1" dirty="0"/>
-            </a:p>
-          </p:txBody>
-        </p:sp>
-        <p:sp>
-          <p:nvSpPr>
-            <p:cNvPr id="108" name="Rounded Rectangle 107"/>
-            <p:cNvSpPr/>
-            <p:nvPr/>
-          </p:nvSpPr>
-          <p:spPr>
-            <a:xfrm>
-              <a:off x="517082" y="1413358"/>
+              <a:off x="3608920" y="3125852"/>
               <a:ext cx="411030" cy="400348"/>
             </a:xfrm>
             <a:prstGeom prst="roundRect">
@@ -5631,14 +6965,14 @@
         </p:sp>
         <p:sp>
           <p:nvSpPr>
-            <p:cNvPr id="109" name="TextBox 108"/>
+            <p:cNvPr id="427" name="TextBox 426"/>
             <p:cNvSpPr txBox="1"/>
             <p:nvPr/>
           </p:nvSpPr>
           <p:spPr>
             <a:xfrm>
-              <a:off x="519026" y="1413596"/>
-              <a:ext cx="401072" cy="400110"/>
+              <a:off x="3606857" y="3126090"/>
+              <a:ext cx="409086" cy="400110"/>
             </a:xfrm>
             <a:prstGeom prst="rect">
               <a:avLst/>
@@ -5653,152 +6987,30 @@
             <a:p>
               <a:pPr algn="ctr"/>
               <a:r>
-                <a:rPr lang="en-US" sz="1000" b="1" dirty="0" smtClean="0"/>
-                <a:t>XX</a:t>
+                <a:rPr lang="en-US" sz="1000" b="1" dirty="0"/>
+                <a:t>YY</a:t>
               </a:r>
             </a:p>
             <a:p>
               <a:pPr algn="ctr"/>
               <a:r>
-                <a:rPr lang="en-US" sz="1000" b="1" dirty="0" smtClean="0"/>
-                <a:t>Mm</a:t>
+                <a:rPr lang="en-US" sz="1000" b="1" dirty="0"/>
+                <a:t>MM</a:t>
               </a:r>
               <a:endParaRPr lang="en-US" sz="1000" b="1" dirty="0"/>
-            </a:p>
-          </p:txBody>
-        </p:sp>
-        <p:cxnSp>
-          <p:nvCxnSpPr>
-            <p:cNvPr id="117" name="Straight Arrow Connector 116"/>
-            <p:cNvCxnSpPr/>
-            <p:nvPr/>
-          </p:nvCxnSpPr>
-          <p:spPr>
-            <a:xfrm>
-              <a:off x="1059663" y="1914489"/>
-              <a:ext cx="0" cy="269558"/>
-            </a:xfrm>
-            <a:prstGeom prst="straightConnector1">
-              <a:avLst/>
-            </a:prstGeom>
-            <a:ln w="57150">
-              <a:solidFill>
-                <a:schemeClr val="tx1"/>
-              </a:solidFill>
-              <a:tailEnd type="triangle" w="sm" len="sm"/>
-            </a:ln>
-          </p:spPr>
-          <p:style>
-            <a:lnRef idx="1">
-              <a:schemeClr val="accent1"/>
-            </a:lnRef>
-            <a:fillRef idx="0">
-              <a:schemeClr val="accent1"/>
-            </a:fillRef>
-            <a:effectRef idx="0">
-              <a:schemeClr val="accent1"/>
-            </a:effectRef>
-            <a:fontRef idx="minor">
-              <a:schemeClr val="tx1"/>
-            </a:fontRef>
-          </p:style>
-        </p:cxnSp>
-        <p:cxnSp>
-          <p:nvCxnSpPr>
-            <p:cNvPr id="123" name="Straight Arrow Connector 122"/>
-            <p:cNvCxnSpPr/>
-            <p:nvPr/>
-          </p:nvCxnSpPr>
-          <p:spPr>
-            <a:xfrm>
-              <a:off x="3290737" y="1909429"/>
-              <a:ext cx="0" cy="269558"/>
-            </a:xfrm>
-            <a:prstGeom prst="straightConnector1">
-              <a:avLst/>
-            </a:prstGeom>
-            <a:ln w="57150">
-              <a:solidFill>
-                <a:schemeClr val="tx1"/>
-              </a:solidFill>
-              <a:tailEnd type="triangle" w="sm" len="sm"/>
-            </a:ln>
-          </p:spPr>
-          <p:style>
-            <a:lnRef idx="1">
-              <a:schemeClr val="accent1"/>
-            </a:lnRef>
-            <a:fillRef idx="0">
-              <a:schemeClr val="accent1"/>
-            </a:fillRef>
-            <a:effectRef idx="0">
-              <a:schemeClr val="accent1"/>
-            </a:effectRef>
-            <a:fontRef idx="minor">
-              <a:schemeClr val="tx1"/>
-            </a:fontRef>
-          </p:style>
-        </p:cxnSp>
-        <p:sp>
-          <p:nvSpPr>
-            <p:cNvPr id="124" name="Rounded Rectangle 123"/>
-            <p:cNvSpPr/>
-            <p:nvPr/>
-          </p:nvSpPr>
-          <p:spPr>
-            <a:xfrm>
-              <a:off x="498582" y="2228593"/>
-              <a:ext cx="409086" cy="400111"/>
-            </a:xfrm>
-            <a:prstGeom prst="roundRect">
-              <a:avLst>
-                <a:gd name="adj" fmla="val 23718"/>
-              </a:avLst>
-            </a:prstGeom>
-            <a:solidFill>
-              <a:srgbClr val="7030A0">
-                <a:alpha val="30000"/>
-              </a:srgbClr>
-            </a:solidFill>
-            <a:ln>
-              <a:noFill/>
-            </a:ln>
-          </p:spPr>
-          <p:style>
-            <a:lnRef idx="2">
-              <a:schemeClr val="accent1">
-                <a:shade val="50000"/>
-              </a:schemeClr>
-            </a:lnRef>
-            <a:fillRef idx="1">
-              <a:schemeClr val="accent1"/>
-            </a:fillRef>
-            <a:effectRef idx="0">
-              <a:schemeClr val="accent1"/>
-            </a:effectRef>
-            <a:fontRef idx="minor">
-              <a:schemeClr val="lt1"/>
-            </a:fontRef>
-          </p:style>
-          <p:txBody>
-            <a:bodyPr rtlCol="0" anchor="ctr"/>
-            <a:lstStyle/>
-            <a:p>
-              <a:pPr algn="ctr"/>
-              <a:endParaRPr lang="en-US" sz="1400"/>
             </a:p>
           </p:txBody>
         </p:sp>
         <p:sp>
           <p:nvSpPr>
-            <p:cNvPr id="125" name="TextBox 124"/>
+            <p:cNvPr id="428" name="TextBox 427"/>
             <p:cNvSpPr txBox="1"/>
             <p:nvPr/>
           </p:nvSpPr>
           <p:spPr>
             <a:xfrm>
-              <a:off x="498582" y="2232186"/>
-              <a:ext cx="409086" cy="400110"/>
+              <a:off x="3028279" y="1501708"/>
+              <a:ext cx="896399" cy="200055"/>
             </a:xfrm>
             <a:prstGeom prst="rect">
               <a:avLst/>
@@ -5811,82 +7023,24 @@
             </a:bodyPr>
             <a:lstStyle/>
             <a:p>
-              <a:pPr algn="ctr"/>
               <a:r>
-                <a:rPr lang="en-US" sz="1000" b="1" dirty="0" smtClean="0"/>
-                <a:t>XX</a:t>
+                <a:rPr lang="en-US" sz="700" b="1" dirty="0"/>
+                <a:t>m allele is a neo-W</a:t>
               </a:r>
-            </a:p>
-            <a:p>
-              <a:pPr algn="ctr"/>
-              <a:r>
-                <a:rPr lang="en-US" sz="1000" b="1" dirty="0" smtClean="0"/>
-                <a:t>MM</a:t>
-              </a:r>
-              <a:endParaRPr lang="en-US" sz="1000" b="1" dirty="0"/>
+              <a:endParaRPr lang="en-US" sz="700" b="1" dirty="0"/>
             </a:p>
           </p:txBody>
         </p:sp>
         <p:sp>
           <p:nvSpPr>
-            <p:cNvPr id="126" name="Rounded Rectangle 125"/>
-            <p:cNvSpPr/>
+            <p:cNvPr id="429" name="TextBox 428"/>
+            <p:cNvSpPr txBox="1"/>
             <p:nvPr/>
           </p:nvSpPr>
           <p:spPr>
             <a:xfrm>
-              <a:off x="1204502" y="2229156"/>
-              <a:ext cx="411030" cy="400348"/>
-            </a:xfrm>
-            <a:prstGeom prst="roundRect">
-              <a:avLst>
-                <a:gd name="adj" fmla="val 23718"/>
-              </a:avLst>
-            </a:prstGeom>
-            <a:solidFill>
-              <a:srgbClr val="00B050">
-                <a:alpha val="30000"/>
-              </a:srgbClr>
-            </a:solidFill>
-            <a:ln>
-              <a:noFill/>
-            </a:ln>
-          </p:spPr>
-          <p:style>
-            <a:lnRef idx="2">
-              <a:schemeClr val="accent1">
-                <a:shade val="50000"/>
-              </a:schemeClr>
-            </a:lnRef>
-            <a:fillRef idx="1">
-              <a:schemeClr val="accent1"/>
-            </a:fillRef>
-            <a:effectRef idx="0">
-              <a:schemeClr val="accent1"/>
-            </a:effectRef>
-            <a:fontRef idx="minor">
-              <a:schemeClr val="lt1"/>
-            </a:fontRef>
-          </p:style>
-          <p:txBody>
-            <a:bodyPr rtlCol="0" anchor="ctr"/>
-            <a:lstStyle/>
-            <a:p>
-              <a:pPr algn="ctr"/>
-              <a:endParaRPr lang="en-US" sz="692"/>
-            </a:p>
-          </p:txBody>
-        </p:sp>
-        <p:sp>
-          <p:nvSpPr>
-            <p:cNvPr id="127" name="TextBox 126"/>
-            <p:cNvSpPr txBox="1"/>
-            <p:nvPr/>
-          </p:nvSpPr>
-          <p:spPr>
-            <a:xfrm>
-              <a:off x="1206446" y="2229394"/>
-              <a:ext cx="401072" cy="400110"/>
+              <a:off x="847406" y="1505996"/>
+              <a:ext cx="861133" cy="200055"/>
             </a:xfrm>
             <a:prstGeom prst="rect">
               <a:avLst/>
@@ -5899,1119 +7053,153 @@
             </a:bodyPr>
             <a:lstStyle/>
             <a:p>
-              <a:pPr algn="ctr"/>
               <a:r>
-                <a:rPr lang="en-US" sz="1000" b="1" dirty="0" smtClean="0"/>
-                <a:t>XX</a:t>
+                <a:rPr lang="en-US" sz="700" b="1" dirty="0"/>
+                <a:t>m allele is a neo-Y</a:t>
               </a:r>
-            </a:p>
-            <a:p>
-              <a:pPr algn="ctr"/>
-              <a:r>
-                <a:rPr lang="en-US" sz="1000" b="1" dirty="0" smtClean="0"/>
-                <a:t>Mm</a:t>
-              </a:r>
-              <a:endParaRPr lang="en-US" sz="1000" b="1" dirty="0"/>
-            </a:p>
-          </p:txBody>
-        </p:sp>
-        <p:sp>
-          <p:nvSpPr>
-            <p:cNvPr id="183" name="Rounded Rectangle 182"/>
-            <p:cNvSpPr/>
-            <p:nvPr/>
-          </p:nvSpPr>
-          <p:spPr>
-            <a:xfrm>
-              <a:off x="498582" y="547368"/>
-              <a:ext cx="409086" cy="400111"/>
-            </a:xfrm>
-            <a:prstGeom prst="roundRect">
-              <a:avLst>
-                <a:gd name="adj" fmla="val 23718"/>
-              </a:avLst>
-            </a:prstGeom>
-            <a:solidFill>
-              <a:srgbClr val="7030A0">
-                <a:alpha val="30000"/>
-              </a:srgbClr>
-            </a:solidFill>
-            <a:ln>
-              <a:noFill/>
-            </a:ln>
-          </p:spPr>
-          <p:style>
-            <a:lnRef idx="2">
-              <a:schemeClr val="accent1">
-                <a:shade val="50000"/>
-              </a:schemeClr>
-            </a:lnRef>
-            <a:fillRef idx="1">
-              <a:schemeClr val="accent1"/>
-            </a:fillRef>
-            <a:effectRef idx="0">
-              <a:schemeClr val="accent1"/>
-            </a:effectRef>
-            <a:fontRef idx="minor">
-              <a:schemeClr val="lt1"/>
-            </a:fontRef>
-          </p:style>
-          <p:txBody>
-            <a:bodyPr rtlCol="0" anchor="ctr"/>
-            <a:lstStyle/>
-            <a:p>
-              <a:pPr algn="ctr"/>
-              <a:endParaRPr lang="en-US" sz="1400"/>
-            </a:p>
-          </p:txBody>
-        </p:sp>
-        <p:sp>
-          <p:nvSpPr>
-            <p:cNvPr id="184" name="TextBox 183"/>
-            <p:cNvSpPr txBox="1"/>
-            <p:nvPr/>
-          </p:nvSpPr>
-          <p:spPr>
-            <a:xfrm>
-              <a:off x="498582" y="550961"/>
-              <a:ext cx="409086" cy="400110"/>
-            </a:xfrm>
-            <a:prstGeom prst="rect">
-              <a:avLst/>
-            </a:prstGeom>
-            <a:noFill/>
-          </p:spPr>
-          <p:txBody>
-            <a:bodyPr wrap="none" rtlCol="0">
-              <a:spAutoFit/>
-            </a:bodyPr>
-            <a:lstStyle/>
-            <a:p>
-              <a:pPr algn="ctr"/>
-              <a:r>
-                <a:rPr lang="en-US" sz="1000" b="1" dirty="0" smtClean="0"/>
-                <a:t>XX</a:t>
-              </a:r>
-            </a:p>
-            <a:p>
-              <a:pPr algn="ctr"/>
-              <a:r>
-                <a:rPr lang="en-US" sz="1000" b="1" dirty="0" smtClean="0"/>
-                <a:t>MM</a:t>
-              </a:r>
-              <a:endParaRPr lang="en-US" sz="1000" b="1" dirty="0"/>
-            </a:p>
-          </p:txBody>
-        </p:sp>
-        <p:sp>
-          <p:nvSpPr>
-            <p:cNvPr id="185" name="Rounded Rectangle 184"/>
-            <p:cNvSpPr/>
-            <p:nvPr/>
-          </p:nvSpPr>
-          <p:spPr>
-            <a:xfrm>
-              <a:off x="1204502" y="547931"/>
-              <a:ext cx="411030" cy="400348"/>
-            </a:xfrm>
-            <a:prstGeom prst="roundRect">
-              <a:avLst>
-                <a:gd name="adj" fmla="val 23718"/>
-              </a:avLst>
-            </a:prstGeom>
-            <a:solidFill>
-              <a:srgbClr val="00B050">
-                <a:alpha val="30000"/>
-              </a:srgbClr>
-            </a:solidFill>
-            <a:ln>
-              <a:noFill/>
-            </a:ln>
-          </p:spPr>
-          <p:style>
-            <a:lnRef idx="2">
-              <a:schemeClr val="accent1">
-                <a:shade val="50000"/>
-              </a:schemeClr>
-            </a:lnRef>
-            <a:fillRef idx="1">
-              <a:schemeClr val="accent1"/>
-            </a:fillRef>
-            <a:effectRef idx="0">
-              <a:schemeClr val="accent1"/>
-            </a:effectRef>
-            <a:fontRef idx="minor">
-              <a:schemeClr val="lt1"/>
-            </a:fontRef>
-          </p:style>
-          <p:txBody>
-            <a:bodyPr rtlCol="0" anchor="ctr"/>
-            <a:lstStyle/>
-            <a:p>
-              <a:pPr algn="ctr"/>
-              <a:endParaRPr lang="en-US" sz="692"/>
-            </a:p>
-          </p:txBody>
-        </p:sp>
-        <p:sp>
-          <p:nvSpPr>
-            <p:cNvPr id="186" name="TextBox 185"/>
-            <p:cNvSpPr txBox="1"/>
-            <p:nvPr/>
-          </p:nvSpPr>
-          <p:spPr>
-            <a:xfrm>
-              <a:off x="1202439" y="548169"/>
-              <a:ext cx="409086" cy="400110"/>
-            </a:xfrm>
-            <a:prstGeom prst="rect">
-              <a:avLst/>
-            </a:prstGeom>
-            <a:noFill/>
-          </p:spPr>
-          <p:txBody>
-            <a:bodyPr wrap="none" rtlCol="0">
-              <a:spAutoFit/>
-            </a:bodyPr>
-            <a:lstStyle/>
-            <a:p>
-              <a:pPr algn="ctr"/>
-              <a:r>
-                <a:rPr lang="en-US" sz="1000" b="1" dirty="0" smtClean="0"/>
-                <a:t>XY</a:t>
-              </a:r>
-            </a:p>
-            <a:p>
-              <a:pPr algn="ctr"/>
-              <a:r>
-                <a:rPr lang="en-US" sz="1000" b="1" dirty="0" smtClean="0"/>
-                <a:t>MM</a:t>
-              </a:r>
-              <a:endParaRPr lang="en-US" sz="1000" b="1" dirty="0"/>
-            </a:p>
-          </p:txBody>
-        </p:sp>
-        <p:cxnSp>
-          <p:nvCxnSpPr>
-            <p:cNvPr id="187" name="Straight Arrow Connector 186"/>
-            <p:cNvCxnSpPr/>
-            <p:nvPr/>
-          </p:nvCxnSpPr>
-          <p:spPr>
-            <a:xfrm>
-              <a:off x="1059663" y="1022227"/>
-              <a:ext cx="0" cy="269558"/>
-            </a:xfrm>
-            <a:prstGeom prst="straightConnector1">
-              <a:avLst/>
-            </a:prstGeom>
-            <a:ln w="57150">
-              <a:solidFill>
-                <a:schemeClr val="tx1"/>
-              </a:solidFill>
-              <a:tailEnd type="triangle" w="sm" len="sm"/>
-            </a:ln>
-          </p:spPr>
-          <p:style>
-            <a:lnRef idx="1">
-              <a:schemeClr val="accent1"/>
-            </a:lnRef>
-            <a:fillRef idx="0">
-              <a:schemeClr val="accent1"/>
-            </a:fillRef>
-            <a:effectRef idx="0">
-              <a:schemeClr val="accent1"/>
-            </a:effectRef>
-            <a:fontRef idx="minor">
-              <a:schemeClr val="tx1"/>
-            </a:fontRef>
-          </p:style>
-        </p:cxnSp>
-        <p:sp>
-          <p:nvSpPr>
-            <p:cNvPr id="188" name="Rounded Rectangle 187"/>
-            <p:cNvSpPr/>
-            <p:nvPr/>
-          </p:nvSpPr>
-          <p:spPr>
-            <a:xfrm>
-              <a:off x="2702470" y="547670"/>
-              <a:ext cx="409086" cy="400111"/>
-            </a:xfrm>
-            <a:prstGeom prst="roundRect">
-              <a:avLst>
-                <a:gd name="adj" fmla="val 23718"/>
-              </a:avLst>
-            </a:prstGeom>
-            <a:solidFill>
-              <a:srgbClr val="7030A0">
-                <a:alpha val="30000"/>
-              </a:srgbClr>
-            </a:solidFill>
-            <a:ln>
-              <a:noFill/>
-            </a:ln>
-          </p:spPr>
-          <p:style>
-            <a:lnRef idx="2">
-              <a:schemeClr val="accent1">
-                <a:shade val="50000"/>
-              </a:schemeClr>
-            </a:lnRef>
-            <a:fillRef idx="1">
-              <a:schemeClr val="accent1"/>
-            </a:fillRef>
-            <a:effectRef idx="0">
-              <a:schemeClr val="accent1"/>
-            </a:effectRef>
-            <a:fontRef idx="minor">
-              <a:schemeClr val="lt1"/>
-            </a:fontRef>
-          </p:style>
-          <p:txBody>
-            <a:bodyPr rtlCol="0" anchor="ctr"/>
-            <a:lstStyle/>
-            <a:p>
-              <a:pPr algn="ctr"/>
-              <a:endParaRPr lang="en-US" sz="1400"/>
-            </a:p>
-          </p:txBody>
-        </p:sp>
-        <p:sp>
-          <p:nvSpPr>
-            <p:cNvPr id="189" name="TextBox 188"/>
-            <p:cNvSpPr txBox="1"/>
-            <p:nvPr/>
-          </p:nvSpPr>
-          <p:spPr>
-            <a:xfrm>
-              <a:off x="2702470" y="551263"/>
-              <a:ext cx="409086" cy="400110"/>
-            </a:xfrm>
-            <a:prstGeom prst="rect">
-              <a:avLst/>
-            </a:prstGeom>
-            <a:noFill/>
-          </p:spPr>
-          <p:txBody>
-            <a:bodyPr wrap="none" rtlCol="0">
-              <a:spAutoFit/>
-            </a:bodyPr>
-            <a:lstStyle/>
-            <a:p>
-              <a:pPr algn="ctr"/>
-              <a:r>
-                <a:rPr lang="en-US" sz="1000" b="1" dirty="0" smtClean="0"/>
-                <a:t>XX</a:t>
-              </a:r>
-            </a:p>
-            <a:p>
-              <a:pPr algn="ctr"/>
-              <a:r>
-                <a:rPr lang="en-US" sz="1000" b="1" dirty="0" smtClean="0"/>
-                <a:t>MM</a:t>
-              </a:r>
-              <a:endParaRPr lang="en-US" sz="1000" b="1" dirty="0"/>
-            </a:p>
-          </p:txBody>
-        </p:sp>
-        <p:sp>
-          <p:nvSpPr>
-            <p:cNvPr id="190" name="Rounded Rectangle 189"/>
-            <p:cNvSpPr/>
-            <p:nvPr/>
-          </p:nvSpPr>
-          <p:spPr>
-            <a:xfrm>
-              <a:off x="3408390" y="548233"/>
-              <a:ext cx="411030" cy="400348"/>
-            </a:xfrm>
-            <a:prstGeom prst="roundRect">
-              <a:avLst>
-                <a:gd name="adj" fmla="val 23718"/>
-              </a:avLst>
-            </a:prstGeom>
-            <a:solidFill>
-              <a:srgbClr val="00B050">
-                <a:alpha val="30000"/>
-              </a:srgbClr>
-            </a:solidFill>
-            <a:ln>
-              <a:noFill/>
-            </a:ln>
-          </p:spPr>
-          <p:style>
-            <a:lnRef idx="2">
-              <a:schemeClr val="accent1">
-                <a:shade val="50000"/>
-              </a:schemeClr>
-            </a:lnRef>
-            <a:fillRef idx="1">
-              <a:schemeClr val="accent1"/>
-            </a:fillRef>
-            <a:effectRef idx="0">
-              <a:schemeClr val="accent1"/>
-            </a:effectRef>
-            <a:fontRef idx="minor">
-              <a:schemeClr val="lt1"/>
-            </a:fontRef>
-          </p:style>
-          <p:txBody>
-            <a:bodyPr rtlCol="0" anchor="ctr"/>
-            <a:lstStyle/>
-            <a:p>
-              <a:pPr algn="ctr"/>
-              <a:endParaRPr lang="en-US" sz="692"/>
-            </a:p>
-          </p:txBody>
-        </p:sp>
-        <p:sp>
-          <p:nvSpPr>
-            <p:cNvPr id="191" name="TextBox 190"/>
-            <p:cNvSpPr txBox="1"/>
-            <p:nvPr/>
-          </p:nvSpPr>
-          <p:spPr>
-            <a:xfrm>
-              <a:off x="3406327" y="548471"/>
-              <a:ext cx="409086" cy="400110"/>
-            </a:xfrm>
-            <a:prstGeom prst="rect">
-              <a:avLst/>
-            </a:prstGeom>
-            <a:noFill/>
-          </p:spPr>
-          <p:txBody>
-            <a:bodyPr wrap="none" rtlCol="0">
-              <a:spAutoFit/>
-            </a:bodyPr>
-            <a:lstStyle/>
-            <a:p>
-              <a:pPr algn="ctr"/>
-              <a:r>
-                <a:rPr lang="en-US" sz="1000" b="1" dirty="0" smtClean="0"/>
-                <a:t>XY</a:t>
-              </a:r>
-            </a:p>
-            <a:p>
-              <a:pPr algn="ctr"/>
-              <a:r>
-                <a:rPr lang="en-US" sz="1000" b="1" dirty="0" smtClean="0"/>
-                <a:t>MM</a:t>
-              </a:r>
-              <a:endParaRPr lang="en-US" sz="1000" b="1" dirty="0"/>
-            </a:p>
-          </p:txBody>
-        </p:sp>
-        <p:cxnSp>
-          <p:nvCxnSpPr>
-            <p:cNvPr id="192" name="Straight Arrow Connector 191"/>
-            <p:cNvCxnSpPr/>
-            <p:nvPr/>
-          </p:nvCxnSpPr>
-          <p:spPr>
-            <a:xfrm>
-              <a:off x="3263551" y="1022529"/>
-              <a:ext cx="0" cy="269558"/>
-            </a:xfrm>
-            <a:prstGeom prst="straightConnector1">
-              <a:avLst/>
-            </a:prstGeom>
-            <a:ln w="57150">
-              <a:solidFill>
-                <a:schemeClr val="tx1"/>
-              </a:solidFill>
-              <a:tailEnd type="triangle" w="sm" len="sm"/>
-            </a:ln>
-          </p:spPr>
-          <p:style>
-            <a:lnRef idx="1">
-              <a:schemeClr val="accent1"/>
-            </a:lnRef>
-            <a:fillRef idx="0">
-              <a:schemeClr val="accent1"/>
-            </a:fillRef>
-            <a:effectRef idx="0">
-              <a:schemeClr val="accent1"/>
-            </a:effectRef>
-            <a:fontRef idx="minor">
-              <a:schemeClr val="tx1"/>
-            </a:fontRef>
-          </p:style>
-        </p:cxnSp>
-        <p:sp>
-          <p:nvSpPr>
-            <p:cNvPr id="193" name="Rounded Rectangle 192"/>
-            <p:cNvSpPr/>
-            <p:nvPr/>
-          </p:nvSpPr>
-          <p:spPr>
-            <a:xfrm>
-              <a:off x="2702470" y="2225600"/>
-              <a:ext cx="409086" cy="400111"/>
-            </a:xfrm>
-            <a:prstGeom prst="roundRect">
-              <a:avLst>
-                <a:gd name="adj" fmla="val 23718"/>
-              </a:avLst>
-            </a:prstGeom>
-            <a:solidFill>
-              <a:srgbClr val="7030A0">
-                <a:alpha val="30000"/>
-              </a:srgbClr>
-            </a:solidFill>
-            <a:ln>
-              <a:noFill/>
-            </a:ln>
-          </p:spPr>
-          <p:style>
-            <a:lnRef idx="2">
-              <a:schemeClr val="accent1">
-                <a:shade val="50000"/>
-              </a:schemeClr>
-            </a:lnRef>
-            <a:fillRef idx="1">
-              <a:schemeClr val="accent1"/>
-            </a:fillRef>
-            <a:effectRef idx="0">
-              <a:schemeClr val="accent1"/>
-            </a:effectRef>
-            <a:fontRef idx="minor">
-              <a:schemeClr val="lt1"/>
-            </a:fontRef>
-          </p:style>
-          <p:txBody>
-            <a:bodyPr rtlCol="0" anchor="ctr"/>
-            <a:lstStyle/>
-            <a:p>
-              <a:pPr algn="ctr"/>
-              <a:endParaRPr lang="en-US" sz="1400"/>
-            </a:p>
-          </p:txBody>
-        </p:sp>
-        <p:sp>
-          <p:nvSpPr>
-            <p:cNvPr id="194" name="TextBox 193"/>
-            <p:cNvSpPr txBox="1"/>
-            <p:nvPr/>
-          </p:nvSpPr>
-          <p:spPr>
-            <a:xfrm>
-              <a:off x="2706477" y="2229193"/>
-              <a:ext cx="401072" cy="400110"/>
-            </a:xfrm>
-            <a:prstGeom prst="rect">
-              <a:avLst/>
-            </a:prstGeom>
-            <a:noFill/>
-          </p:spPr>
-          <p:txBody>
-            <a:bodyPr wrap="none" rtlCol="0">
-              <a:spAutoFit/>
-            </a:bodyPr>
-            <a:lstStyle/>
-            <a:p>
-              <a:pPr algn="ctr"/>
-              <a:r>
-                <a:rPr lang="en-US" sz="1000" b="1" dirty="0" smtClean="0"/>
-                <a:t>YY</a:t>
-              </a:r>
-            </a:p>
-            <a:p>
-              <a:pPr algn="ctr"/>
-              <a:r>
-                <a:rPr lang="en-US" sz="1000" b="1" dirty="0" smtClean="0"/>
-                <a:t>Mm</a:t>
-              </a:r>
-              <a:endParaRPr lang="en-US" sz="1000" b="1" dirty="0"/>
-            </a:p>
-          </p:txBody>
-        </p:sp>
-        <p:sp>
-          <p:nvSpPr>
-            <p:cNvPr id="195" name="Rounded Rectangle 194"/>
-            <p:cNvSpPr/>
-            <p:nvPr/>
-          </p:nvSpPr>
-          <p:spPr>
-            <a:xfrm>
-              <a:off x="3408390" y="2226163"/>
-              <a:ext cx="411030" cy="400348"/>
-            </a:xfrm>
-            <a:prstGeom prst="roundRect">
-              <a:avLst>
-                <a:gd name="adj" fmla="val 23718"/>
-              </a:avLst>
-            </a:prstGeom>
-            <a:solidFill>
-              <a:srgbClr val="00B050">
-                <a:alpha val="30000"/>
-              </a:srgbClr>
-            </a:solidFill>
-            <a:ln>
-              <a:noFill/>
-            </a:ln>
-          </p:spPr>
-          <p:style>
-            <a:lnRef idx="2">
-              <a:schemeClr val="accent1">
-                <a:shade val="50000"/>
-              </a:schemeClr>
-            </a:lnRef>
-            <a:fillRef idx="1">
-              <a:schemeClr val="accent1"/>
-            </a:fillRef>
-            <a:effectRef idx="0">
-              <a:schemeClr val="accent1"/>
-            </a:effectRef>
-            <a:fontRef idx="minor">
-              <a:schemeClr val="lt1"/>
-            </a:fontRef>
-          </p:style>
-          <p:txBody>
-            <a:bodyPr rtlCol="0" anchor="ctr"/>
-            <a:lstStyle/>
-            <a:p>
-              <a:pPr algn="ctr"/>
-              <a:endParaRPr lang="en-US" sz="692"/>
-            </a:p>
-          </p:txBody>
-        </p:sp>
-        <p:sp>
-          <p:nvSpPr>
-            <p:cNvPr id="196" name="TextBox 195"/>
-            <p:cNvSpPr txBox="1"/>
-            <p:nvPr/>
-          </p:nvSpPr>
-          <p:spPr>
-            <a:xfrm>
-              <a:off x="3406327" y="2226401"/>
-              <a:ext cx="409086" cy="400110"/>
-            </a:xfrm>
-            <a:prstGeom prst="rect">
-              <a:avLst/>
-            </a:prstGeom>
-            <a:noFill/>
-          </p:spPr>
-          <p:txBody>
-            <a:bodyPr wrap="none" rtlCol="0">
-              <a:spAutoFit/>
-            </a:bodyPr>
-            <a:lstStyle/>
-            <a:p>
-              <a:pPr algn="ctr"/>
-              <a:r>
-                <a:rPr lang="en-US" sz="1000" b="1" dirty="0" smtClean="0"/>
-                <a:t>YY</a:t>
-              </a:r>
-            </a:p>
-            <a:p>
-              <a:pPr algn="ctr"/>
-              <a:r>
-                <a:rPr lang="en-US" sz="1000" b="1" dirty="0" smtClean="0"/>
-                <a:t>MM</a:t>
-              </a:r>
-              <a:endParaRPr lang="en-US" sz="1000" b="1" dirty="0"/>
+              <a:endParaRPr lang="en-US" sz="700" b="1" dirty="0"/>
             </a:p>
           </p:txBody>
         </p:sp>
       </p:grpSp>
-      <p:grpSp>
-        <p:nvGrpSpPr>
-          <p:cNvPr id="3" name="Group 2"/>
-          <p:cNvGrpSpPr/>
+      <p:sp>
+        <p:nvSpPr>
+          <p:cNvPr id="430" name="TextBox 429"/>
+          <p:cNvSpPr txBox="1"/>
           <p:nvPr/>
-        </p:nvGrpSpPr>
-        <p:grpSpPr>
+        </p:nvSpPr>
+        <p:spPr>
           <a:xfrm>
-            <a:off x="339508" y="319550"/>
-            <a:ext cx="1609730" cy="975622"/>
-            <a:chOff x="2949456" y="3128653"/>
-            <a:chExt cx="1609730" cy="975622"/>
+            <a:off x="-30480" y="3453"/>
+            <a:ext cx="247184" cy="246221"/>
           </a:xfrm>
-        </p:grpSpPr>
-        <p:cxnSp>
-          <p:nvCxnSpPr>
-            <p:cNvPr id="198" name="Straight Arrow Connector 197"/>
-            <p:cNvCxnSpPr/>
-            <p:nvPr/>
-          </p:nvCxnSpPr>
-          <p:spPr>
-            <a:xfrm flipV="1">
-              <a:off x="3271272" y="3628119"/>
-              <a:ext cx="294939" cy="2"/>
-            </a:xfrm>
-            <a:prstGeom prst="straightConnector1">
-              <a:avLst/>
-            </a:prstGeom>
-            <a:ln w="12700">
-              <a:solidFill>
-                <a:schemeClr val="tx1"/>
-              </a:solidFill>
-              <a:prstDash val="sysDash"/>
-              <a:tailEnd type="none" w="sm" len="sm"/>
-            </a:ln>
-          </p:spPr>
-          <p:style>
-            <a:lnRef idx="1">
-              <a:schemeClr val="accent1"/>
-            </a:lnRef>
-            <a:fillRef idx="0">
-              <a:schemeClr val="accent1"/>
-            </a:fillRef>
-            <a:effectRef idx="0">
-              <a:schemeClr val="accent1"/>
-            </a:effectRef>
-            <a:fontRef idx="minor">
-              <a:schemeClr val="tx1"/>
-            </a:fontRef>
-          </p:style>
-        </p:cxnSp>
-        <p:sp>
-          <p:nvSpPr>
-            <p:cNvPr id="200" name="TextBox 199"/>
-            <p:cNvSpPr txBox="1"/>
-            <p:nvPr/>
-          </p:nvSpPr>
-          <p:spPr>
-            <a:xfrm>
-              <a:off x="2949456" y="3505009"/>
-              <a:ext cx="377026" cy="246221"/>
-            </a:xfrm>
-            <a:prstGeom prst="rect">
-              <a:avLst/>
-            </a:prstGeom>
-            <a:noFill/>
-          </p:spPr>
-          <p:txBody>
-            <a:bodyPr wrap="none" rtlCol="0">
-              <a:spAutoFit/>
-            </a:bodyPr>
-            <a:lstStyle/>
-            <a:p>
-              <a:pPr algn="ctr"/>
-              <a:r>
-                <a:rPr lang="en-US" sz="1000" b="1" dirty="0" smtClean="0"/>
-                <a:t>X/Y</a:t>
-              </a:r>
-            </a:p>
-          </p:txBody>
-        </p:sp>
-        <p:sp>
-          <p:nvSpPr>
-            <p:cNvPr id="202" name="TextBox 201"/>
-            <p:cNvSpPr txBox="1"/>
-            <p:nvPr/>
-          </p:nvSpPr>
-          <p:spPr>
-            <a:xfrm>
-              <a:off x="3528356" y="3512725"/>
-              <a:ext cx="378630" cy="246221"/>
-            </a:xfrm>
-            <a:prstGeom prst="rect">
-              <a:avLst/>
-            </a:prstGeom>
-            <a:noFill/>
-          </p:spPr>
-          <p:txBody>
-            <a:bodyPr wrap="none" rtlCol="0">
-              <a:spAutoFit/>
-            </a:bodyPr>
-            <a:lstStyle/>
-            <a:p>
-              <a:pPr algn="ctr"/>
-              <a:r>
-                <a:rPr lang="en-US" sz="1000" b="1" dirty="0" smtClean="0"/>
-                <a:t>A/a</a:t>
-              </a:r>
-            </a:p>
-          </p:txBody>
-        </p:sp>
-        <p:sp>
-          <p:nvSpPr>
-            <p:cNvPr id="203" name="TextBox 202"/>
-            <p:cNvSpPr txBox="1"/>
-            <p:nvPr/>
-          </p:nvSpPr>
-          <p:spPr>
-            <a:xfrm>
-              <a:off x="4103612" y="3511969"/>
-              <a:ext cx="455574" cy="246221"/>
-            </a:xfrm>
-            <a:prstGeom prst="rect">
-              <a:avLst/>
-            </a:prstGeom>
-            <a:noFill/>
-          </p:spPr>
-          <p:txBody>
-            <a:bodyPr wrap="none" rtlCol="0">
-              <a:spAutoFit/>
-            </a:bodyPr>
-            <a:lstStyle/>
-            <a:p>
-              <a:pPr algn="ctr"/>
-              <a:r>
-                <a:rPr lang="en-US" sz="1000" b="1" dirty="0" smtClean="0"/>
-                <a:t>M/m</a:t>
-              </a:r>
-            </a:p>
-          </p:txBody>
-        </p:sp>
-        <p:cxnSp>
-          <p:nvCxnSpPr>
-            <p:cNvPr id="204" name="Straight Arrow Connector 203"/>
-            <p:cNvCxnSpPr/>
-            <p:nvPr/>
-          </p:nvCxnSpPr>
-          <p:spPr>
-            <a:xfrm flipV="1">
-              <a:off x="3858055" y="3628117"/>
-              <a:ext cx="294939" cy="2"/>
-            </a:xfrm>
-            <a:prstGeom prst="straightConnector1">
-              <a:avLst/>
-            </a:prstGeom>
-            <a:ln w="12700">
-              <a:solidFill>
-                <a:schemeClr val="tx1"/>
-              </a:solidFill>
-              <a:prstDash val="sysDash"/>
-              <a:tailEnd type="none" w="sm" len="sm"/>
-            </a:ln>
-          </p:spPr>
-          <p:style>
-            <a:lnRef idx="1">
-              <a:schemeClr val="accent1"/>
-            </a:lnRef>
-            <a:fillRef idx="0">
-              <a:schemeClr val="accent1"/>
-            </a:fillRef>
-            <a:effectRef idx="0">
-              <a:schemeClr val="accent1"/>
-            </a:effectRef>
-            <a:fontRef idx="minor">
-              <a:schemeClr val="tx1"/>
-            </a:fontRef>
-          </p:style>
-        </p:cxnSp>
-        <p:cxnSp>
-          <p:nvCxnSpPr>
-            <p:cNvPr id="206" name="Straight Arrow Connector 205"/>
-            <p:cNvCxnSpPr/>
-            <p:nvPr/>
-          </p:nvCxnSpPr>
-          <p:spPr>
-            <a:xfrm flipV="1">
-              <a:off x="3220910" y="3379915"/>
-              <a:ext cx="213958" cy="141380"/>
-            </a:xfrm>
-            <a:prstGeom prst="straightConnector1">
-              <a:avLst/>
-            </a:prstGeom>
-            <a:ln w="12700">
-              <a:solidFill>
-                <a:schemeClr val="tx1"/>
-              </a:solidFill>
-              <a:tailEnd type="none" w="sm" len="sm"/>
-            </a:ln>
-          </p:spPr>
-          <p:style>
-            <a:lnRef idx="1">
-              <a:schemeClr val="accent1"/>
-            </a:lnRef>
-            <a:fillRef idx="0">
-              <a:schemeClr val="accent1"/>
-            </a:fillRef>
-            <a:effectRef idx="0">
-              <a:schemeClr val="accent1"/>
-            </a:effectRef>
-            <a:fontRef idx="minor">
-              <a:schemeClr val="tx1"/>
-            </a:fontRef>
-          </p:style>
-        </p:cxnSp>
-        <p:cxnSp>
-          <p:nvCxnSpPr>
-            <p:cNvPr id="208" name="Straight Arrow Connector 207"/>
-            <p:cNvCxnSpPr/>
-            <p:nvPr/>
-          </p:nvCxnSpPr>
-          <p:spPr>
-            <a:xfrm flipH="1" flipV="1">
-              <a:off x="3434868" y="3379915"/>
-              <a:ext cx="198596" cy="137788"/>
-            </a:xfrm>
-            <a:prstGeom prst="straightConnector1">
-              <a:avLst/>
-            </a:prstGeom>
-            <a:ln w="12700">
-              <a:solidFill>
-                <a:schemeClr val="tx1"/>
-              </a:solidFill>
-              <a:tailEnd type="none" w="sm" len="sm"/>
-            </a:ln>
-          </p:spPr>
-          <p:style>
-            <a:lnRef idx="1">
-              <a:schemeClr val="accent1"/>
-            </a:lnRef>
-            <a:fillRef idx="0">
-              <a:schemeClr val="accent1"/>
-            </a:fillRef>
-            <a:effectRef idx="0">
-              <a:schemeClr val="accent1"/>
-            </a:effectRef>
-            <a:fontRef idx="minor">
-              <a:schemeClr val="tx1"/>
-            </a:fontRef>
-          </p:style>
-        </p:cxnSp>
-        <p:cxnSp>
-          <p:nvCxnSpPr>
-            <p:cNvPr id="215" name="Straight Arrow Connector 214"/>
-            <p:cNvCxnSpPr/>
-            <p:nvPr/>
-          </p:nvCxnSpPr>
-          <p:spPr>
-            <a:xfrm flipV="1">
-              <a:off x="3799061" y="3374874"/>
-              <a:ext cx="213958" cy="141380"/>
-            </a:xfrm>
-            <a:prstGeom prst="straightConnector1">
-              <a:avLst/>
-            </a:prstGeom>
-            <a:ln w="12700">
-              <a:solidFill>
-                <a:schemeClr val="tx1"/>
-              </a:solidFill>
-              <a:tailEnd type="none" w="sm" len="sm"/>
-            </a:ln>
-          </p:spPr>
-          <p:style>
-            <a:lnRef idx="1">
-              <a:schemeClr val="accent1"/>
-            </a:lnRef>
-            <a:fillRef idx="0">
-              <a:schemeClr val="accent1"/>
-            </a:fillRef>
-            <a:effectRef idx="0">
-              <a:schemeClr val="accent1"/>
-            </a:effectRef>
-            <a:fontRef idx="minor">
-              <a:schemeClr val="tx1"/>
-            </a:fontRef>
-          </p:style>
-        </p:cxnSp>
-        <p:cxnSp>
-          <p:nvCxnSpPr>
-            <p:cNvPr id="216" name="Straight Arrow Connector 215"/>
-            <p:cNvCxnSpPr/>
-            <p:nvPr/>
-          </p:nvCxnSpPr>
-          <p:spPr>
-            <a:xfrm flipH="1" flipV="1">
-              <a:off x="4013019" y="3374874"/>
-              <a:ext cx="198596" cy="137788"/>
-            </a:xfrm>
-            <a:prstGeom prst="straightConnector1">
-              <a:avLst/>
-            </a:prstGeom>
-            <a:ln w="12700">
-              <a:solidFill>
-                <a:schemeClr val="tx1"/>
-              </a:solidFill>
-              <a:tailEnd type="none" w="sm" len="sm"/>
-            </a:ln>
-          </p:spPr>
-          <p:style>
-            <a:lnRef idx="1">
-              <a:schemeClr val="accent1"/>
-            </a:lnRef>
-            <a:fillRef idx="0">
-              <a:schemeClr val="accent1"/>
-            </a:fillRef>
-            <a:effectRef idx="0">
-              <a:schemeClr val="accent1"/>
-            </a:effectRef>
-            <a:fontRef idx="minor">
-              <a:schemeClr val="tx1"/>
-            </a:fontRef>
-          </p:style>
-        </p:cxnSp>
-        <p:sp>
-          <p:nvSpPr>
-            <p:cNvPr id="217" name="TextBox 216"/>
-            <p:cNvSpPr txBox="1"/>
-            <p:nvPr/>
-          </p:nvSpPr>
-          <p:spPr>
-            <a:xfrm>
-              <a:off x="3320840" y="3128653"/>
-              <a:ext cx="229550" cy="246221"/>
-            </a:xfrm>
-            <a:prstGeom prst="rect">
-              <a:avLst/>
-            </a:prstGeom>
-            <a:noFill/>
-          </p:spPr>
-          <p:txBody>
-            <a:bodyPr wrap="none" rtlCol="0">
-              <a:spAutoFit/>
-            </a:bodyPr>
-            <a:lstStyle/>
-            <a:p>
-              <a:pPr algn="ctr"/>
-              <a:r>
-                <a:rPr lang="en-US" sz="1000" i="1" dirty="0" smtClean="0"/>
-                <a:t>r</a:t>
-              </a:r>
-            </a:p>
-          </p:txBody>
-        </p:sp>
-        <p:sp>
-          <p:nvSpPr>
-            <p:cNvPr id="218" name="TextBox 217"/>
-            <p:cNvSpPr txBox="1"/>
-            <p:nvPr/>
-          </p:nvSpPr>
-          <p:spPr>
-            <a:xfrm>
-              <a:off x="3885082" y="3128653"/>
-              <a:ext cx="256802" cy="246221"/>
-            </a:xfrm>
-            <a:prstGeom prst="rect">
-              <a:avLst/>
-            </a:prstGeom>
-            <a:noFill/>
-          </p:spPr>
-          <p:txBody>
-            <a:bodyPr wrap="none" rtlCol="0">
-              <a:spAutoFit/>
-            </a:bodyPr>
-            <a:lstStyle/>
-            <a:p>
-              <a:pPr algn="ctr"/>
-              <a:r>
-                <a:rPr lang="en-US" sz="1000" i="1" dirty="0" smtClean="0"/>
-                <a:t>R</a:t>
-              </a:r>
-            </a:p>
-          </p:txBody>
-        </p:sp>
-        <p:cxnSp>
-          <p:nvCxnSpPr>
-            <p:cNvPr id="219" name="Straight Arrow Connector 218"/>
-            <p:cNvCxnSpPr/>
-            <p:nvPr/>
-          </p:nvCxnSpPr>
-          <p:spPr>
-            <a:xfrm>
-              <a:off x="3220910" y="3729869"/>
-              <a:ext cx="496761" cy="128185"/>
-            </a:xfrm>
-            <a:prstGeom prst="straightConnector1">
-              <a:avLst/>
-            </a:prstGeom>
-            <a:ln w="12700">
-              <a:solidFill>
-                <a:schemeClr val="tx1"/>
-              </a:solidFill>
-              <a:tailEnd type="none" w="sm" len="sm"/>
-            </a:ln>
-          </p:spPr>
-          <p:style>
-            <a:lnRef idx="1">
-              <a:schemeClr val="accent1"/>
-            </a:lnRef>
-            <a:fillRef idx="0">
-              <a:schemeClr val="accent1"/>
-            </a:fillRef>
-            <a:effectRef idx="0">
-              <a:schemeClr val="accent1"/>
-            </a:effectRef>
-            <a:fontRef idx="minor">
-              <a:schemeClr val="tx1"/>
-            </a:fontRef>
-          </p:style>
-        </p:cxnSp>
-        <p:cxnSp>
-          <p:nvCxnSpPr>
-            <p:cNvPr id="222" name="Straight Arrow Connector 221"/>
-            <p:cNvCxnSpPr/>
-            <p:nvPr/>
-          </p:nvCxnSpPr>
-          <p:spPr>
-            <a:xfrm flipH="1">
-              <a:off x="3709657" y="3729869"/>
-              <a:ext cx="496761" cy="128185"/>
-            </a:xfrm>
-            <a:prstGeom prst="straightConnector1">
-              <a:avLst/>
-            </a:prstGeom>
-            <a:ln w="12700">
-              <a:solidFill>
-                <a:schemeClr val="tx1"/>
-              </a:solidFill>
-              <a:tailEnd type="none" w="sm" len="sm"/>
-            </a:ln>
-          </p:spPr>
-          <p:style>
-            <a:lnRef idx="1">
-              <a:schemeClr val="accent1"/>
-            </a:lnRef>
-            <a:fillRef idx="0">
-              <a:schemeClr val="accent1"/>
-            </a:fillRef>
-            <a:effectRef idx="0">
-              <a:schemeClr val="accent1"/>
-            </a:effectRef>
-            <a:fontRef idx="minor">
-              <a:schemeClr val="tx1"/>
-            </a:fontRef>
-          </p:style>
-        </p:cxnSp>
-        <p:sp>
-          <p:nvSpPr>
-            <p:cNvPr id="223" name="TextBox 222"/>
-            <p:cNvSpPr txBox="1"/>
-            <p:nvPr/>
-          </p:nvSpPr>
-          <p:spPr>
-            <a:xfrm>
-              <a:off x="3584462" y="3858054"/>
-              <a:ext cx="250389" cy="246221"/>
-            </a:xfrm>
-            <a:prstGeom prst="rect">
-              <a:avLst/>
-            </a:prstGeom>
-            <a:noFill/>
-          </p:spPr>
-          <p:txBody>
-            <a:bodyPr wrap="none" rtlCol="0">
-              <a:spAutoFit/>
-            </a:bodyPr>
-            <a:lstStyle/>
-            <a:p>
-              <a:pPr algn="ctr"/>
-              <a:r>
-                <a:rPr lang="el-GR" sz="1000" b="1" i="1" dirty="0" smtClean="0"/>
-                <a:t>ρ</a:t>
-              </a:r>
-              <a:endParaRPr lang="en-US" sz="1000" b="1" i="1" dirty="0" smtClean="0"/>
-            </a:p>
-          </p:txBody>
-        </p:sp>
-      </p:grpSp>
+          <a:prstGeom prst="rect">
+            <a:avLst/>
+          </a:prstGeom>
+          <a:noFill/>
+        </p:spPr>
+        <p:txBody>
+          <a:bodyPr wrap="none" rtlCol="0">
+            <a:spAutoFit/>
+          </a:bodyPr>
+          <a:lstStyle/>
+          <a:p>
+            <a:pPr algn="ctr"/>
+            <a:r>
+              <a:rPr lang="en-US" sz="1000" b="1" dirty="0"/>
+              <a:t>a</a:t>
+            </a:r>
+          </a:p>
+        </p:txBody>
+      </p:sp>
+      <p:sp>
+        <p:nvSpPr>
+          <p:cNvPr id="431" name="TextBox 430"/>
+          <p:cNvSpPr txBox="1"/>
+          <p:nvPr/>
+        </p:nvSpPr>
+        <p:spPr>
+          <a:xfrm>
+            <a:off x="1754594" y="0"/>
+            <a:ext cx="253596" cy="246221"/>
+          </a:xfrm>
+          <a:prstGeom prst="rect">
+            <a:avLst/>
+          </a:prstGeom>
+          <a:noFill/>
+        </p:spPr>
+        <p:txBody>
+          <a:bodyPr wrap="none" rtlCol="0">
+            <a:spAutoFit/>
+          </a:bodyPr>
+          <a:lstStyle/>
+          <a:p>
+            <a:pPr algn="ctr"/>
+            <a:r>
+              <a:rPr lang="en-US" sz="1000" b="1" dirty="0"/>
+              <a:t>b</a:t>
+            </a:r>
+            <a:endParaRPr lang="en-US" sz="1000" b="1" dirty="0"/>
+          </a:p>
+        </p:txBody>
+      </p:sp>
+      <p:sp>
+        <p:nvSpPr>
+          <p:cNvPr id="432" name="TextBox 431"/>
+          <p:cNvSpPr txBox="1"/>
+          <p:nvPr/>
+        </p:nvSpPr>
+        <p:spPr>
+          <a:xfrm>
+            <a:off x="-25529" y="1423530"/>
+            <a:ext cx="237566" cy="246221"/>
+          </a:xfrm>
+          <a:prstGeom prst="rect">
+            <a:avLst/>
+          </a:prstGeom>
+          <a:noFill/>
+        </p:spPr>
+        <p:txBody>
+          <a:bodyPr wrap="none" rtlCol="0">
+            <a:spAutoFit/>
+          </a:bodyPr>
+          <a:lstStyle/>
+          <a:p>
+            <a:pPr algn="ctr"/>
+            <a:r>
+              <a:rPr lang="en-US" sz="1000" b="1" dirty="0"/>
+              <a:t>c</a:t>
+            </a:r>
+            <a:endParaRPr lang="en-US" sz="1000" b="1" dirty="0"/>
+          </a:p>
+        </p:txBody>
+      </p:sp>
       <p:cxnSp>
         <p:nvCxnSpPr>
-          <p:cNvPr id="111" name="Straight Arrow Connector 110"/>
+          <p:cNvPr id="433" name="Straight Arrow Connector 432"/>
           <p:cNvCxnSpPr/>
           <p:nvPr/>
         </p:nvCxnSpPr>
         <p:spPr>
-          <a:xfrm flipH="1" flipV="1">
-            <a:off x="278105" y="1460328"/>
-            <a:ext cx="4310730" cy="1095"/>
+          <a:xfrm>
+            <a:off x="1764245" y="-18291"/>
+            <a:ext cx="0" cy="1406791"/>
+          </a:xfrm>
+          <a:prstGeom prst="straightConnector1">
+            <a:avLst/>
+          </a:prstGeom>
+          <a:ln w="19050">
+            <a:solidFill>
+              <a:schemeClr val="tx1"/>
+            </a:solidFill>
+            <a:tailEnd type="none" w="sm" len="sm"/>
+          </a:ln>
+        </p:spPr>
+        <p:style>
+          <a:lnRef idx="1">
+            <a:schemeClr val="accent1"/>
+          </a:lnRef>
+          <a:fillRef idx="0">
+            <a:schemeClr val="accent1"/>
+          </a:fillRef>
+          <a:effectRef idx="0">
+            <a:schemeClr val="accent1"/>
+          </a:effectRef>
+          <a:fontRef idx="minor">
+            <a:schemeClr val="tx1"/>
+          </a:fontRef>
+        </p:style>
+      </p:cxnSp>
+      <p:cxnSp>
+        <p:nvCxnSpPr>
+          <p:cNvPr id="434" name="Straight Arrow Connector 433"/>
+          <p:cNvCxnSpPr/>
+          <p:nvPr/>
+        </p:nvCxnSpPr>
+        <p:spPr>
+          <a:xfrm>
+            <a:off x="1903640" y="1388095"/>
+            <a:ext cx="0" cy="2212355"/>
           </a:xfrm>
           <a:prstGeom prst="straightConnector1">
             <a:avLst/>
@@ -7040,104 +7228,13 @@
       </p:cxnSp>
       <p:sp>
         <p:nvSpPr>
-          <p:cNvPr id="114" name="TextBox 113"/>
+          <p:cNvPr id="435" name="TextBox 434"/>
           <p:cNvSpPr txBox="1"/>
           <p:nvPr/>
         </p:nvSpPr>
         <p:spPr>
           <a:xfrm>
-            <a:off x="3028279" y="1501708"/>
-            <a:ext cx="896399" cy="200055"/>
-          </a:xfrm>
-          <a:prstGeom prst="rect">
-            <a:avLst/>
-          </a:prstGeom>
-          <a:noFill/>
-        </p:spPr>
-        <p:txBody>
-          <a:bodyPr wrap="none" rtlCol="0">
-            <a:spAutoFit/>
-          </a:bodyPr>
-          <a:lstStyle/>
-          <a:p>
-            <a:r>
-              <a:rPr lang="en-US" sz="700" b="1" dirty="0" smtClean="0"/>
-              <a:t>m allele is a neo-W</a:t>
-            </a:r>
-            <a:endParaRPr lang="en-US" sz="700" b="1" dirty="0"/>
-          </a:p>
-        </p:txBody>
-      </p:sp>
-      <p:sp>
-        <p:nvSpPr>
-          <p:cNvPr id="115" name="TextBox 114"/>
-          <p:cNvSpPr txBox="1"/>
-          <p:nvPr/>
-        </p:nvSpPr>
-        <p:spPr>
-          <a:xfrm>
-            <a:off x="847406" y="1505996"/>
-            <a:ext cx="861133" cy="200055"/>
-          </a:xfrm>
-          <a:prstGeom prst="rect">
-            <a:avLst/>
-          </a:prstGeom>
-          <a:noFill/>
-        </p:spPr>
-        <p:txBody>
-          <a:bodyPr wrap="none" rtlCol="0">
-            <a:spAutoFit/>
-          </a:bodyPr>
-          <a:lstStyle/>
-          <a:p>
-            <a:r>
-              <a:rPr lang="en-US" sz="700" b="1" dirty="0" smtClean="0"/>
-              <a:t>m allele is a neo-Y</a:t>
-            </a:r>
-            <a:endParaRPr lang="en-US" sz="700" b="1" dirty="0"/>
-          </a:p>
-        </p:txBody>
-      </p:sp>
-      <p:sp>
-        <p:nvSpPr>
-          <p:cNvPr id="116" name="TextBox 115"/>
-          <p:cNvSpPr txBox="1"/>
-          <p:nvPr/>
-        </p:nvSpPr>
-        <p:spPr>
-          <a:xfrm>
-            <a:off x="154513" y="76782"/>
-            <a:ext cx="247184" cy="246221"/>
-          </a:xfrm>
-          <a:prstGeom prst="rect">
-            <a:avLst/>
-          </a:prstGeom>
-          <a:noFill/>
-        </p:spPr>
-        <p:txBody>
-          <a:bodyPr wrap="none" rtlCol="0">
-            <a:spAutoFit/>
-          </a:bodyPr>
-          <a:lstStyle/>
-          <a:p>
-            <a:pPr algn="ctr"/>
-            <a:r>
-              <a:rPr lang="en-US" sz="1000" b="1" dirty="0" smtClean="0"/>
-              <a:t>a</a:t>
-            </a:r>
-            <a:endParaRPr lang="en-US" sz="1000" b="1" dirty="0" smtClean="0"/>
-          </a:p>
-        </p:txBody>
-      </p:sp>
-      <p:sp>
-        <p:nvSpPr>
-          <p:cNvPr id="118" name="TextBox 117"/>
-          <p:cNvSpPr txBox="1"/>
-          <p:nvPr/>
-        </p:nvSpPr>
-        <p:spPr>
-          <a:xfrm>
-            <a:off x="1992927" y="73329"/>
+            <a:off x="1933146" y="1423530"/>
             <a:ext cx="253596" cy="246221"/>
           </a:xfrm>
           <a:prstGeom prst="rect">
@@ -7154,40 +7251,9 @@
             <a:pPr algn="ctr"/>
             <a:r>
               <a:rPr lang="en-US" sz="1000" b="1" dirty="0"/>
-              <a:t>b</a:t>
+              <a:t>d</a:t>
             </a:r>
-            <a:endParaRPr lang="en-US" sz="1000" b="1" dirty="0" smtClean="0"/>
-          </a:p>
-        </p:txBody>
-      </p:sp>
-      <p:sp>
-        <p:nvSpPr>
-          <p:cNvPr id="119" name="TextBox 118"/>
-          <p:cNvSpPr txBox="1"/>
-          <p:nvPr/>
-        </p:nvSpPr>
-        <p:spPr>
-          <a:xfrm>
-            <a:off x="159464" y="1496858"/>
-            <a:ext cx="237566" cy="246221"/>
-          </a:xfrm>
-          <a:prstGeom prst="rect">
-            <a:avLst/>
-          </a:prstGeom>
-          <a:noFill/>
-        </p:spPr>
-        <p:txBody>
-          <a:bodyPr wrap="none" rtlCol="0">
-            <a:spAutoFit/>
-          </a:bodyPr>
-          <a:lstStyle/>
-          <a:p>
-            <a:pPr algn="ctr"/>
-            <a:r>
-              <a:rPr lang="en-US" sz="1000" b="1" dirty="0"/>
-              <a:t>c</a:t>
-            </a:r>
-            <a:endParaRPr lang="en-US" sz="1000" b="1" dirty="0" smtClean="0"/>
+            <a:endParaRPr lang="en-US" sz="1000" b="1" dirty="0"/>
           </a:p>
         </p:txBody>
       </p:sp>

--- a/Plots/Sex_determination_outline.pptx
+++ b/Plots/Sex_determination_outline.pptx
@@ -243,7 +243,7 @@
           <a:p>
             <a:fld id="{C437F6A3-4B0E-974E-8C94-07C070FFF74A}" type="datetimeFigureOut">
               <a:rPr lang="en-US" smtClean="0"/>
-              <a:t>11/29/17</a:t>
+              <a:t>12/1/17</a:t>
             </a:fld>
             <a:endParaRPr lang="en-US"/>
           </a:p>
@@ -408,7 +408,7 @@
           <a:p>
             <a:fld id="{C437F6A3-4B0E-974E-8C94-07C070FFF74A}" type="datetimeFigureOut">
               <a:rPr lang="en-US" smtClean="0"/>
-              <a:t>11/29/17</a:t>
+              <a:t>12/1/17</a:t>
             </a:fld>
             <a:endParaRPr lang="en-US"/>
           </a:p>
@@ -583,7 +583,7 @@
           <a:p>
             <a:fld id="{C437F6A3-4B0E-974E-8C94-07C070FFF74A}" type="datetimeFigureOut">
               <a:rPr lang="en-US" smtClean="0"/>
-              <a:t>11/29/17</a:t>
+              <a:t>12/1/17</a:t>
             </a:fld>
             <a:endParaRPr lang="en-US"/>
           </a:p>
@@ -748,7 +748,7 @@
           <a:p>
             <a:fld id="{C437F6A3-4B0E-974E-8C94-07C070FFF74A}" type="datetimeFigureOut">
               <a:rPr lang="en-US" smtClean="0"/>
-              <a:t>11/29/17</a:t>
+              <a:t>12/1/17</a:t>
             </a:fld>
             <a:endParaRPr lang="en-US"/>
           </a:p>
@@ -987,7 +987,7 @@
           <a:p>
             <a:fld id="{C437F6A3-4B0E-974E-8C94-07C070FFF74A}" type="datetimeFigureOut">
               <a:rPr lang="en-US" smtClean="0"/>
-              <a:t>11/29/17</a:t>
+              <a:t>12/1/17</a:t>
             </a:fld>
             <a:endParaRPr lang="en-US"/>
           </a:p>
@@ -1214,7 +1214,7 @@
           <a:p>
             <a:fld id="{C437F6A3-4B0E-974E-8C94-07C070FFF74A}" type="datetimeFigureOut">
               <a:rPr lang="en-US" smtClean="0"/>
-              <a:t>11/29/17</a:t>
+              <a:t>12/1/17</a:t>
             </a:fld>
             <a:endParaRPr lang="en-US"/>
           </a:p>
@@ -1576,7 +1576,7 @@
           <a:p>
             <a:fld id="{C437F6A3-4B0E-974E-8C94-07C070FFF74A}" type="datetimeFigureOut">
               <a:rPr lang="en-US" smtClean="0"/>
-              <a:t>11/29/17</a:t>
+              <a:t>12/1/17</a:t>
             </a:fld>
             <a:endParaRPr lang="en-US"/>
           </a:p>
@@ -1689,7 +1689,7 @@
           <a:p>
             <a:fld id="{C437F6A3-4B0E-974E-8C94-07C070FFF74A}" type="datetimeFigureOut">
               <a:rPr lang="en-US" smtClean="0"/>
-              <a:t>11/29/17</a:t>
+              <a:t>12/1/17</a:t>
             </a:fld>
             <a:endParaRPr lang="en-US"/>
           </a:p>
@@ -1779,7 +1779,7 @@
           <a:p>
             <a:fld id="{C437F6A3-4B0E-974E-8C94-07C070FFF74A}" type="datetimeFigureOut">
               <a:rPr lang="en-US" smtClean="0"/>
-              <a:t>11/29/17</a:t>
+              <a:t>12/1/17</a:t>
             </a:fld>
             <a:endParaRPr lang="en-US"/>
           </a:p>
@@ -2051,7 +2051,7 @@
           <a:p>
             <a:fld id="{C437F6A3-4B0E-974E-8C94-07C070FFF74A}" type="datetimeFigureOut">
               <a:rPr lang="en-US" smtClean="0"/>
-              <a:t>11/29/17</a:t>
+              <a:t>12/1/17</a:t>
             </a:fld>
             <a:endParaRPr lang="en-US"/>
           </a:p>
@@ -2303,7 +2303,7 @@
           <a:p>
             <a:fld id="{C437F6A3-4B0E-974E-8C94-07C070FFF74A}" type="datetimeFigureOut">
               <a:rPr lang="en-US" smtClean="0"/>
-              <a:t>11/29/17</a:t>
+              <a:t>12/1/17</a:t>
             </a:fld>
             <a:endParaRPr lang="en-US"/>
           </a:p>
@@ -2511,7 +2511,7 @@
           <a:p>
             <a:fld id="{C437F6A3-4B0E-974E-8C94-07C070FFF74A}" type="datetimeFigureOut">
               <a:rPr lang="en-US" smtClean="0"/>
-              <a:t>11/29/17</a:t>
+              <a:t>12/1/17</a:t>
             </a:fld>
             <a:endParaRPr lang="en-US"/>
           </a:p>
@@ -3006,7 +3006,6 @@
                 <a:rPr lang="en-US" sz="960" b="1" dirty="0"/>
                 <a:t>W</a:t>
               </a:r>
-              <a:endParaRPr lang="en-US" sz="960" b="1" dirty="0"/>
             </a:p>
           </p:txBody>
         </p:sp>
@@ -3310,7 +3309,6 @@
                 <a:rPr lang="en-US" sz="960" b="1" dirty="0"/>
                 <a:t>X</a:t>
               </a:r>
-              <a:endParaRPr lang="en-US" sz="960" b="1" dirty="0"/>
             </a:p>
           </p:txBody>
         </p:sp>
@@ -4020,13 +4018,8 @@
             <a:p>
               <a:r>
                 <a:rPr lang="en-US" sz="700" dirty="0"/>
-                <a:t>d</a:t>
+                <a:t>diploid adults</a:t>
               </a:r>
-              <a:r>
-                <a:rPr lang="en-US" sz="700" dirty="0"/>
-                <a:t>iploid adults</a:t>
-              </a:r>
-              <a:endParaRPr lang="en-US" sz="700" dirty="0"/>
             </a:p>
           </p:txBody>
         </p:sp>
@@ -4054,11 +4047,7 @@
             <a:p>
               <a:r>
                 <a:rPr lang="en-US" sz="700" dirty="0"/>
-                <a:t>g</a:t>
-              </a:r>
-              <a:r>
-                <a:rPr lang="en-US" sz="700" dirty="0"/>
-                <a:t>ametes/</a:t>
+                <a:t>gametes/</a:t>
               </a:r>
             </a:p>
             <a:p>
@@ -4066,7 +4055,6 @@
                 <a:rPr lang="en-US" sz="700" dirty="0"/>
                 <a:t>gametophytes</a:t>
               </a:r>
-              <a:endParaRPr lang="en-US" sz="700" dirty="0"/>
             </a:p>
           </p:txBody>
         </p:sp>
@@ -4096,7 +4084,6 @@
                 <a:rPr lang="en-US" sz="700" dirty="0"/>
                 <a:t>zygotes</a:t>
               </a:r>
-              <a:endParaRPr lang="en-US" sz="700" dirty="0"/>
             </a:p>
           </p:txBody>
         </p:sp>
@@ -4751,43 +4738,6 @@
             <a:chExt cx="1609730" cy="975622"/>
           </a:xfrm>
         </p:grpSpPr>
-        <p:cxnSp>
-          <p:nvCxnSpPr>
-            <p:cNvPr id="371" name="Straight Arrow Connector 370"/>
-            <p:cNvCxnSpPr/>
-            <p:nvPr/>
-          </p:nvCxnSpPr>
-          <p:spPr>
-            <a:xfrm flipV="1">
-              <a:off x="3271272" y="3628119"/>
-              <a:ext cx="294939" cy="2"/>
-            </a:xfrm>
-            <a:prstGeom prst="straightConnector1">
-              <a:avLst/>
-            </a:prstGeom>
-            <a:ln w="12700">
-              <a:solidFill>
-                <a:schemeClr val="tx1"/>
-              </a:solidFill>
-              <a:prstDash val="sysDash"/>
-              <a:tailEnd type="none" w="sm" len="sm"/>
-            </a:ln>
-          </p:spPr>
-          <p:style>
-            <a:lnRef idx="1">
-              <a:schemeClr val="accent1"/>
-            </a:lnRef>
-            <a:fillRef idx="0">
-              <a:schemeClr val="accent1"/>
-            </a:fillRef>
-            <a:effectRef idx="0">
-              <a:schemeClr val="accent1"/>
-            </a:effectRef>
-            <a:fontRef idx="minor">
-              <a:schemeClr val="tx1"/>
-            </a:fontRef>
-          </p:style>
-        </p:cxnSp>
         <p:sp>
           <p:nvSpPr>
             <p:cNvPr id="372" name="TextBox 371"/>
@@ -4878,43 +4828,6 @@
             </a:p>
           </p:txBody>
         </p:sp>
-        <p:cxnSp>
-          <p:nvCxnSpPr>
-            <p:cNvPr id="375" name="Straight Arrow Connector 374"/>
-            <p:cNvCxnSpPr/>
-            <p:nvPr/>
-          </p:nvCxnSpPr>
-          <p:spPr>
-            <a:xfrm flipV="1">
-              <a:off x="3858055" y="3628117"/>
-              <a:ext cx="294939" cy="2"/>
-            </a:xfrm>
-            <a:prstGeom prst="straightConnector1">
-              <a:avLst/>
-            </a:prstGeom>
-            <a:ln w="12700">
-              <a:solidFill>
-                <a:schemeClr val="tx1"/>
-              </a:solidFill>
-              <a:prstDash val="sysDash"/>
-              <a:tailEnd type="none" w="sm" len="sm"/>
-            </a:ln>
-          </p:spPr>
-          <p:style>
-            <a:lnRef idx="1">
-              <a:schemeClr val="accent1"/>
-            </a:lnRef>
-            <a:fillRef idx="0">
-              <a:schemeClr val="accent1"/>
-            </a:fillRef>
-            <a:effectRef idx="0">
-              <a:schemeClr val="accent1"/>
-            </a:effectRef>
-            <a:fontRef idx="minor">
-              <a:schemeClr val="tx1"/>
-            </a:fontRef>
-          </p:style>
-        </p:cxnSp>
         <p:cxnSp>
           <p:nvCxnSpPr>
             <p:cNvPr id="376" name="Straight Arrow Connector 375"/>
@@ -5607,7 +5520,6 @@
                 <a:rPr lang="en-US" sz="1000" b="1" dirty="0"/>
                 <a:t>MM</a:t>
               </a:r>
-              <a:endParaRPr lang="en-US" sz="1000" b="1" dirty="0"/>
             </a:p>
           </p:txBody>
         </p:sp>
@@ -5695,7 +5607,6 @@
                 <a:rPr lang="en-US" sz="1000" b="1" dirty="0"/>
                 <a:t>Mm</a:t>
               </a:r>
-              <a:endParaRPr lang="en-US" sz="1000" b="1" dirty="0"/>
             </a:p>
           </p:txBody>
         </p:sp>
@@ -5733,7 +5644,6 @@
                 <a:rPr lang="en-US" sz="1000" b="1" dirty="0"/>
                 <a:t>MM</a:t>
               </a:r>
-              <a:endParaRPr lang="en-US" sz="1000" b="1" dirty="0"/>
             </a:p>
           </p:txBody>
         </p:sp>
@@ -5821,7 +5731,6 @@
                 <a:rPr lang="en-US" sz="1000" b="1" dirty="0"/>
                 <a:t>MM</a:t>
               </a:r>
-              <a:endParaRPr lang="en-US" sz="1000" b="1" dirty="0"/>
             </a:p>
           </p:txBody>
         </p:sp>
@@ -5909,7 +5818,6 @@
                 <a:rPr lang="en-US" sz="1000" b="1" dirty="0"/>
                 <a:t>MM</a:t>
               </a:r>
-              <a:endParaRPr lang="en-US" sz="1000" b="1" dirty="0"/>
             </a:p>
           </p:txBody>
         </p:sp>
@@ -5947,7 +5855,6 @@
                 <a:rPr lang="en-US" sz="1000" b="1" dirty="0"/>
                 <a:t>MM</a:t>
               </a:r>
-              <a:endParaRPr lang="en-US" sz="1000" b="1" dirty="0"/>
             </a:p>
           </p:txBody>
         </p:sp>
@@ -5985,7 +5892,6 @@
                 <a:rPr lang="en-US" sz="1000" b="1" dirty="0"/>
                 <a:t>Mm</a:t>
               </a:r>
-              <a:endParaRPr lang="en-US" sz="1000" b="1" dirty="0"/>
             </a:p>
           </p:txBody>
         </p:sp>
@@ -6023,7 +5929,6 @@
                 <a:rPr lang="en-US" sz="1000" b="1" dirty="0"/>
                 <a:t>Mm</a:t>
               </a:r>
-              <a:endParaRPr lang="en-US" sz="1000" b="1" dirty="0"/>
             </a:p>
           </p:txBody>
         </p:sp>
@@ -6061,7 +5966,6 @@
                 <a:rPr lang="en-US" sz="1000" b="1" dirty="0"/>
                 <a:t>Mm</a:t>
               </a:r>
-              <a:endParaRPr lang="en-US" sz="1000" b="1" dirty="0"/>
             </a:p>
           </p:txBody>
         </p:sp>
@@ -6149,7 +6053,6 @@
                 <a:rPr lang="en-US" sz="1000" b="1" dirty="0"/>
                 <a:t>Mm</a:t>
               </a:r>
-              <a:endParaRPr lang="en-US" sz="1000" b="1" dirty="0"/>
             </a:p>
           </p:txBody>
         </p:sp>
@@ -6309,7 +6212,6 @@
                 <a:rPr lang="en-US" sz="1000" b="1" dirty="0"/>
                 <a:t>MM</a:t>
               </a:r>
-              <a:endParaRPr lang="en-US" sz="1000" b="1" dirty="0"/>
             </a:p>
           </p:txBody>
         </p:sp>
@@ -6397,7 +6299,6 @@
                 <a:rPr lang="en-US" sz="1000" b="1" dirty="0"/>
                 <a:t>Mm</a:t>
               </a:r>
-              <a:endParaRPr lang="en-US" sz="1000" b="1" dirty="0"/>
             </a:p>
           </p:txBody>
         </p:sp>
@@ -6485,7 +6386,6 @@
                 <a:rPr lang="en-US" sz="1000" b="1" dirty="0"/>
                 <a:t>MM</a:t>
               </a:r>
-              <a:endParaRPr lang="en-US" sz="1000" b="1" dirty="0"/>
             </a:p>
           </p:txBody>
         </p:sp>
@@ -6573,7 +6473,6 @@
                 <a:rPr lang="en-US" sz="1000" b="1" dirty="0"/>
                 <a:t>MM</a:t>
               </a:r>
-              <a:endParaRPr lang="en-US" sz="1000" b="1" dirty="0"/>
             </a:p>
           </p:txBody>
         </p:sp>
@@ -6697,7 +6596,6 @@
                 <a:rPr lang="en-US" sz="1000" b="1" dirty="0"/>
                 <a:t>MM</a:t>
               </a:r>
-              <a:endParaRPr lang="en-US" sz="1000" b="1" dirty="0"/>
             </a:p>
           </p:txBody>
         </p:sp>
@@ -6785,7 +6683,6 @@
                 <a:rPr lang="en-US" sz="1000" b="1" dirty="0"/>
                 <a:t>MM</a:t>
               </a:r>
-              <a:endParaRPr lang="en-US" sz="1000" b="1" dirty="0"/>
             </a:p>
           </p:txBody>
         </p:sp>
@@ -6909,7 +6806,6 @@
                 <a:rPr lang="en-US" sz="1000" b="1" dirty="0"/>
                 <a:t>Mm</a:t>
               </a:r>
-              <a:endParaRPr lang="en-US" sz="1000" b="1" dirty="0"/>
             </a:p>
           </p:txBody>
         </p:sp>
@@ -6997,7 +6893,6 @@
                 <a:rPr lang="en-US" sz="1000" b="1" dirty="0"/>
                 <a:t>MM</a:t>
               </a:r>
-              <a:endParaRPr lang="en-US" sz="1000" b="1" dirty="0"/>
             </a:p>
           </p:txBody>
         </p:sp>
@@ -7027,7 +6922,6 @@
                 <a:rPr lang="en-US" sz="700" b="1" dirty="0"/>
                 <a:t>m allele is a neo-W</a:t>
               </a:r>
-              <a:endParaRPr lang="en-US" sz="700" b="1" dirty="0"/>
             </a:p>
           </p:txBody>
         </p:sp>
@@ -7057,7 +6951,6 @@
                 <a:rPr lang="en-US" sz="700" b="1" dirty="0"/>
                 <a:t>m allele is a neo-Y</a:t>
               </a:r>
-              <a:endParaRPr lang="en-US" sz="700" b="1" dirty="0"/>
             </a:p>
           </p:txBody>
         </p:sp>
@@ -7119,7 +7012,6 @@
               <a:rPr lang="en-US" sz="1000" b="1" dirty="0"/>
               <a:t>b</a:t>
             </a:r>
-            <a:endParaRPr lang="en-US" sz="1000" b="1" dirty="0"/>
           </a:p>
         </p:txBody>
       </p:sp>
@@ -7150,7 +7042,6 @@
               <a:rPr lang="en-US" sz="1000" b="1" dirty="0"/>
               <a:t>c</a:t>
             </a:r>
-            <a:endParaRPr lang="en-US" sz="1000" b="1" dirty="0"/>
           </a:p>
         </p:txBody>
       </p:sp>
@@ -7253,7 +7144,6 @@
               <a:rPr lang="en-US" sz="1000" b="1" dirty="0"/>
               <a:t>d</a:t>
             </a:r>
-            <a:endParaRPr lang="en-US" sz="1000" b="1" dirty="0"/>
           </a:p>
         </p:txBody>
       </p:sp>

--- a/Plots/Sex_determination_outline.pptx
+++ b/Plots/Sex_determination_outline.pptx
@@ -243,7 +243,7 @@
           <a:p>
             <a:fld id="{C437F6A3-4B0E-974E-8C94-07C070FFF74A}" type="datetimeFigureOut">
               <a:rPr lang="en-US" smtClean="0"/>
-              <a:t>12/1/17</a:t>
+              <a:t>2/6/18</a:t>
             </a:fld>
             <a:endParaRPr lang="en-US"/>
           </a:p>
@@ -408,7 +408,7 @@
           <a:p>
             <a:fld id="{C437F6A3-4B0E-974E-8C94-07C070FFF74A}" type="datetimeFigureOut">
               <a:rPr lang="en-US" smtClean="0"/>
-              <a:t>12/1/17</a:t>
+              <a:t>2/6/18</a:t>
             </a:fld>
             <a:endParaRPr lang="en-US"/>
           </a:p>
@@ -583,7 +583,7 @@
           <a:p>
             <a:fld id="{C437F6A3-4B0E-974E-8C94-07C070FFF74A}" type="datetimeFigureOut">
               <a:rPr lang="en-US" smtClean="0"/>
-              <a:t>12/1/17</a:t>
+              <a:t>2/6/18</a:t>
             </a:fld>
             <a:endParaRPr lang="en-US"/>
           </a:p>
@@ -748,7 +748,7 @@
           <a:p>
             <a:fld id="{C437F6A3-4B0E-974E-8C94-07C070FFF74A}" type="datetimeFigureOut">
               <a:rPr lang="en-US" smtClean="0"/>
-              <a:t>12/1/17</a:t>
+              <a:t>2/6/18</a:t>
             </a:fld>
             <a:endParaRPr lang="en-US"/>
           </a:p>
@@ -987,7 +987,7 @@
           <a:p>
             <a:fld id="{C437F6A3-4B0E-974E-8C94-07C070FFF74A}" type="datetimeFigureOut">
               <a:rPr lang="en-US" smtClean="0"/>
-              <a:t>12/1/17</a:t>
+              <a:t>2/6/18</a:t>
             </a:fld>
             <a:endParaRPr lang="en-US"/>
           </a:p>
@@ -1214,7 +1214,7 @@
           <a:p>
             <a:fld id="{C437F6A3-4B0E-974E-8C94-07C070FFF74A}" type="datetimeFigureOut">
               <a:rPr lang="en-US" smtClean="0"/>
-              <a:t>12/1/17</a:t>
+              <a:t>2/6/18</a:t>
             </a:fld>
             <a:endParaRPr lang="en-US"/>
           </a:p>
@@ -1576,7 +1576,7 @@
           <a:p>
             <a:fld id="{C437F6A3-4B0E-974E-8C94-07C070FFF74A}" type="datetimeFigureOut">
               <a:rPr lang="en-US" smtClean="0"/>
-              <a:t>12/1/17</a:t>
+              <a:t>2/6/18</a:t>
             </a:fld>
             <a:endParaRPr lang="en-US"/>
           </a:p>
@@ -1689,7 +1689,7 @@
           <a:p>
             <a:fld id="{C437F6A3-4B0E-974E-8C94-07C070FFF74A}" type="datetimeFigureOut">
               <a:rPr lang="en-US" smtClean="0"/>
-              <a:t>12/1/17</a:t>
+              <a:t>2/6/18</a:t>
             </a:fld>
             <a:endParaRPr lang="en-US"/>
           </a:p>
@@ -1779,7 +1779,7 @@
           <a:p>
             <a:fld id="{C437F6A3-4B0E-974E-8C94-07C070FFF74A}" type="datetimeFigureOut">
               <a:rPr lang="en-US" smtClean="0"/>
-              <a:t>12/1/17</a:t>
+              <a:t>2/6/18</a:t>
             </a:fld>
             <a:endParaRPr lang="en-US"/>
           </a:p>
@@ -2051,7 +2051,7 @@
           <a:p>
             <a:fld id="{C437F6A3-4B0E-974E-8C94-07C070FFF74A}" type="datetimeFigureOut">
               <a:rPr lang="en-US" smtClean="0"/>
-              <a:t>12/1/17</a:t>
+              <a:t>2/6/18</a:t>
             </a:fld>
             <a:endParaRPr lang="en-US"/>
           </a:p>
@@ -2303,7 +2303,7 @@
           <a:p>
             <a:fld id="{C437F6A3-4B0E-974E-8C94-07C070FFF74A}" type="datetimeFigureOut">
               <a:rPr lang="en-US" smtClean="0"/>
-              <a:t>12/1/17</a:t>
+              <a:t>2/6/18</a:t>
             </a:fld>
             <a:endParaRPr lang="en-US"/>
           </a:p>
@@ -2511,7 +2511,7 @@
           <a:p>
             <a:fld id="{C437F6A3-4B0E-974E-8C94-07C070FFF74A}" type="datetimeFigureOut">
               <a:rPr lang="en-US" smtClean="0"/>
-              <a:t>12/1/17</a:t>
+              <a:t>2/6/18</a:t>
             </a:fld>
             <a:endParaRPr lang="en-US"/>
           </a:p>
@@ -5128,10 +5128,10 @@
             <a:p>
               <a:pPr algn="ctr"/>
               <a:r>
-                <a:rPr lang="el-GR" sz="1000" b="1" i="1" dirty="0"/>
+                <a:rPr lang="el-GR" sz="1000" i="1" dirty="0"/>
                 <a:t>ρ</a:t>
               </a:r>
-              <a:endParaRPr lang="en-US" sz="1000" b="1" i="1" dirty="0"/>
+              <a:endParaRPr lang="en-US" sz="1000" i="1" dirty="0"/>
             </a:p>
           </p:txBody>
         </p:sp>

--- a/Plots/Sex_determination_outline.pptx
+++ b/Plots/Sex_determination_outline.pptx
@@ -154,7 +154,7 @@
           </a:lstStyle>
           <a:p>
             <a:r>
-              <a:rPr lang="en-US" smtClean="0"/>
+              <a:rPr lang="en-US"/>
               <a:t>Click to edit Master title style</a:t>
             </a:r>
             <a:endParaRPr lang="en-US" dirty="0"/>
@@ -219,7 +219,7 @@
           </a:lstStyle>
           <a:p>
             <a:r>
-              <a:rPr lang="en-US" smtClean="0"/>
+              <a:rPr lang="en-US"/>
               <a:t>Click to edit Master subtitle style</a:t>
             </a:r>
             <a:endParaRPr lang="en-US" dirty="0"/>
@@ -243,7 +243,7 @@
           <a:p>
             <a:fld id="{C437F6A3-4B0E-974E-8C94-07C070FFF74A}" type="datetimeFigureOut">
               <a:rPr lang="en-US" smtClean="0"/>
-              <a:t>2/6/18</a:t>
+              <a:t>5/17/18</a:t>
             </a:fld>
             <a:endParaRPr lang="en-US"/>
           </a:p>
@@ -332,7 +332,7 @@
           <a:lstStyle/>
           <a:p>
             <a:r>
-              <a:rPr lang="en-US" smtClean="0"/>
+              <a:rPr lang="en-US"/>
               <a:t>Click to edit Master title style</a:t>
             </a:r>
             <a:endParaRPr lang="en-US" dirty="0"/>
@@ -356,35 +356,35 @@
           <a:p>
             <a:pPr lvl="0"/>
             <a:r>
-              <a:rPr lang="en-US" smtClean="0"/>
+              <a:rPr lang="en-US"/>
               <a:t>Click to edit Master text styles</a:t>
             </a:r>
           </a:p>
           <a:p>
             <a:pPr lvl="1"/>
             <a:r>
-              <a:rPr lang="en-US" smtClean="0"/>
+              <a:rPr lang="en-US"/>
               <a:t>Second level</a:t>
             </a:r>
           </a:p>
           <a:p>
             <a:pPr lvl="2"/>
             <a:r>
-              <a:rPr lang="en-US" smtClean="0"/>
+              <a:rPr lang="en-US"/>
               <a:t>Third level</a:t>
             </a:r>
           </a:p>
           <a:p>
             <a:pPr lvl="3"/>
             <a:r>
-              <a:rPr lang="en-US" smtClean="0"/>
+              <a:rPr lang="en-US"/>
               <a:t>Fourth level</a:t>
             </a:r>
           </a:p>
           <a:p>
             <a:pPr lvl="4"/>
             <a:r>
-              <a:rPr lang="en-US" smtClean="0"/>
+              <a:rPr lang="en-US"/>
               <a:t>Fifth level</a:t>
             </a:r>
             <a:endParaRPr lang="en-US" dirty="0"/>
@@ -408,7 +408,7 @@
           <a:p>
             <a:fld id="{C437F6A3-4B0E-974E-8C94-07C070FFF74A}" type="datetimeFigureOut">
               <a:rPr lang="en-US" smtClean="0"/>
-              <a:t>2/6/18</a:t>
+              <a:t>5/17/18</a:t>
             </a:fld>
             <a:endParaRPr lang="en-US"/>
           </a:p>
@@ -502,7 +502,7 @@
           <a:lstStyle/>
           <a:p>
             <a:r>
-              <a:rPr lang="en-US" smtClean="0"/>
+              <a:rPr lang="en-US"/>
               <a:t>Click to edit Master title style</a:t>
             </a:r>
             <a:endParaRPr lang="en-US" dirty="0"/>
@@ -531,35 +531,35 @@
           <a:p>
             <a:pPr lvl="0"/>
             <a:r>
-              <a:rPr lang="en-US" smtClean="0"/>
+              <a:rPr lang="en-US"/>
               <a:t>Click to edit Master text styles</a:t>
             </a:r>
           </a:p>
           <a:p>
             <a:pPr lvl="1"/>
             <a:r>
-              <a:rPr lang="en-US" smtClean="0"/>
+              <a:rPr lang="en-US"/>
               <a:t>Second level</a:t>
             </a:r>
           </a:p>
           <a:p>
             <a:pPr lvl="2"/>
             <a:r>
-              <a:rPr lang="en-US" smtClean="0"/>
+              <a:rPr lang="en-US"/>
               <a:t>Third level</a:t>
             </a:r>
           </a:p>
           <a:p>
             <a:pPr lvl="3"/>
             <a:r>
-              <a:rPr lang="en-US" smtClean="0"/>
+              <a:rPr lang="en-US"/>
               <a:t>Fourth level</a:t>
             </a:r>
           </a:p>
           <a:p>
             <a:pPr lvl="4"/>
             <a:r>
-              <a:rPr lang="en-US" smtClean="0"/>
+              <a:rPr lang="en-US"/>
               <a:t>Fifth level</a:t>
             </a:r>
             <a:endParaRPr lang="en-US" dirty="0"/>
@@ -583,7 +583,7 @@
           <a:p>
             <a:fld id="{C437F6A3-4B0E-974E-8C94-07C070FFF74A}" type="datetimeFigureOut">
               <a:rPr lang="en-US" smtClean="0"/>
-              <a:t>2/6/18</a:t>
+              <a:t>5/17/18</a:t>
             </a:fld>
             <a:endParaRPr lang="en-US"/>
           </a:p>
@@ -672,7 +672,7 @@
           <a:lstStyle/>
           <a:p>
             <a:r>
-              <a:rPr lang="en-US" smtClean="0"/>
+              <a:rPr lang="en-US"/>
               <a:t>Click to edit Master title style</a:t>
             </a:r>
             <a:endParaRPr lang="en-US" dirty="0"/>
@@ -696,35 +696,35 @@
           <a:p>
             <a:pPr lvl="0"/>
             <a:r>
-              <a:rPr lang="en-US" smtClean="0"/>
+              <a:rPr lang="en-US"/>
               <a:t>Click to edit Master text styles</a:t>
             </a:r>
           </a:p>
           <a:p>
             <a:pPr lvl="1"/>
             <a:r>
-              <a:rPr lang="en-US" smtClean="0"/>
+              <a:rPr lang="en-US"/>
               <a:t>Second level</a:t>
             </a:r>
           </a:p>
           <a:p>
             <a:pPr lvl="2"/>
             <a:r>
-              <a:rPr lang="en-US" smtClean="0"/>
+              <a:rPr lang="en-US"/>
               <a:t>Third level</a:t>
             </a:r>
           </a:p>
           <a:p>
             <a:pPr lvl="3"/>
             <a:r>
-              <a:rPr lang="en-US" smtClean="0"/>
+              <a:rPr lang="en-US"/>
               <a:t>Fourth level</a:t>
             </a:r>
           </a:p>
           <a:p>
             <a:pPr lvl="4"/>
             <a:r>
-              <a:rPr lang="en-US" smtClean="0"/>
+              <a:rPr lang="en-US"/>
               <a:t>Fifth level</a:t>
             </a:r>
             <a:endParaRPr lang="en-US" dirty="0"/>
@@ -748,7 +748,7 @@
           <a:p>
             <a:fld id="{C437F6A3-4B0E-974E-8C94-07C070FFF74A}" type="datetimeFigureOut">
               <a:rPr lang="en-US" smtClean="0"/>
-              <a:t>2/6/18</a:t>
+              <a:t>5/17/18</a:t>
             </a:fld>
             <a:endParaRPr lang="en-US"/>
           </a:p>
@@ -846,7 +846,7 @@
           </a:lstStyle>
           <a:p>
             <a:r>
-              <a:rPr lang="en-US" smtClean="0"/>
+              <a:rPr lang="en-US"/>
               <a:t>Click to edit Master title style</a:t>
             </a:r>
             <a:endParaRPr lang="en-US" dirty="0"/>
@@ -964,7 +964,7 @@
           <a:p>
             <a:pPr lvl="0"/>
             <a:r>
-              <a:rPr lang="en-US" smtClean="0"/>
+              <a:rPr lang="en-US"/>
               <a:t>Click to edit Master text styles</a:t>
             </a:r>
           </a:p>
@@ -987,7 +987,7 @@
           <a:p>
             <a:fld id="{C437F6A3-4B0E-974E-8C94-07C070FFF74A}" type="datetimeFigureOut">
               <a:rPr lang="en-US" smtClean="0"/>
-              <a:t>2/6/18</a:t>
+              <a:t>5/17/18</a:t>
             </a:fld>
             <a:endParaRPr lang="en-US"/>
           </a:p>
@@ -1076,7 +1076,7 @@
           <a:lstStyle/>
           <a:p>
             <a:r>
-              <a:rPr lang="en-US" smtClean="0"/>
+              <a:rPr lang="en-US"/>
               <a:t>Click to edit Master title style</a:t>
             </a:r>
             <a:endParaRPr lang="en-US" dirty="0"/>
@@ -1105,35 +1105,35 @@
           <a:p>
             <a:pPr lvl="0"/>
             <a:r>
-              <a:rPr lang="en-US" smtClean="0"/>
+              <a:rPr lang="en-US"/>
               <a:t>Click to edit Master text styles</a:t>
             </a:r>
           </a:p>
           <a:p>
             <a:pPr lvl="1"/>
             <a:r>
-              <a:rPr lang="en-US" smtClean="0"/>
+              <a:rPr lang="en-US"/>
               <a:t>Second level</a:t>
             </a:r>
           </a:p>
           <a:p>
             <a:pPr lvl="2"/>
             <a:r>
-              <a:rPr lang="en-US" smtClean="0"/>
+              <a:rPr lang="en-US"/>
               <a:t>Third level</a:t>
             </a:r>
           </a:p>
           <a:p>
             <a:pPr lvl="3"/>
             <a:r>
-              <a:rPr lang="en-US" smtClean="0"/>
+              <a:rPr lang="en-US"/>
               <a:t>Fourth level</a:t>
             </a:r>
           </a:p>
           <a:p>
             <a:pPr lvl="4"/>
             <a:r>
-              <a:rPr lang="en-US" smtClean="0"/>
+              <a:rPr lang="en-US"/>
               <a:t>Fifth level</a:t>
             </a:r>
             <a:endParaRPr lang="en-US" dirty="0"/>
@@ -1162,35 +1162,35 @@
           <a:p>
             <a:pPr lvl="0"/>
             <a:r>
-              <a:rPr lang="en-US" smtClean="0"/>
+              <a:rPr lang="en-US"/>
               <a:t>Click to edit Master text styles</a:t>
             </a:r>
           </a:p>
           <a:p>
             <a:pPr lvl="1"/>
             <a:r>
-              <a:rPr lang="en-US" smtClean="0"/>
+              <a:rPr lang="en-US"/>
               <a:t>Second level</a:t>
             </a:r>
           </a:p>
           <a:p>
             <a:pPr lvl="2"/>
             <a:r>
-              <a:rPr lang="en-US" smtClean="0"/>
+              <a:rPr lang="en-US"/>
               <a:t>Third level</a:t>
             </a:r>
           </a:p>
           <a:p>
             <a:pPr lvl="3"/>
             <a:r>
-              <a:rPr lang="en-US" smtClean="0"/>
+              <a:rPr lang="en-US"/>
               <a:t>Fourth level</a:t>
             </a:r>
           </a:p>
           <a:p>
             <a:pPr lvl="4"/>
             <a:r>
-              <a:rPr lang="en-US" smtClean="0"/>
+              <a:rPr lang="en-US"/>
               <a:t>Fifth level</a:t>
             </a:r>
             <a:endParaRPr lang="en-US" dirty="0"/>
@@ -1214,7 +1214,7 @@
           <a:p>
             <a:fld id="{C437F6A3-4B0E-974E-8C94-07C070FFF74A}" type="datetimeFigureOut">
               <a:rPr lang="en-US" smtClean="0"/>
-              <a:t>2/6/18</a:t>
+              <a:t>5/17/18</a:t>
             </a:fld>
             <a:endParaRPr lang="en-US"/>
           </a:p>
@@ -1308,7 +1308,7 @@
           <a:lstStyle/>
           <a:p>
             <a:r>
-              <a:rPr lang="en-US" smtClean="0"/>
+              <a:rPr lang="en-US"/>
               <a:t>Click to edit Master title style</a:t>
             </a:r>
             <a:endParaRPr lang="en-US" dirty="0"/>
@@ -1374,7 +1374,7 @@
           <a:p>
             <a:pPr lvl="0"/>
             <a:r>
-              <a:rPr lang="en-US" smtClean="0"/>
+              <a:rPr lang="en-US"/>
               <a:t>Click to edit Master text styles</a:t>
             </a:r>
           </a:p>
@@ -1402,35 +1402,35 @@
           <a:p>
             <a:pPr lvl="0"/>
             <a:r>
-              <a:rPr lang="en-US" smtClean="0"/>
+              <a:rPr lang="en-US"/>
               <a:t>Click to edit Master text styles</a:t>
             </a:r>
           </a:p>
           <a:p>
             <a:pPr lvl="1"/>
             <a:r>
-              <a:rPr lang="en-US" smtClean="0"/>
+              <a:rPr lang="en-US"/>
               <a:t>Second level</a:t>
             </a:r>
           </a:p>
           <a:p>
             <a:pPr lvl="2"/>
             <a:r>
-              <a:rPr lang="en-US" smtClean="0"/>
+              <a:rPr lang="en-US"/>
               <a:t>Third level</a:t>
             </a:r>
           </a:p>
           <a:p>
             <a:pPr lvl="3"/>
             <a:r>
-              <a:rPr lang="en-US" smtClean="0"/>
+              <a:rPr lang="en-US"/>
               <a:t>Fourth level</a:t>
             </a:r>
           </a:p>
           <a:p>
             <a:pPr lvl="4"/>
             <a:r>
-              <a:rPr lang="en-US" smtClean="0"/>
+              <a:rPr lang="en-US"/>
               <a:t>Fifth level</a:t>
             </a:r>
             <a:endParaRPr lang="en-US" dirty="0"/>
@@ -1496,7 +1496,7 @@
           <a:p>
             <a:pPr lvl="0"/>
             <a:r>
-              <a:rPr lang="en-US" smtClean="0"/>
+              <a:rPr lang="en-US"/>
               <a:t>Click to edit Master text styles</a:t>
             </a:r>
           </a:p>
@@ -1524,35 +1524,35 @@
           <a:p>
             <a:pPr lvl="0"/>
             <a:r>
-              <a:rPr lang="en-US" smtClean="0"/>
+              <a:rPr lang="en-US"/>
               <a:t>Click to edit Master text styles</a:t>
             </a:r>
           </a:p>
           <a:p>
             <a:pPr lvl="1"/>
             <a:r>
-              <a:rPr lang="en-US" smtClean="0"/>
+              <a:rPr lang="en-US"/>
               <a:t>Second level</a:t>
             </a:r>
           </a:p>
           <a:p>
             <a:pPr lvl="2"/>
             <a:r>
-              <a:rPr lang="en-US" smtClean="0"/>
+              <a:rPr lang="en-US"/>
               <a:t>Third level</a:t>
             </a:r>
           </a:p>
           <a:p>
             <a:pPr lvl="3"/>
             <a:r>
-              <a:rPr lang="en-US" smtClean="0"/>
+              <a:rPr lang="en-US"/>
               <a:t>Fourth level</a:t>
             </a:r>
           </a:p>
           <a:p>
             <a:pPr lvl="4"/>
             <a:r>
-              <a:rPr lang="en-US" smtClean="0"/>
+              <a:rPr lang="en-US"/>
               <a:t>Fifth level</a:t>
             </a:r>
             <a:endParaRPr lang="en-US" dirty="0"/>
@@ -1576,7 +1576,7 @@
           <a:p>
             <a:fld id="{C437F6A3-4B0E-974E-8C94-07C070FFF74A}" type="datetimeFigureOut">
               <a:rPr lang="en-US" smtClean="0"/>
-              <a:t>2/6/18</a:t>
+              <a:t>5/17/18</a:t>
             </a:fld>
             <a:endParaRPr lang="en-US"/>
           </a:p>
@@ -1665,7 +1665,7 @@
           <a:lstStyle/>
           <a:p>
             <a:r>
-              <a:rPr lang="en-US" smtClean="0"/>
+              <a:rPr lang="en-US"/>
               <a:t>Click to edit Master title style</a:t>
             </a:r>
             <a:endParaRPr lang="en-US" dirty="0"/>
@@ -1689,7 +1689,7 @@
           <a:p>
             <a:fld id="{C437F6A3-4B0E-974E-8C94-07C070FFF74A}" type="datetimeFigureOut">
               <a:rPr lang="en-US" smtClean="0"/>
-              <a:t>2/6/18</a:t>
+              <a:t>5/17/18</a:t>
             </a:fld>
             <a:endParaRPr lang="en-US"/>
           </a:p>
@@ -1779,7 +1779,7 @@
           <a:p>
             <a:fld id="{C437F6A3-4B0E-974E-8C94-07C070FFF74A}" type="datetimeFigureOut">
               <a:rPr lang="en-US" smtClean="0"/>
-              <a:t>2/6/18</a:t>
+              <a:t>5/17/18</a:t>
             </a:fld>
             <a:endParaRPr lang="en-US"/>
           </a:p>
@@ -1877,7 +1877,7 @@
           </a:lstStyle>
           <a:p>
             <a:r>
-              <a:rPr lang="en-US" smtClean="0"/>
+              <a:rPr lang="en-US"/>
               <a:t>Click to edit Master title style</a:t>
             </a:r>
             <a:endParaRPr lang="en-US" dirty="0"/>
@@ -1934,35 +1934,35 @@
           <a:p>
             <a:pPr lvl="0"/>
             <a:r>
-              <a:rPr lang="en-US" smtClean="0"/>
+              <a:rPr lang="en-US"/>
               <a:t>Click to edit Master text styles</a:t>
             </a:r>
           </a:p>
           <a:p>
             <a:pPr lvl="1"/>
             <a:r>
-              <a:rPr lang="en-US" smtClean="0"/>
+              <a:rPr lang="en-US"/>
               <a:t>Second level</a:t>
             </a:r>
           </a:p>
           <a:p>
             <a:pPr lvl="2"/>
             <a:r>
-              <a:rPr lang="en-US" smtClean="0"/>
+              <a:rPr lang="en-US"/>
               <a:t>Third level</a:t>
             </a:r>
           </a:p>
           <a:p>
             <a:pPr lvl="3"/>
             <a:r>
-              <a:rPr lang="en-US" smtClean="0"/>
+              <a:rPr lang="en-US"/>
               <a:t>Fourth level</a:t>
             </a:r>
           </a:p>
           <a:p>
             <a:pPr lvl="4"/>
             <a:r>
-              <a:rPr lang="en-US" smtClean="0"/>
+              <a:rPr lang="en-US"/>
               <a:t>Fifth level</a:t>
             </a:r>
             <a:endParaRPr lang="en-US" dirty="0"/>
@@ -2028,7 +2028,7 @@
           <a:p>
             <a:pPr lvl="0"/>
             <a:r>
-              <a:rPr lang="en-US" smtClean="0"/>
+              <a:rPr lang="en-US"/>
               <a:t>Click to edit Master text styles</a:t>
             </a:r>
           </a:p>
@@ -2051,7 +2051,7 @@
           <a:p>
             <a:fld id="{C437F6A3-4B0E-974E-8C94-07C070FFF74A}" type="datetimeFigureOut">
               <a:rPr lang="en-US" smtClean="0"/>
-              <a:t>2/6/18</a:t>
+              <a:t>5/17/18</a:t>
             </a:fld>
             <a:endParaRPr lang="en-US"/>
           </a:p>
@@ -2149,7 +2149,7 @@
           </a:lstStyle>
           <a:p>
             <a:r>
-              <a:rPr lang="en-US" smtClean="0"/>
+              <a:rPr lang="en-US"/>
               <a:t>Click to edit Master title style</a:t>
             </a:r>
             <a:endParaRPr lang="en-US" dirty="0"/>
@@ -2214,7 +2214,7 @@
           </a:lstStyle>
           <a:p>
             <a:r>
-              <a:rPr lang="en-US" smtClean="0"/>
+              <a:rPr lang="en-US"/>
               <a:t>Drag picture to placeholder or click icon to add</a:t>
             </a:r>
             <a:endParaRPr lang="en-US" dirty="0"/>
@@ -2280,7 +2280,7 @@
           <a:p>
             <a:pPr lvl="0"/>
             <a:r>
-              <a:rPr lang="en-US" smtClean="0"/>
+              <a:rPr lang="en-US"/>
               <a:t>Click to edit Master text styles</a:t>
             </a:r>
           </a:p>
@@ -2303,7 +2303,7 @@
           <a:p>
             <a:fld id="{C437F6A3-4B0E-974E-8C94-07C070FFF74A}" type="datetimeFigureOut">
               <a:rPr lang="en-US" smtClean="0"/>
-              <a:t>2/6/18</a:t>
+              <a:t>5/17/18</a:t>
             </a:fld>
             <a:endParaRPr lang="en-US"/>
           </a:p>
@@ -2407,7 +2407,7 @@
           <a:lstStyle/>
           <a:p>
             <a:r>
-              <a:rPr lang="en-US" smtClean="0"/>
+              <a:rPr lang="en-US"/>
               <a:t>Click to edit Master title style</a:t>
             </a:r>
             <a:endParaRPr lang="en-US" dirty="0"/>
@@ -2441,35 +2441,35 @@
           <a:p>
             <a:pPr lvl="0"/>
             <a:r>
-              <a:rPr lang="en-US" smtClean="0"/>
+              <a:rPr lang="en-US"/>
               <a:t>Click to edit Master text styles</a:t>
             </a:r>
           </a:p>
           <a:p>
             <a:pPr lvl="1"/>
             <a:r>
-              <a:rPr lang="en-US" smtClean="0"/>
+              <a:rPr lang="en-US"/>
               <a:t>Second level</a:t>
             </a:r>
           </a:p>
           <a:p>
             <a:pPr lvl="2"/>
             <a:r>
-              <a:rPr lang="en-US" smtClean="0"/>
+              <a:rPr lang="en-US"/>
               <a:t>Third level</a:t>
             </a:r>
           </a:p>
           <a:p>
             <a:pPr lvl="3"/>
             <a:r>
-              <a:rPr lang="en-US" smtClean="0"/>
+              <a:rPr lang="en-US"/>
               <a:t>Fourth level</a:t>
             </a:r>
           </a:p>
           <a:p>
             <a:pPr lvl="4"/>
             <a:r>
-              <a:rPr lang="en-US" smtClean="0"/>
+              <a:rPr lang="en-US"/>
               <a:t>Fifth level</a:t>
             </a:r>
             <a:endParaRPr lang="en-US" dirty="0"/>
@@ -2511,7 +2511,7 @@
           <a:p>
             <a:fld id="{C437F6A3-4B0E-974E-8C94-07C070FFF74A}" type="datetimeFigureOut">
               <a:rPr lang="en-US" smtClean="0"/>
-              <a:t>2/6/18</a:t>
+              <a:t>5/17/18</a:t>
             </a:fld>
             <a:endParaRPr lang="en-US"/>
           </a:p>
@@ -2924,22 +2924,72 @@
         </p:nvGrpSpPr>
         <p:grpSpPr>
           <a:xfrm>
-            <a:off x="2052779" y="31955"/>
-            <a:ext cx="2566448" cy="1260000"/>
+            <a:off x="1983203" y="64994"/>
+            <a:ext cx="2781287" cy="1260000"/>
             <a:chOff x="2722321" y="136068"/>
-            <a:chExt cx="2566448" cy="1260000"/>
+            <a:chExt cx="2781287" cy="1260000"/>
           </a:xfrm>
         </p:grpSpPr>
         <p:sp>
           <p:nvSpPr>
-            <p:cNvPr id="320" name="Rounded Rectangle 319"/>
+            <p:cNvPr id="368" name="Rounded Rectangle 367"/>
             <p:cNvSpPr/>
             <p:nvPr/>
           </p:nvSpPr>
           <p:spPr>
             <a:xfrm>
-              <a:off x="3748321" y="185106"/>
-              <a:ext cx="396153" cy="745099"/>
+              <a:off x="4199263" y="1059497"/>
+              <a:ext cx="396153" cy="254813"/>
+            </a:xfrm>
+            <a:prstGeom prst="roundRect">
+              <a:avLst>
+                <a:gd name="adj" fmla="val 23718"/>
+              </a:avLst>
+            </a:prstGeom>
+            <a:solidFill>
+              <a:srgbClr val="00B050">
+                <a:alpha val="30000"/>
+              </a:srgbClr>
+            </a:solidFill>
+            <a:ln>
+              <a:noFill/>
+            </a:ln>
+          </p:spPr>
+          <p:style>
+            <a:lnRef idx="2">
+              <a:schemeClr val="accent1">
+                <a:shade val="50000"/>
+              </a:schemeClr>
+            </a:lnRef>
+            <a:fillRef idx="1">
+              <a:schemeClr val="accent1"/>
+            </a:fillRef>
+            <a:effectRef idx="0">
+              <a:schemeClr val="accent1"/>
+            </a:effectRef>
+            <a:fontRef idx="minor">
+              <a:schemeClr val="lt1"/>
+            </a:fontRef>
+          </p:style>
+          <p:txBody>
+            <a:bodyPr rtlCol="0" anchor="ctr"/>
+            <a:lstStyle/>
+            <a:p>
+              <a:pPr algn="ctr"/>
+              <a:endParaRPr lang="en-US" sz="389"/>
+            </a:p>
+          </p:txBody>
+        </p:sp>
+        <p:sp>
+          <p:nvSpPr>
+            <p:cNvPr id="369" name="Rounded Rectangle 368"/>
+            <p:cNvSpPr/>
+            <p:nvPr/>
+          </p:nvSpPr>
+          <p:spPr>
+            <a:xfrm>
+              <a:off x="3748321" y="1059495"/>
+              <a:ext cx="396153" cy="254815"/>
             </a:xfrm>
             <a:prstGeom prst="roundRect">
               <a:avLst>
@@ -2976,78 +3026,20 @@
             <a:lstStyle/>
             <a:p>
               <a:pPr algn="ctr"/>
-              <a:endParaRPr lang="en-US" sz="389" dirty="0"/>
+              <a:endParaRPr lang="en-US" sz="389"/>
             </a:p>
           </p:txBody>
         </p:sp>
         <p:sp>
           <p:nvSpPr>
-            <p:cNvPr id="321" name="TextBox 320"/>
-            <p:cNvSpPr txBox="1"/>
+            <p:cNvPr id="367" name="Rounded Rectangle 366"/>
+            <p:cNvSpPr/>
             <p:nvPr/>
           </p:nvSpPr>
           <p:spPr>
             <a:xfrm>
-              <a:off x="3694321" y="703455"/>
-              <a:ext cx="296876" cy="240066"/>
-            </a:xfrm>
-            <a:prstGeom prst="rect">
-              <a:avLst/>
-            </a:prstGeom>
-            <a:noFill/>
-          </p:spPr>
-          <p:txBody>
-            <a:bodyPr wrap="none" rtlCol="0">
-              <a:spAutoFit/>
-            </a:bodyPr>
-            <a:lstStyle/>
-            <a:p>
-              <a:r>
-                <a:rPr lang="en-US" sz="960" b="1" dirty="0"/>
-                <a:t>W</a:t>
-              </a:r>
-            </a:p>
-          </p:txBody>
-        </p:sp>
-        <p:sp>
-          <p:nvSpPr>
-            <p:cNvPr id="322" name="TextBox 321"/>
-            <p:cNvSpPr txBox="1"/>
-            <p:nvPr/>
-          </p:nvSpPr>
-          <p:spPr>
-            <a:xfrm>
-              <a:off x="3928321" y="700306"/>
-              <a:ext cx="243978" cy="241200"/>
-            </a:xfrm>
-            <a:prstGeom prst="rect">
-              <a:avLst/>
-            </a:prstGeom>
-            <a:noFill/>
-          </p:spPr>
-          <p:txBody>
-            <a:bodyPr wrap="none" rtlCol="0">
-              <a:spAutoFit/>
-            </a:bodyPr>
-            <a:lstStyle/>
-            <a:p>
-              <a:r>
-                <a:rPr lang="en-US" sz="960" b="1" dirty="0"/>
-                <a:t>Z</a:t>
-              </a:r>
-            </a:p>
-          </p:txBody>
-        </p:sp>
-        <p:sp>
-          <p:nvSpPr>
-            <p:cNvPr id="323" name="Rounded Rectangle 322"/>
-            <p:cNvSpPr/>
-            <p:nvPr/>
-          </p:nvSpPr>
-          <p:spPr>
-            <a:xfrm>
-              <a:off x="3172321" y="185107"/>
-              <a:ext cx="396153" cy="745098"/>
+              <a:off x="3162247" y="1059498"/>
+              <a:ext cx="396153" cy="251432"/>
             </a:xfrm>
             <a:prstGeom prst="roundRect">
               <a:avLst>
@@ -3090,14 +3082,14 @@
         </p:sp>
         <p:sp>
           <p:nvSpPr>
-            <p:cNvPr id="324" name="Rounded Rectangle 323"/>
+            <p:cNvPr id="366" name="Rounded Rectangle 365"/>
             <p:cNvSpPr/>
             <p:nvPr/>
           </p:nvSpPr>
           <p:spPr>
             <a:xfrm>
-              <a:off x="2722321" y="185107"/>
-              <a:ext cx="396153" cy="745099"/>
+              <a:off x="2726138" y="1059497"/>
+              <a:ext cx="396153" cy="254814"/>
             </a:xfrm>
             <a:prstGeom prst="roundRect">
               <a:avLst>
@@ -3140,14 +3132,64 @@
         </p:sp>
         <p:sp>
           <p:nvSpPr>
-            <p:cNvPr id="325" name="TextBox 324"/>
+            <p:cNvPr id="320" name="Rounded Rectangle 319"/>
+            <p:cNvSpPr/>
+            <p:nvPr/>
+          </p:nvSpPr>
+          <p:spPr>
+            <a:xfrm>
+              <a:off x="3748321" y="185106"/>
+              <a:ext cx="396153" cy="745099"/>
+            </a:xfrm>
+            <a:prstGeom prst="roundRect">
+              <a:avLst>
+                <a:gd name="adj" fmla="val 23718"/>
+              </a:avLst>
+            </a:prstGeom>
+            <a:solidFill>
+              <a:srgbClr val="7030A0">
+                <a:alpha val="30000"/>
+              </a:srgbClr>
+            </a:solidFill>
+            <a:ln>
+              <a:noFill/>
+            </a:ln>
+          </p:spPr>
+          <p:style>
+            <a:lnRef idx="2">
+              <a:schemeClr val="accent1">
+                <a:shade val="50000"/>
+              </a:schemeClr>
+            </a:lnRef>
+            <a:fillRef idx="1">
+              <a:schemeClr val="accent1"/>
+            </a:fillRef>
+            <a:effectRef idx="0">
+              <a:schemeClr val="accent1"/>
+            </a:effectRef>
+            <a:fontRef idx="minor">
+              <a:schemeClr val="lt1"/>
+            </a:fontRef>
+          </p:style>
+          <p:txBody>
+            <a:bodyPr rtlCol="0" anchor="ctr"/>
+            <a:lstStyle/>
+            <a:p>
+              <a:pPr algn="ctr"/>
+              <a:endParaRPr lang="en-US" sz="389" dirty="0"/>
+            </a:p>
+          </p:txBody>
+        </p:sp>
+        <p:sp>
+          <p:nvSpPr>
+            <p:cNvPr id="321" name="TextBox 320"/>
             <p:cNvSpPr txBox="1"/>
             <p:nvPr/>
           </p:nvSpPr>
           <p:spPr>
             <a:xfrm>
-              <a:off x="3215521" y="186468"/>
-              <a:ext cx="308098" cy="240066"/>
+              <a:off x="3694321" y="703455"/>
+              <a:ext cx="301686" cy="246221"/>
             </a:xfrm>
             <a:prstGeom prst="rect">
               <a:avLst/>
@@ -3161,7 +3203,165 @@
             <a:lstStyle/>
             <a:p>
               <a:r>
-                <a:rPr lang="en-US" sz="960" b="1" dirty="0"/>
+                <a:rPr lang="en-US" sz="1000" b="1" dirty="0"/>
+                <a:t>W</a:t>
+              </a:r>
+            </a:p>
+          </p:txBody>
+        </p:sp>
+        <p:sp>
+          <p:nvSpPr>
+            <p:cNvPr id="322" name="TextBox 321"/>
+            <p:cNvSpPr txBox="1"/>
+            <p:nvPr/>
+          </p:nvSpPr>
+          <p:spPr>
+            <a:xfrm>
+              <a:off x="3928321" y="700306"/>
+              <a:ext cx="245580" cy="246221"/>
+            </a:xfrm>
+            <a:prstGeom prst="rect">
+              <a:avLst/>
+            </a:prstGeom>
+            <a:noFill/>
+          </p:spPr>
+          <p:txBody>
+            <a:bodyPr wrap="none" rtlCol="0">
+              <a:spAutoFit/>
+            </a:bodyPr>
+            <a:lstStyle/>
+            <a:p>
+              <a:r>
+                <a:rPr lang="en-US" sz="1000" b="1" dirty="0"/>
+                <a:t>Z</a:t>
+              </a:r>
+            </a:p>
+          </p:txBody>
+        </p:sp>
+        <p:sp>
+          <p:nvSpPr>
+            <p:cNvPr id="323" name="Rounded Rectangle 322"/>
+            <p:cNvSpPr/>
+            <p:nvPr/>
+          </p:nvSpPr>
+          <p:spPr>
+            <a:xfrm>
+              <a:off x="3172321" y="185107"/>
+              <a:ext cx="396153" cy="745098"/>
+            </a:xfrm>
+            <a:prstGeom prst="roundRect">
+              <a:avLst>
+                <a:gd name="adj" fmla="val 23718"/>
+              </a:avLst>
+            </a:prstGeom>
+            <a:solidFill>
+              <a:srgbClr val="00B050">
+                <a:alpha val="30000"/>
+              </a:srgbClr>
+            </a:solidFill>
+            <a:ln>
+              <a:noFill/>
+            </a:ln>
+          </p:spPr>
+          <p:style>
+            <a:lnRef idx="2">
+              <a:schemeClr val="accent1">
+                <a:shade val="50000"/>
+              </a:schemeClr>
+            </a:lnRef>
+            <a:fillRef idx="1">
+              <a:schemeClr val="accent1"/>
+            </a:fillRef>
+            <a:effectRef idx="0">
+              <a:schemeClr val="accent1"/>
+            </a:effectRef>
+            <a:fontRef idx="minor">
+              <a:schemeClr val="lt1"/>
+            </a:fontRef>
+          </p:style>
+          <p:txBody>
+            <a:bodyPr rtlCol="0" anchor="ctr"/>
+            <a:lstStyle/>
+            <a:p>
+              <a:pPr algn="ctr"/>
+              <a:endParaRPr lang="en-US" sz="389"/>
+            </a:p>
+          </p:txBody>
+        </p:sp>
+        <p:sp>
+          <p:nvSpPr>
+            <p:cNvPr id="324" name="Rounded Rectangle 323"/>
+            <p:cNvSpPr/>
+            <p:nvPr/>
+          </p:nvSpPr>
+          <p:spPr>
+            <a:xfrm>
+              <a:off x="2722321" y="185107"/>
+              <a:ext cx="396153" cy="745099"/>
+            </a:xfrm>
+            <a:prstGeom prst="roundRect">
+              <a:avLst>
+                <a:gd name="adj" fmla="val 23718"/>
+              </a:avLst>
+            </a:prstGeom>
+            <a:solidFill>
+              <a:srgbClr val="7030A0">
+                <a:alpha val="30000"/>
+              </a:srgbClr>
+            </a:solidFill>
+            <a:ln>
+              <a:noFill/>
+            </a:ln>
+          </p:spPr>
+          <p:style>
+            <a:lnRef idx="2">
+              <a:schemeClr val="accent1">
+                <a:shade val="50000"/>
+              </a:schemeClr>
+            </a:lnRef>
+            <a:fillRef idx="1">
+              <a:schemeClr val="accent1"/>
+            </a:fillRef>
+            <a:effectRef idx="0">
+              <a:schemeClr val="accent1"/>
+            </a:effectRef>
+            <a:fontRef idx="minor">
+              <a:schemeClr val="lt1"/>
+            </a:fontRef>
+          </p:style>
+          <p:txBody>
+            <a:bodyPr rtlCol="0" anchor="ctr"/>
+            <a:lstStyle/>
+            <a:p>
+              <a:pPr algn="ctr"/>
+              <a:endParaRPr lang="en-US" sz="389"/>
+            </a:p>
+          </p:txBody>
+        </p:sp>
+        <p:sp>
+          <p:nvSpPr>
+            <p:cNvPr id="325" name="TextBox 324"/>
+            <p:cNvSpPr txBox="1"/>
+            <p:nvPr/>
+          </p:nvSpPr>
+          <p:spPr>
+            <a:xfrm>
+              <a:off x="3215521" y="186468"/>
+              <a:ext cx="312906" cy="246221"/>
+            </a:xfrm>
+            <a:prstGeom prst="rect">
+              <a:avLst/>
+            </a:prstGeom>
+            <a:noFill/>
+          </p:spPr>
+          <p:txBody>
+            <a:bodyPr wrap="none" rtlCol="0">
+              <a:spAutoFit/>
+            </a:bodyPr>
+            <a:lstStyle/>
+            <a:p>
+              <a:r>
+                <a:rPr lang="en-US" sz="1000" b="1" dirty="0"/>
                 <a:t>♂</a:t>
               </a:r>
             </a:p>
@@ -3176,7 +3376,7 @@
           <p:spPr>
             <a:xfrm>
               <a:off x="2765521" y="185107"/>
-              <a:ext cx="308098" cy="240066"/>
+              <a:ext cx="312906" cy="246221"/>
             </a:xfrm>
             <a:prstGeom prst="rect">
               <a:avLst/>
@@ -3190,7 +3390,7 @@
             <a:lstStyle/>
             <a:p>
               <a:r>
-                <a:rPr lang="en-US" sz="960" b="1" dirty="0"/>
+                <a:rPr lang="en-US" sz="1000" b="1" dirty="0"/>
                 <a:t>♀</a:t>
               </a:r>
             </a:p>
@@ -3205,7 +3405,7 @@
           <p:spPr>
             <a:xfrm>
               <a:off x="2761921" y="390057"/>
-              <a:ext cx="319318" cy="240066"/>
+              <a:ext cx="325730" cy="246221"/>
             </a:xfrm>
             <a:prstGeom prst="rect">
               <a:avLst/>
@@ -3219,7 +3419,7 @@
             <a:lstStyle/>
             <a:p>
               <a:r>
-                <a:rPr lang="en-US" sz="960" b="1" dirty="0"/>
+                <a:rPr lang="en-US" sz="1000" b="1" dirty="0"/>
                 <a:t>XX</a:t>
               </a:r>
             </a:p>
@@ -3234,7 +3434,7 @@
           <p:spPr>
             <a:xfrm>
               <a:off x="3211921" y="391283"/>
-              <a:ext cx="316112" cy="240066"/>
+              <a:ext cx="322524" cy="246221"/>
             </a:xfrm>
             <a:prstGeom prst="rect">
               <a:avLst/>
@@ -3248,7 +3448,7 @@
             <a:lstStyle/>
             <a:p>
               <a:r>
-                <a:rPr lang="en-US" sz="960" b="1" dirty="0"/>
+                <a:rPr lang="en-US" sz="1000" b="1" dirty="0"/>
                 <a:t>XY</a:t>
               </a:r>
             </a:p>
@@ -3263,7 +3463,7 @@
           <p:spPr>
             <a:xfrm>
               <a:off x="2794321" y="708876"/>
-              <a:ext cx="251992" cy="240066"/>
+              <a:ext cx="255198" cy="246221"/>
             </a:xfrm>
             <a:prstGeom prst="rect">
               <a:avLst/>
@@ -3277,7 +3477,7 @@
             <a:lstStyle/>
             <a:p>
               <a:r>
-                <a:rPr lang="en-US" sz="960" b="1" dirty="0"/>
+                <a:rPr lang="en-US" sz="1000" b="1" dirty="0"/>
                 <a:t>X</a:t>
               </a:r>
             </a:p>
@@ -3292,7 +3492,7 @@
           <p:spPr>
             <a:xfrm>
               <a:off x="3139921" y="708876"/>
-              <a:ext cx="251992" cy="240066"/>
+              <a:ext cx="255198" cy="246221"/>
             </a:xfrm>
             <a:prstGeom prst="rect">
               <a:avLst/>
@@ -3306,7 +3506,7 @@
             <a:lstStyle/>
             <a:p>
               <a:r>
-                <a:rPr lang="en-US" sz="960" b="1" dirty="0"/>
+                <a:rPr lang="en-US" sz="1000" b="1" dirty="0"/>
                 <a:t>X</a:t>
               </a:r>
             </a:p>
@@ -3321,7 +3521,7 @@
           <p:spPr>
             <a:xfrm>
               <a:off x="2761921" y="1065001"/>
-              <a:ext cx="319318" cy="240066"/>
+              <a:ext cx="325730" cy="246221"/>
             </a:xfrm>
             <a:prstGeom prst="rect">
               <a:avLst/>
@@ -3335,7 +3535,7 @@
             <a:lstStyle/>
             <a:p>
               <a:r>
-                <a:rPr lang="en-US" sz="960" b="1" dirty="0"/>
+                <a:rPr lang="en-US" sz="1000" b="1" dirty="0"/>
                 <a:t>XX</a:t>
               </a:r>
             </a:p>
@@ -3350,7 +3550,7 @@
           <p:spPr>
             <a:xfrm>
               <a:off x="3211131" y="1067884"/>
-              <a:ext cx="316112" cy="240066"/>
+              <a:ext cx="322524" cy="246221"/>
             </a:xfrm>
             <a:prstGeom prst="rect">
               <a:avLst/>
@@ -3364,7 +3564,7 @@
             <a:lstStyle/>
             <a:p>
               <a:r>
-                <a:rPr lang="en-US" sz="960" b="1" dirty="0"/>
+                <a:rPr lang="en-US" sz="1000" b="1" dirty="0"/>
                 <a:t>XY</a:t>
               </a:r>
             </a:p>
@@ -3512,7 +3712,7 @@
           <p:spPr>
             <a:xfrm>
               <a:off x="4248721" y="185106"/>
-              <a:ext cx="308098" cy="240066"/>
+              <a:ext cx="312906" cy="246221"/>
             </a:xfrm>
             <a:prstGeom prst="rect">
               <a:avLst/>
@@ -3526,7 +3726,7 @@
             <a:lstStyle/>
             <a:p>
               <a:r>
-                <a:rPr lang="en-US" sz="960" b="1" dirty="0"/>
+                <a:rPr lang="en-US" sz="1000" b="1" dirty="0"/>
                 <a:t>♂</a:t>
               </a:r>
             </a:p>
@@ -3541,7 +3741,7 @@
           <p:spPr>
             <a:xfrm>
               <a:off x="3791521" y="185107"/>
-              <a:ext cx="308098" cy="240066"/>
+              <a:ext cx="312906" cy="246221"/>
             </a:xfrm>
             <a:prstGeom prst="rect">
               <a:avLst/>
@@ -3555,7 +3755,7 @@
             <a:lstStyle/>
             <a:p>
               <a:r>
-                <a:rPr lang="en-US" sz="960" b="1" dirty="0"/>
+                <a:rPr lang="en-US" sz="1000" b="1" dirty="0"/>
                 <a:t>♀</a:t>
               </a:r>
             </a:p>
@@ -3570,7 +3770,7 @@
           <p:spPr>
             <a:xfrm>
               <a:off x="3769921" y="390056"/>
-              <a:ext cx="356188" cy="240066"/>
+              <a:ext cx="362600" cy="246221"/>
             </a:xfrm>
             <a:prstGeom prst="rect">
               <a:avLst/>
@@ -3584,7 +3784,7 @@
             <a:lstStyle/>
             <a:p>
               <a:r>
-                <a:rPr lang="en-US" sz="960" b="1" dirty="0"/>
+                <a:rPr lang="en-US" sz="1000" b="1" dirty="0"/>
                 <a:t>ZW</a:t>
               </a:r>
             </a:p>
@@ -3599,7 +3799,7 @@
           <p:spPr>
             <a:xfrm>
               <a:off x="4252402" y="391281"/>
-              <a:ext cx="303288" cy="240066"/>
+              <a:ext cx="306494" cy="246221"/>
             </a:xfrm>
             <a:prstGeom prst="rect">
               <a:avLst/>
@@ -3613,7 +3813,7 @@
             <a:lstStyle/>
             <a:p>
               <a:r>
-                <a:rPr lang="en-US" sz="960" b="1" dirty="0"/>
+                <a:rPr lang="en-US" sz="1000" b="1" dirty="0"/>
                 <a:t>ZZ</a:t>
               </a:r>
             </a:p>
@@ -3628,7 +3828,7 @@
           <p:spPr>
             <a:xfrm>
               <a:off x="3771877" y="1070863"/>
-              <a:ext cx="356188" cy="240066"/>
+              <a:ext cx="362600" cy="246221"/>
             </a:xfrm>
             <a:prstGeom prst="rect">
               <a:avLst/>
@@ -3642,7 +3842,7 @@
             <a:lstStyle/>
             <a:p>
               <a:r>
-                <a:rPr lang="en-US" sz="960" b="1" dirty="0"/>
+                <a:rPr lang="en-US" sz="1000" b="1" dirty="0"/>
                 <a:t>ZW</a:t>
               </a:r>
             </a:p>
@@ -3657,7 +3857,7 @@
           <p:spPr>
             <a:xfrm>
               <a:off x="4252402" y="1076766"/>
-              <a:ext cx="303288" cy="240066"/>
+              <a:ext cx="306494" cy="246221"/>
             </a:xfrm>
             <a:prstGeom prst="rect">
               <a:avLst/>
@@ -3671,7 +3871,7 @@
             <a:lstStyle/>
             <a:p>
               <a:r>
-                <a:rPr lang="en-US" sz="960" b="1" dirty="0"/>
+                <a:rPr lang="en-US" sz="1000" b="1" dirty="0"/>
                 <a:t>ZZ</a:t>
               </a:r>
             </a:p>
@@ -3866,7 +4066,7 @@
           <p:spPr>
             <a:xfrm>
               <a:off x="4274488" y="683750"/>
-              <a:ext cx="243978" cy="240066"/>
+              <a:ext cx="245580" cy="246221"/>
             </a:xfrm>
             <a:prstGeom prst="rect">
               <a:avLst/>
@@ -3880,7 +4080,7 @@
             <a:lstStyle/>
             <a:p>
               <a:r>
-                <a:rPr lang="en-US" sz="960" b="1" dirty="0"/>
+                <a:rPr lang="en-US" sz="1000" b="1" dirty="0"/>
                 <a:t>Z</a:t>
               </a:r>
             </a:p>
@@ -4002,8 +4202,8 @@
           </p:nvSpPr>
           <p:spPr>
             <a:xfrm>
-              <a:off x="4579584" y="400398"/>
-              <a:ext cx="678391" cy="200055"/>
+              <a:off x="4570339" y="381181"/>
+              <a:ext cx="862737" cy="240066"/>
             </a:xfrm>
             <a:prstGeom prst="rect">
               <a:avLst/>
@@ -4017,7 +4217,7 @@
             <a:lstStyle/>
             <a:p>
               <a:r>
-                <a:rPr lang="en-US" sz="700" dirty="0"/>
+                <a:rPr lang="en-US" sz="960" dirty="0"/>
                 <a:t>diploid adults</a:t>
               </a:r>
             </a:p>
@@ -4031,8 +4231,8 @@
           </p:nvSpPr>
           <p:spPr>
             <a:xfrm>
-              <a:off x="4579921" y="683750"/>
-              <a:ext cx="708848" cy="307777"/>
+              <a:off x="4570339" y="596075"/>
+              <a:ext cx="933269" cy="400110"/>
             </a:xfrm>
             <a:prstGeom prst="rect">
               <a:avLst/>
@@ -4046,13 +4246,13 @@
             <a:lstStyle/>
             <a:p>
               <a:r>
-                <a:rPr lang="en-US" sz="700" dirty="0"/>
+                <a:rPr lang="en-US" sz="1000" dirty="0"/>
                 <a:t>gametes/</a:t>
               </a:r>
             </a:p>
             <a:p>
               <a:r>
-                <a:rPr lang="en-US" sz="700" dirty="0"/>
+                <a:rPr lang="en-US" sz="1000" dirty="0"/>
                 <a:t>gametophytes</a:t>
               </a:r>
             </a:p>
@@ -4066,8 +4266,8 @@
           </p:nvSpPr>
           <p:spPr>
             <a:xfrm>
-              <a:off x="4578259" y="1073598"/>
-              <a:ext cx="460382" cy="200055"/>
+              <a:off x="4569642" y="1051829"/>
+              <a:ext cx="579005" cy="246221"/>
             </a:xfrm>
             <a:prstGeom prst="rect">
               <a:avLst/>
@@ -4081,7 +4281,7 @@
             <a:lstStyle/>
             <a:p>
               <a:r>
-                <a:rPr lang="en-US" sz="700" dirty="0"/>
+                <a:rPr lang="en-US" sz="1000" dirty="0"/>
                 <a:t>zygotes</a:t>
               </a:r>
             </a:p>
@@ -4132,7 +4332,7 @@
           <p:spPr>
             <a:xfrm>
               <a:off x="3355921" y="703032"/>
-              <a:ext cx="248786" cy="240066"/>
+              <a:ext cx="251992" cy="246221"/>
             </a:xfrm>
             <a:prstGeom prst="rect">
               <a:avLst/>
@@ -4146,7 +4346,7 @@
             <a:lstStyle/>
             <a:p>
               <a:r>
-                <a:rPr lang="en-US" sz="960" b="1" dirty="0"/>
+                <a:rPr lang="en-US" sz="1000" b="1" dirty="0"/>
                 <a:t>Y</a:t>
               </a:r>
             </a:p>
@@ -4523,206 +4723,6 @@
             </a:fontRef>
           </p:style>
         </p:cxnSp>
-        <p:sp>
-          <p:nvSpPr>
-            <p:cNvPr id="366" name="Rounded Rectangle 365"/>
-            <p:cNvSpPr/>
-            <p:nvPr/>
-          </p:nvSpPr>
-          <p:spPr>
-            <a:xfrm>
-              <a:off x="2726138" y="1059497"/>
-              <a:ext cx="396153" cy="254814"/>
-            </a:xfrm>
-            <a:prstGeom prst="roundRect">
-              <a:avLst>
-                <a:gd name="adj" fmla="val 23718"/>
-              </a:avLst>
-            </a:prstGeom>
-            <a:solidFill>
-              <a:srgbClr val="7030A0">
-                <a:alpha val="30000"/>
-              </a:srgbClr>
-            </a:solidFill>
-            <a:ln>
-              <a:noFill/>
-            </a:ln>
-          </p:spPr>
-          <p:style>
-            <a:lnRef idx="2">
-              <a:schemeClr val="accent1">
-                <a:shade val="50000"/>
-              </a:schemeClr>
-            </a:lnRef>
-            <a:fillRef idx="1">
-              <a:schemeClr val="accent1"/>
-            </a:fillRef>
-            <a:effectRef idx="0">
-              <a:schemeClr val="accent1"/>
-            </a:effectRef>
-            <a:fontRef idx="minor">
-              <a:schemeClr val="lt1"/>
-            </a:fontRef>
-          </p:style>
-          <p:txBody>
-            <a:bodyPr rtlCol="0" anchor="ctr"/>
-            <a:lstStyle/>
-            <a:p>
-              <a:pPr algn="ctr"/>
-              <a:endParaRPr lang="en-US" sz="389"/>
-            </a:p>
-          </p:txBody>
-        </p:sp>
-        <p:sp>
-          <p:nvSpPr>
-            <p:cNvPr id="367" name="Rounded Rectangle 366"/>
-            <p:cNvSpPr/>
-            <p:nvPr/>
-          </p:nvSpPr>
-          <p:spPr>
-            <a:xfrm>
-              <a:off x="3162247" y="1059498"/>
-              <a:ext cx="396153" cy="251432"/>
-            </a:xfrm>
-            <a:prstGeom prst="roundRect">
-              <a:avLst>
-                <a:gd name="adj" fmla="val 23718"/>
-              </a:avLst>
-            </a:prstGeom>
-            <a:solidFill>
-              <a:srgbClr val="00B050">
-                <a:alpha val="30000"/>
-              </a:srgbClr>
-            </a:solidFill>
-            <a:ln>
-              <a:noFill/>
-            </a:ln>
-          </p:spPr>
-          <p:style>
-            <a:lnRef idx="2">
-              <a:schemeClr val="accent1">
-                <a:shade val="50000"/>
-              </a:schemeClr>
-            </a:lnRef>
-            <a:fillRef idx="1">
-              <a:schemeClr val="accent1"/>
-            </a:fillRef>
-            <a:effectRef idx="0">
-              <a:schemeClr val="accent1"/>
-            </a:effectRef>
-            <a:fontRef idx="minor">
-              <a:schemeClr val="lt1"/>
-            </a:fontRef>
-          </p:style>
-          <p:txBody>
-            <a:bodyPr rtlCol="0" anchor="ctr"/>
-            <a:lstStyle/>
-            <a:p>
-              <a:pPr algn="ctr"/>
-              <a:endParaRPr lang="en-US" sz="389"/>
-            </a:p>
-          </p:txBody>
-        </p:sp>
-        <p:sp>
-          <p:nvSpPr>
-            <p:cNvPr id="368" name="Rounded Rectangle 367"/>
-            <p:cNvSpPr/>
-            <p:nvPr/>
-          </p:nvSpPr>
-          <p:spPr>
-            <a:xfrm>
-              <a:off x="4199263" y="1059497"/>
-              <a:ext cx="396153" cy="254813"/>
-            </a:xfrm>
-            <a:prstGeom prst="roundRect">
-              <a:avLst>
-                <a:gd name="adj" fmla="val 23718"/>
-              </a:avLst>
-            </a:prstGeom>
-            <a:solidFill>
-              <a:srgbClr val="00B050">
-                <a:alpha val="30000"/>
-              </a:srgbClr>
-            </a:solidFill>
-            <a:ln>
-              <a:noFill/>
-            </a:ln>
-          </p:spPr>
-          <p:style>
-            <a:lnRef idx="2">
-              <a:schemeClr val="accent1">
-                <a:shade val="50000"/>
-              </a:schemeClr>
-            </a:lnRef>
-            <a:fillRef idx="1">
-              <a:schemeClr val="accent1"/>
-            </a:fillRef>
-            <a:effectRef idx="0">
-              <a:schemeClr val="accent1"/>
-            </a:effectRef>
-            <a:fontRef idx="minor">
-              <a:schemeClr val="lt1"/>
-            </a:fontRef>
-          </p:style>
-          <p:txBody>
-            <a:bodyPr rtlCol="0" anchor="ctr"/>
-            <a:lstStyle/>
-            <a:p>
-              <a:pPr algn="ctr"/>
-              <a:endParaRPr lang="en-US" sz="389"/>
-            </a:p>
-          </p:txBody>
-        </p:sp>
-        <p:sp>
-          <p:nvSpPr>
-            <p:cNvPr id="369" name="Rounded Rectangle 368"/>
-            <p:cNvSpPr/>
-            <p:nvPr/>
-          </p:nvSpPr>
-          <p:spPr>
-            <a:xfrm>
-              <a:off x="3748321" y="1059495"/>
-              <a:ext cx="396153" cy="254815"/>
-            </a:xfrm>
-            <a:prstGeom prst="roundRect">
-              <a:avLst>
-                <a:gd name="adj" fmla="val 23718"/>
-              </a:avLst>
-            </a:prstGeom>
-            <a:solidFill>
-              <a:srgbClr val="7030A0">
-                <a:alpha val="30000"/>
-              </a:srgbClr>
-            </a:solidFill>
-            <a:ln>
-              <a:noFill/>
-            </a:ln>
-          </p:spPr>
-          <p:style>
-            <a:lnRef idx="2">
-              <a:schemeClr val="accent1">
-                <a:shade val="50000"/>
-              </a:schemeClr>
-            </a:lnRef>
-            <a:fillRef idx="1">
-              <a:schemeClr val="accent1"/>
-            </a:fillRef>
-            <a:effectRef idx="0">
-              <a:schemeClr val="accent1"/>
-            </a:effectRef>
-            <a:fontRef idx="minor">
-              <a:schemeClr val="lt1"/>
-            </a:fontRef>
-          </p:style>
-          <p:txBody>
-            <a:bodyPr rtlCol="0" anchor="ctr"/>
-            <a:lstStyle/>
-            <a:p>
-              <a:pPr algn="ctr"/>
-              <a:endParaRPr lang="en-US" sz="389"/>
-            </a:p>
-          </p:txBody>
-        </p:sp>
       </p:grpSp>
       <p:grpSp>
         <p:nvGrpSpPr>
@@ -4776,8 +4776,8 @@
           </p:nvSpPr>
           <p:spPr>
             <a:xfrm>
-              <a:off x="3528356" y="3512725"/>
-              <a:ext cx="378630" cy="246221"/>
+              <a:off x="3525952" y="3512725"/>
+              <a:ext cx="383438" cy="246221"/>
             </a:xfrm>
             <a:prstGeom prst="rect">
               <a:avLst/>
@@ -4792,8 +4792,16 @@
             <a:p>
               <a:pPr algn="ctr"/>
               <a:r>
+                <a:rPr lang="en-US" sz="1000" b="1" i="1" dirty="0"/>
+                <a:t>A</a:t>
+              </a:r>
+              <a:r>
                 <a:rPr lang="en-US" sz="1000" b="1" dirty="0"/>
-                <a:t>A/a</a:t>
+                <a:t>/</a:t>
+              </a:r>
+              <a:r>
+                <a:rPr lang="en-US" sz="1000" b="1" i="1" dirty="0"/>
+                <a:t>a</a:t>
               </a:r>
             </a:p>
           </p:txBody>
@@ -4822,8 +4830,16 @@
             <a:p>
               <a:pPr algn="ctr"/>
               <a:r>
+                <a:rPr lang="en-US" sz="1000" b="1" i="1" dirty="0"/>
+                <a:t>M</a:t>
+              </a:r>
+              <a:r>
                 <a:rPr lang="en-US" sz="1000" b="1" dirty="0"/>
-                <a:t>M/m</a:t>
+                <a:t>/</a:t>
+              </a:r>
+              <a:r>
+                <a:rPr lang="en-US" sz="1000" b="1" i="1" dirty="0"/>
+                <a:t>m</a:t>
               </a:r>
             </a:p>
           </p:txBody>
@@ -5180,10 +5196,10 @@
         </p:nvGrpSpPr>
         <p:grpSpPr>
           <a:xfrm>
-            <a:off x="95517" y="1428380"/>
-            <a:ext cx="4523710" cy="2030277"/>
-            <a:chOff x="280510" y="1501708"/>
-            <a:chExt cx="4523710" cy="2030277"/>
+            <a:off x="24984" y="1423647"/>
+            <a:ext cx="4652331" cy="2035010"/>
+            <a:chOff x="209977" y="1496975"/>
+            <a:chExt cx="4652331" cy="2035010"/>
           </a:xfrm>
         </p:grpSpPr>
         <p:sp>
@@ -5494,8 +5510,8 @@
           </p:nvSpPr>
           <p:spPr>
             <a:xfrm>
-              <a:off x="1603505" y="2447158"/>
-              <a:ext cx="409086" cy="400110"/>
+              <a:off x="1534576" y="2447158"/>
+              <a:ext cx="546945" cy="400110"/>
             </a:xfrm>
             <a:prstGeom prst="rect">
               <a:avLst/>
@@ -5511,13 +5527,17 @@
               <a:pPr algn="ctr"/>
               <a:r>
                 <a:rPr lang="en-US" sz="1000" b="1" dirty="0"/>
+                <a:t>♂</a:t>
+              </a:r>
+            </a:p>
+            <a:p>
+              <a:pPr algn="ctr"/>
+              <a:r>
+                <a:rPr lang="en-US" sz="1000" b="1" dirty="0"/>
                 <a:t>XY</a:t>
               </a:r>
-            </a:p>
-            <a:p>
-              <a:pPr algn="ctr"/>
-              <a:r>
-                <a:rPr lang="en-US" sz="1000" b="1" dirty="0"/>
+              <a:r>
+                <a:rPr lang="en-US" sz="1000" b="1" i="1" dirty="0"/>
                 <a:t>MM</a:t>
               </a:r>
             </a:p>
@@ -5581,8 +5601,8 @@
           </p:nvSpPr>
           <p:spPr>
             <a:xfrm>
-              <a:off x="1160527" y="2447396"/>
-              <a:ext cx="401072" cy="400110"/>
+              <a:off x="1091598" y="2447396"/>
+              <a:ext cx="538929" cy="400110"/>
             </a:xfrm>
             <a:prstGeom prst="rect">
               <a:avLst/>
@@ -5598,15 +5618,20 @@
               <a:pPr algn="ctr"/>
               <a:r>
                 <a:rPr lang="en-US" sz="1000" b="1" dirty="0"/>
+                <a:t>♂</a:t>
+              </a:r>
+            </a:p>
+            <a:p>
+              <a:pPr algn="ctr"/>
+              <a:r>
+                <a:rPr lang="en-US" sz="1000" b="1" dirty="0" err="1"/>
                 <a:t>XY</a:t>
               </a:r>
-            </a:p>
-            <a:p>
-              <a:pPr algn="ctr"/>
-              <a:r>
-                <a:rPr lang="en-US" sz="1000" b="1" dirty="0"/>
+              <a:r>
+                <a:rPr lang="en-US" sz="1000" b="1" i="1" dirty="0" err="1"/>
                 <a:t>Mm</a:t>
               </a:r>
+              <a:endParaRPr lang="en-US" sz="1000" b="1" i="1" dirty="0"/>
             </a:p>
           </p:txBody>
         </p:sp>
@@ -5618,8 +5643,8 @@
           </p:nvSpPr>
           <p:spPr>
             <a:xfrm>
-              <a:off x="280510" y="2441805"/>
-              <a:ext cx="409086" cy="400110"/>
+              <a:off x="209977" y="2441805"/>
+              <a:ext cx="550151" cy="400110"/>
             </a:xfrm>
             <a:prstGeom prst="rect">
               <a:avLst/>
@@ -5635,13 +5660,17 @@
               <a:pPr algn="ctr"/>
               <a:r>
                 <a:rPr lang="en-US" sz="1000" b="1" dirty="0"/>
+                <a:t>♀</a:t>
+              </a:r>
+            </a:p>
+            <a:p>
+              <a:pPr algn="ctr"/>
+              <a:r>
+                <a:rPr lang="en-US" sz="1000" b="1" dirty="0"/>
                 <a:t>XX</a:t>
               </a:r>
-            </a:p>
-            <a:p>
-              <a:pPr algn="ctr"/>
-              <a:r>
-                <a:rPr lang="en-US" sz="1000" b="1" dirty="0"/>
+              <a:r>
+                <a:rPr lang="en-US" sz="1000" b="1" i="1" dirty="0"/>
                 <a:t>MM</a:t>
               </a:r>
             </a:p>
@@ -5705,8 +5734,8 @@
           </p:nvSpPr>
           <p:spPr>
             <a:xfrm>
-              <a:off x="4384292" y="2439643"/>
-              <a:ext cx="409086" cy="400110"/>
+              <a:off x="4315363" y="2439643"/>
+              <a:ext cx="546945" cy="400110"/>
             </a:xfrm>
             <a:prstGeom prst="rect">
               <a:avLst/>
@@ -5722,13 +5751,17 @@
               <a:pPr algn="ctr"/>
               <a:r>
                 <a:rPr lang="en-US" sz="1000" b="1" dirty="0"/>
+                <a:t>♂</a:t>
+              </a:r>
+            </a:p>
+            <a:p>
+              <a:pPr algn="ctr"/>
+              <a:r>
+                <a:rPr lang="en-US" sz="1000" b="1" dirty="0"/>
                 <a:t>XY</a:t>
               </a:r>
-            </a:p>
-            <a:p>
-              <a:pPr algn="ctr"/>
-              <a:r>
-                <a:rPr lang="en-US" sz="1000" b="1" dirty="0"/>
+              <a:r>
+                <a:rPr lang="en-US" sz="1000" b="1" i="1" dirty="0"/>
                 <a:t>MM</a:t>
               </a:r>
             </a:p>
@@ -5792,8 +5825,8 @@
           </p:nvSpPr>
           <p:spPr>
             <a:xfrm>
-              <a:off x="3939600" y="2442484"/>
-              <a:ext cx="409086" cy="400110"/>
+              <a:off x="3872273" y="2442484"/>
+              <a:ext cx="543739" cy="400110"/>
             </a:xfrm>
             <a:prstGeom prst="rect">
               <a:avLst/>
@@ -5809,13 +5842,17 @@
               <a:pPr algn="ctr"/>
               <a:r>
                 <a:rPr lang="en-US" sz="1000" b="1" dirty="0"/>
+                <a:t>♂</a:t>
+              </a:r>
+            </a:p>
+            <a:p>
+              <a:pPr algn="ctr"/>
+              <a:r>
+                <a:rPr lang="en-US" sz="1000" b="1" dirty="0"/>
                 <a:t>YY</a:t>
               </a:r>
-            </a:p>
-            <a:p>
-              <a:pPr algn="ctr"/>
-              <a:r>
-                <a:rPr lang="en-US" sz="1000" b="1" dirty="0"/>
+              <a:r>
+                <a:rPr lang="en-US" sz="1000" b="1" i="1" dirty="0"/>
                 <a:t>MM</a:t>
               </a:r>
             </a:p>
@@ -5829,8 +5866,8 @@
           </p:nvSpPr>
           <p:spPr>
             <a:xfrm>
-              <a:off x="2155337" y="2447158"/>
-              <a:ext cx="409086" cy="400110"/>
+              <a:off x="2084804" y="2447158"/>
+              <a:ext cx="550151" cy="400110"/>
             </a:xfrm>
             <a:prstGeom prst="rect">
               <a:avLst/>
@@ -5846,13 +5883,17 @@
               <a:pPr algn="ctr"/>
               <a:r>
                 <a:rPr lang="en-US" sz="1000" b="1" dirty="0"/>
+                <a:t>♀</a:t>
+              </a:r>
+            </a:p>
+            <a:p>
+              <a:pPr algn="ctr"/>
+              <a:r>
+                <a:rPr lang="en-US" sz="1000" b="1" dirty="0"/>
                 <a:t>XX</a:t>
               </a:r>
-            </a:p>
-            <a:p>
-              <a:pPr algn="ctr"/>
-              <a:r>
-                <a:rPr lang="en-US" sz="1000" b="1" dirty="0"/>
+              <a:r>
+                <a:rPr lang="en-US" sz="1000" b="1" i="1" dirty="0"/>
                 <a:t>MM</a:t>
               </a:r>
             </a:p>
@@ -5866,8 +5907,8 @@
           </p:nvSpPr>
           <p:spPr>
             <a:xfrm>
-              <a:off x="2607230" y="2442247"/>
-              <a:ext cx="401072" cy="400110"/>
+              <a:off x="2536698" y="2442247"/>
+              <a:ext cx="542135" cy="400110"/>
             </a:xfrm>
             <a:prstGeom prst="rect">
               <a:avLst/>
@@ -5883,15 +5924,20 @@
               <a:pPr algn="ctr"/>
               <a:r>
                 <a:rPr lang="en-US" sz="1000" b="1" dirty="0"/>
+                <a:t>♀</a:t>
+              </a:r>
+            </a:p>
+            <a:p>
+              <a:pPr algn="ctr"/>
+              <a:r>
+                <a:rPr lang="en-US" sz="1000" b="1" dirty="0" err="1"/>
                 <a:t>XX</a:t>
               </a:r>
-            </a:p>
-            <a:p>
-              <a:pPr algn="ctr"/>
-              <a:r>
-                <a:rPr lang="en-US" sz="1000" b="1" dirty="0"/>
+              <a:r>
+                <a:rPr lang="en-US" sz="1000" b="1" i="1" dirty="0" err="1"/>
                 <a:t>Mm</a:t>
               </a:r>
+              <a:endParaRPr lang="en-US" sz="1000" b="1" i="1" dirty="0"/>
             </a:p>
           </p:txBody>
         </p:sp>
@@ -5903,8 +5949,8 @@
           </p:nvSpPr>
           <p:spPr>
             <a:xfrm>
-              <a:off x="3045615" y="2442247"/>
-              <a:ext cx="401072" cy="400110"/>
+              <a:off x="2976686" y="2442247"/>
+              <a:ext cx="538929" cy="400110"/>
             </a:xfrm>
             <a:prstGeom prst="rect">
               <a:avLst/>
@@ -5920,15 +5966,20 @@
               <a:pPr algn="ctr"/>
               <a:r>
                 <a:rPr lang="en-US" sz="1000" b="1" dirty="0"/>
+                <a:t>♀</a:t>
+              </a:r>
+            </a:p>
+            <a:p>
+              <a:pPr algn="ctr"/>
+              <a:r>
+                <a:rPr lang="en-US" sz="1000" b="1" dirty="0" err="1"/>
                 <a:t>XY</a:t>
               </a:r>
-            </a:p>
-            <a:p>
-              <a:pPr algn="ctr"/>
-              <a:r>
-                <a:rPr lang="en-US" sz="1000" b="1" dirty="0"/>
+              <a:r>
+                <a:rPr lang="en-US" sz="1000" b="1" i="1" dirty="0" err="1"/>
                 <a:t>Mm</a:t>
               </a:r>
+              <a:endParaRPr lang="en-US" sz="1000" b="1" i="1" dirty="0"/>
             </a:p>
           </p:txBody>
         </p:sp>
@@ -5940,8 +5991,8 @@
           </p:nvSpPr>
           <p:spPr>
             <a:xfrm>
-              <a:off x="3488934" y="2439643"/>
-              <a:ext cx="401072" cy="400110"/>
+              <a:off x="3421608" y="2439643"/>
+              <a:ext cx="535723" cy="400110"/>
             </a:xfrm>
             <a:prstGeom prst="rect">
               <a:avLst/>
@@ -5957,15 +6008,20 @@
               <a:pPr algn="ctr"/>
               <a:r>
                 <a:rPr lang="en-US" sz="1000" b="1" dirty="0"/>
+                <a:t>♀</a:t>
+              </a:r>
+            </a:p>
+            <a:p>
+              <a:pPr algn="ctr"/>
+              <a:r>
+                <a:rPr lang="en-US" sz="1000" b="1" dirty="0" err="1"/>
                 <a:t>YY</a:t>
               </a:r>
-            </a:p>
-            <a:p>
-              <a:pPr algn="ctr"/>
-              <a:r>
-                <a:rPr lang="en-US" sz="1000" b="1" dirty="0"/>
+              <a:r>
+                <a:rPr lang="en-US" sz="1000" b="1" i="1" dirty="0" err="1"/>
                 <a:t>Mm</a:t>
               </a:r>
+              <a:endParaRPr lang="en-US" sz="1000" b="1" i="1" dirty="0"/>
             </a:p>
           </p:txBody>
         </p:sp>
@@ -6027,8 +6083,8 @@
           </p:nvSpPr>
           <p:spPr>
             <a:xfrm>
-              <a:off x="719556" y="2442825"/>
-              <a:ext cx="401072" cy="400110"/>
+              <a:off x="649024" y="2442825"/>
+              <a:ext cx="542135" cy="400110"/>
             </a:xfrm>
             <a:prstGeom prst="rect">
               <a:avLst/>
@@ -6044,15 +6100,20 @@
               <a:pPr algn="ctr"/>
               <a:r>
                 <a:rPr lang="en-US" sz="1000" b="1" dirty="0"/>
+                <a:t>♂</a:t>
+              </a:r>
+            </a:p>
+            <a:p>
+              <a:pPr algn="ctr"/>
+              <a:r>
+                <a:rPr lang="en-US" sz="1000" b="1" dirty="0" err="1"/>
                 <a:t>XX</a:t>
               </a:r>
-            </a:p>
-            <a:p>
-              <a:pPr algn="ctr"/>
-              <a:r>
-                <a:rPr lang="en-US" sz="1000" b="1" dirty="0"/>
+              <a:r>
+                <a:rPr lang="en-US" sz="1000" b="1" i="1" dirty="0" err="1"/>
                 <a:t>Mm</a:t>
               </a:r>
+              <a:endParaRPr lang="en-US" sz="1000" b="1" i="1" dirty="0"/>
             </a:p>
           </p:txBody>
         </p:sp>
@@ -6186,8 +6247,8 @@
           </p:nvSpPr>
           <p:spPr>
             <a:xfrm>
-              <a:off x="699112" y="3131875"/>
-              <a:ext cx="409086" cy="400110"/>
+              <a:off x="628579" y="3131875"/>
+              <a:ext cx="550151" cy="400110"/>
             </a:xfrm>
             <a:prstGeom prst="rect">
               <a:avLst/>
@@ -6203,13 +6264,17 @@
               <a:pPr algn="ctr"/>
               <a:r>
                 <a:rPr lang="en-US" sz="1000" b="1" dirty="0"/>
+                <a:t>♀</a:t>
+              </a:r>
+            </a:p>
+            <a:p>
+              <a:pPr algn="ctr"/>
+              <a:r>
+                <a:rPr lang="en-US" sz="1000" b="1" dirty="0"/>
                 <a:t>XX</a:t>
               </a:r>
-            </a:p>
-            <a:p>
-              <a:pPr algn="ctr"/>
-              <a:r>
-                <a:rPr lang="en-US" sz="1000" b="1" dirty="0"/>
+              <a:r>
+                <a:rPr lang="en-US" sz="1000" b="1" i="1" dirty="0"/>
                 <a:t>MM</a:t>
               </a:r>
             </a:p>
@@ -6273,8 +6338,8 @@
           </p:nvSpPr>
           <p:spPr>
             <a:xfrm>
-              <a:off x="1406976" y="3129083"/>
-              <a:ext cx="401072" cy="400110"/>
+              <a:off x="1337246" y="3129083"/>
+              <a:ext cx="540533" cy="400110"/>
             </a:xfrm>
             <a:prstGeom prst="rect">
               <a:avLst/>
@@ -6290,15 +6355,20 @@
               <a:pPr algn="ctr"/>
               <a:r>
                 <a:rPr lang="en-US" sz="1000" b="1" dirty="0"/>
+                <a:t>♂</a:t>
+              </a:r>
+            </a:p>
+            <a:p>
+              <a:pPr algn="ctr"/>
+              <a:r>
+                <a:rPr lang="en-US" sz="1000" b="1" dirty="0" err="1"/>
                 <a:t>XX</a:t>
               </a:r>
-            </a:p>
-            <a:p>
-              <a:pPr algn="ctr"/>
-              <a:r>
-                <a:rPr lang="en-US" sz="1000" b="1" dirty="0"/>
+              <a:r>
+                <a:rPr lang="en-US" sz="1000" b="1" i="1" dirty="0" err="1"/>
                 <a:t>Mm</a:t>
               </a:r>
+              <a:endParaRPr lang="en-US" sz="1000" b="1" i="1" dirty="0"/>
             </a:p>
           </p:txBody>
         </p:sp>
@@ -6360,8 +6430,8 @@
           </p:nvSpPr>
           <p:spPr>
             <a:xfrm>
-              <a:off x="699112" y="1763070"/>
-              <a:ext cx="409086" cy="400110"/>
+              <a:off x="628579" y="1763070"/>
+              <a:ext cx="550151" cy="400110"/>
             </a:xfrm>
             <a:prstGeom prst="rect">
               <a:avLst/>
@@ -6377,13 +6447,17 @@
               <a:pPr algn="ctr"/>
               <a:r>
                 <a:rPr lang="en-US" sz="1000" b="1" dirty="0"/>
+                <a:t>♀</a:t>
+              </a:r>
+            </a:p>
+            <a:p>
+              <a:pPr algn="ctr"/>
+              <a:r>
+                <a:rPr lang="en-US" sz="1000" b="1" dirty="0"/>
                 <a:t>XX</a:t>
               </a:r>
-            </a:p>
-            <a:p>
-              <a:pPr algn="ctr"/>
-              <a:r>
-                <a:rPr lang="en-US" sz="1000" b="1" dirty="0"/>
+              <a:r>
+                <a:rPr lang="en-US" sz="1000" b="1" i="1" dirty="0"/>
                 <a:t>MM</a:t>
               </a:r>
             </a:p>
@@ -6447,8 +6521,8 @@
           </p:nvSpPr>
           <p:spPr>
             <a:xfrm>
-              <a:off x="1402969" y="1760278"/>
-              <a:ext cx="409086" cy="400110"/>
+              <a:off x="1334040" y="1760278"/>
+              <a:ext cx="546945" cy="400110"/>
             </a:xfrm>
             <a:prstGeom prst="rect">
               <a:avLst/>
@@ -6464,13 +6538,17 @@
               <a:pPr algn="ctr"/>
               <a:r>
                 <a:rPr lang="en-US" sz="1000" b="1" dirty="0"/>
+                <a:t>♂</a:t>
+              </a:r>
+            </a:p>
+            <a:p>
+              <a:pPr algn="ctr"/>
+              <a:r>
+                <a:rPr lang="en-US" sz="1000" b="1" dirty="0"/>
                 <a:t>XY</a:t>
               </a:r>
-            </a:p>
-            <a:p>
-              <a:pPr algn="ctr"/>
-              <a:r>
-                <a:rPr lang="en-US" sz="1000" b="1" dirty="0"/>
+              <a:r>
+                <a:rPr lang="en-US" sz="1000" b="1" i="1" dirty="0"/>
                 <a:t>MM</a:t>
               </a:r>
             </a:p>
@@ -6570,8 +6648,8 @@
           </p:nvSpPr>
           <p:spPr>
             <a:xfrm>
-              <a:off x="2903000" y="1763372"/>
-              <a:ext cx="409086" cy="400110"/>
+              <a:off x="2832467" y="1763372"/>
+              <a:ext cx="550151" cy="400110"/>
             </a:xfrm>
             <a:prstGeom prst="rect">
               <a:avLst/>
@@ -6587,13 +6665,17 @@
               <a:pPr algn="ctr"/>
               <a:r>
                 <a:rPr lang="en-US" sz="1000" b="1" dirty="0"/>
+                <a:t>♀</a:t>
+              </a:r>
+            </a:p>
+            <a:p>
+              <a:pPr algn="ctr"/>
+              <a:r>
+                <a:rPr lang="en-US" sz="1000" b="1" dirty="0"/>
                 <a:t>XX</a:t>
               </a:r>
-            </a:p>
-            <a:p>
-              <a:pPr algn="ctr"/>
-              <a:r>
-                <a:rPr lang="en-US" sz="1000" b="1" dirty="0"/>
+              <a:r>
+                <a:rPr lang="en-US" sz="1000" b="1" i="1" dirty="0"/>
                 <a:t>MM</a:t>
               </a:r>
             </a:p>
@@ -6657,8 +6739,8 @@
           </p:nvSpPr>
           <p:spPr>
             <a:xfrm>
-              <a:off x="3606857" y="1760580"/>
-              <a:ext cx="409086" cy="400110"/>
+              <a:off x="3537928" y="1760580"/>
+              <a:ext cx="546945" cy="400110"/>
             </a:xfrm>
             <a:prstGeom prst="rect">
               <a:avLst/>
@@ -6674,13 +6756,17 @@
               <a:pPr algn="ctr"/>
               <a:r>
                 <a:rPr lang="en-US" sz="1000" b="1" dirty="0"/>
+                <a:t>♂</a:t>
+              </a:r>
+            </a:p>
+            <a:p>
+              <a:pPr algn="ctr"/>
+              <a:r>
+                <a:rPr lang="en-US" sz="1000" b="1" dirty="0"/>
                 <a:t>XY</a:t>
               </a:r>
-            </a:p>
-            <a:p>
-              <a:pPr algn="ctr"/>
-              <a:r>
-                <a:rPr lang="en-US" sz="1000" b="1" dirty="0"/>
+              <a:r>
+                <a:rPr lang="en-US" sz="1000" b="1" i="1" dirty="0"/>
                 <a:t>MM</a:t>
               </a:r>
             </a:p>
@@ -6780,8 +6866,8 @@
           </p:nvSpPr>
           <p:spPr>
             <a:xfrm>
-              <a:off x="2907007" y="3128882"/>
-              <a:ext cx="401072" cy="400110"/>
+              <a:off x="2839681" y="3128882"/>
+              <a:ext cx="535723" cy="400110"/>
             </a:xfrm>
             <a:prstGeom prst="rect">
               <a:avLst/>
@@ -6797,15 +6883,20 @@
               <a:pPr algn="ctr"/>
               <a:r>
                 <a:rPr lang="en-US" sz="1000" b="1" dirty="0"/>
+                <a:t>♀</a:t>
+              </a:r>
+            </a:p>
+            <a:p>
+              <a:pPr algn="ctr"/>
+              <a:r>
+                <a:rPr lang="en-US" sz="1000" b="1" dirty="0" err="1"/>
                 <a:t>YY</a:t>
               </a:r>
-            </a:p>
-            <a:p>
-              <a:pPr algn="ctr"/>
-              <a:r>
-                <a:rPr lang="en-US" sz="1000" b="1" dirty="0"/>
+              <a:r>
+                <a:rPr lang="en-US" sz="1000" b="1" i="1" dirty="0" err="1"/>
                 <a:t>Mm</a:t>
               </a:r>
+              <a:endParaRPr lang="en-US" sz="1000" b="1" i="1" dirty="0"/>
             </a:p>
           </p:txBody>
         </p:sp>
@@ -6867,8 +6958,8 @@
           </p:nvSpPr>
           <p:spPr>
             <a:xfrm>
-              <a:off x="3606857" y="3126090"/>
-              <a:ext cx="409086" cy="400110"/>
+              <a:off x="3539530" y="3126090"/>
+              <a:ext cx="543739" cy="400110"/>
             </a:xfrm>
             <a:prstGeom prst="rect">
               <a:avLst/>
@@ -6884,13 +6975,17 @@
               <a:pPr algn="ctr"/>
               <a:r>
                 <a:rPr lang="en-US" sz="1000" b="1" dirty="0"/>
+                <a:t>♂</a:t>
+              </a:r>
+            </a:p>
+            <a:p>
+              <a:pPr algn="ctr"/>
+              <a:r>
+                <a:rPr lang="en-US" sz="1000" b="1" dirty="0"/>
                 <a:t>YY</a:t>
               </a:r>
-            </a:p>
-            <a:p>
-              <a:pPr algn="ctr"/>
-              <a:r>
-                <a:rPr lang="en-US" sz="1000" b="1" dirty="0"/>
+              <a:r>
+                <a:rPr lang="en-US" sz="1000" b="1" i="1" dirty="0"/>
                 <a:t>MM</a:t>
               </a:r>
             </a:p>
@@ -6904,8 +6999,8 @@
           </p:nvSpPr>
           <p:spPr>
             <a:xfrm>
-              <a:off x="3028279" y="1501708"/>
-              <a:ext cx="896399" cy="200055"/>
+              <a:off x="2900591" y="1498017"/>
+              <a:ext cx="1194558" cy="246221"/>
             </a:xfrm>
             <a:prstGeom prst="rect">
               <a:avLst/>
@@ -6919,8 +7014,12 @@
             <a:lstStyle/>
             <a:p>
               <a:r>
-                <a:rPr lang="en-US" sz="700" b="1" dirty="0"/>
-                <a:t>m allele is a neo-W</a:t>
+                <a:rPr lang="en-US" sz="1000" b="1" i="1" dirty="0"/>
+                <a:t>m</a:t>
+              </a:r>
+              <a:r>
+                <a:rPr lang="en-US" sz="1000" b="1" dirty="0"/>
+                <a:t> allele is a neo-W</a:t>
               </a:r>
             </a:p>
           </p:txBody>
@@ -6933,8 +7032,8 @@
           </p:nvSpPr>
           <p:spPr>
             <a:xfrm>
-              <a:off x="847406" y="1505996"/>
-              <a:ext cx="861133" cy="200055"/>
+              <a:off x="699112" y="1496975"/>
+              <a:ext cx="1144865" cy="246221"/>
             </a:xfrm>
             <a:prstGeom prst="rect">
               <a:avLst/>
@@ -6948,8 +7047,12 @@
             <a:lstStyle/>
             <a:p>
               <a:r>
-                <a:rPr lang="en-US" sz="700" b="1" dirty="0"/>
-                <a:t>m allele is a neo-Y</a:t>
+                <a:rPr lang="en-US" sz="1000" b="1" i="1" dirty="0"/>
+                <a:t>m</a:t>
+              </a:r>
+              <a:r>
+                <a:rPr lang="en-US" sz="1000" b="1" dirty="0"/>
+                <a:t> allele is a neo-Y</a:t>
               </a:r>
             </a:p>
           </p:txBody>
@@ -6963,8 +7066,8 @@
         </p:nvSpPr>
         <p:spPr>
           <a:xfrm>
-            <a:off x="-30480" y="3453"/>
-            <a:ext cx="247184" cy="246221"/>
+            <a:off x="-37694" y="3453"/>
+            <a:ext cx="261611" cy="246221"/>
           </a:xfrm>
           <a:prstGeom prst="rect">
             <a:avLst/>
@@ -6980,7 +7083,7 @@
             <a:pPr algn="ctr"/>
             <a:r>
               <a:rPr lang="en-US" sz="1000" b="1" dirty="0"/>
-              <a:t>a</a:t>
+              <a:t>A</a:t>
             </a:r>
           </a:p>
         </p:txBody>
@@ -6993,8 +7096,8 @@
         </p:nvSpPr>
         <p:spPr>
           <a:xfrm>
-            <a:off x="1754594" y="0"/>
-            <a:ext cx="253596" cy="246221"/>
+            <a:off x="1752991" y="0"/>
+            <a:ext cx="256802" cy="246221"/>
           </a:xfrm>
           <a:prstGeom prst="rect">
             <a:avLst/>
@@ -7010,7 +7113,7 @@
             <a:pPr algn="ctr"/>
             <a:r>
               <a:rPr lang="en-US" sz="1000" b="1" dirty="0"/>
-              <a:t>b</a:t>
+              <a:t>B</a:t>
             </a:r>
           </a:p>
         </p:txBody>
@@ -7023,8 +7126,8 @@
         </p:nvSpPr>
         <p:spPr>
           <a:xfrm>
-            <a:off x="-25529" y="1423530"/>
-            <a:ext cx="237566" cy="246221"/>
+            <a:off x="-32742" y="1423530"/>
+            <a:ext cx="251992" cy="246221"/>
           </a:xfrm>
           <a:prstGeom prst="rect">
             <a:avLst/>
@@ -7040,7 +7143,7 @@
             <a:pPr algn="ctr"/>
             <a:r>
               <a:rPr lang="en-US" sz="1000" b="1" dirty="0"/>
-              <a:t>c</a:t>
+              <a:t>C</a:t>
             </a:r>
           </a:p>
         </p:txBody>
@@ -7125,8 +7228,8 @@
         </p:nvSpPr>
         <p:spPr>
           <a:xfrm>
-            <a:off x="1933146" y="1423530"/>
-            <a:ext cx="253596" cy="246221"/>
+            <a:off x="1927536" y="1423530"/>
+            <a:ext cx="264816" cy="246221"/>
           </a:xfrm>
           <a:prstGeom prst="rect">
             <a:avLst/>
@@ -7142,7 +7245,7 @@
             <a:pPr algn="ctr"/>
             <a:r>
               <a:rPr lang="en-US" sz="1000" b="1" dirty="0"/>
-              <a:t>d</a:t>
+              <a:t>D</a:t>
             </a:r>
           </a:p>
         </p:txBody>
